--- a/Lesson 05 - Algorithms and Pseudocode/Lesson 05 - Algorithms and Pseudocode.pptx
+++ b/Lesson 05 - Algorithms and Pseudocode/Lesson 05 - Algorithms and Pseudocode.pptx
@@ -5,10 +5,19 @@
     <p:sldMasterId id="2147483764" r:id="rId1"/>
   </p:sldMasterIdLst>
   <p:notesMasterIdLst>
-    <p:notesMasterId r:id="rId3"/>
+    <p:notesMasterId r:id="rId12"/>
   </p:notesMasterIdLst>
   <p:sldIdLst>
     <p:sldId id="256" r:id="rId2"/>
+    <p:sldId id="257" r:id="rId3"/>
+    <p:sldId id="258" r:id="rId4"/>
+    <p:sldId id="259" r:id="rId5"/>
+    <p:sldId id="260" r:id="rId6"/>
+    <p:sldId id="261" r:id="rId7"/>
+    <p:sldId id="262" r:id="rId8"/>
+    <p:sldId id="263" r:id="rId9"/>
+    <p:sldId id="264" r:id="rId10"/>
+    <p:sldId id="265" r:id="rId11"/>
   </p:sldIdLst>
   <p:sldSz cx="12192000" cy="6858000"/>
   <p:notesSz cx="6858000" cy="9144000"/>
@@ -115,6 +124,14 @@
 </p:presentation>
 </file>
 
+<file path=ppt/revisionInfo.xml><?xml version="1.0" encoding="utf-8"?>
+<p1510:revInfo xmlns:a="http://schemas.openxmlformats.org/drawingml/2006/main" xmlns:r="http://schemas.openxmlformats.org/officeDocument/2006/relationships" xmlns:p1510="http://schemas.microsoft.com/office/powerpoint/2015/10/main">
+  <p1510:revLst>
+    <p1510:client id="{F0D5BA32-05CC-49DA-B380-4C1509F025EC}" v="3" dt="2023-09-04T13:57:17.606"/>
+  </p1510:revLst>
+</p1510:revInfo>
+</file>
+
 <file path=ppt/changesInfos/changesInfo1.xml><?xml version="1.0" encoding="utf-8"?>
 <pc:chgInfo xmlns:a="http://schemas.openxmlformats.org/drawingml/2006/main" xmlns:r="http://schemas.openxmlformats.org/officeDocument/2006/relationships" xmlns:ac="http://schemas.microsoft.com/office/drawing/2013/main/command" xmlns:pc="http://schemas.microsoft.com/office/powerpoint/2013/main/command">
   <pc:docChgLst>
@@ -198,6 +215,470 @@
     </pc:docChg>
   </pc:docChgLst>
   <pc:docChgLst>
+    <pc:chgData name="Jim Finn" userId="fcf7da85b79b963a" providerId="LiveId" clId="{F0D5BA32-05CC-49DA-B380-4C1509F025EC}"/>
+    <pc:docChg chg="undo custSel addSld modSld">
+      <pc:chgData name="Jim Finn" userId="fcf7da85b79b963a" providerId="LiveId" clId="{F0D5BA32-05CC-49DA-B380-4C1509F025EC}" dt="2023-09-05T06:38:17.503" v="1046" actId="26606"/>
+      <pc:docMkLst>
+        <pc:docMk/>
+      </pc:docMkLst>
+      <pc:sldChg chg="addSp delSp modSp new mod setBg">
+        <pc:chgData name="Jim Finn" userId="fcf7da85b79b963a" providerId="LiveId" clId="{F0D5BA32-05CC-49DA-B380-4C1509F025EC}" dt="2023-09-04T09:06:12.429" v="161" actId="26606"/>
+        <pc:sldMkLst>
+          <pc:docMk/>
+          <pc:sldMk cId="564935591" sldId="257"/>
+        </pc:sldMkLst>
+        <pc:spChg chg="mod">
+          <ac:chgData name="Jim Finn" userId="fcf7da85b79b963a" providerId="LiveId" clId="{F0D5BA32-05CC-49DA-B380-4C1509F025EC}" dt="2023-09-04T09:05:47.233" v="158" actId="26606"/>
+          <ac:spMkLst>
+            <pc:docMk/>
+            <pc:sldMk cId="564935591" sldId="257"/>
+            <ac:spMk id="2" creationId="{76510DF7-19E0-2C68-1BB4-CA5D59C0C4F5}"/>
+          </ac:spMkLst>
+        </pc:spChg>
+        <pc:spChg chg="mod">
+          <ac:chgData name="Jim Finn" userId="fcf7da85b79b963a" providerId="LiveId" clId="{F0D5BA32-05CC-49DA-B380-4C1509F025EC}" dt="2023-09-04T09:06:12.429" v="161" actId="26606"/>
+          <ac:spMkLst>
+            <pc:docMk/>
+            <pc:sldMk cId="564935591" sldId="257"/>
+            <ac:spMk id="3" creationId="{08F37E19-4514-C016-C960-E2AD2C00E71F}"/>
+          </ac:spMkLst>
+        </pc:spChg>
+        <pc:picChg chg="add mod">
+          <ac:chgData name="Jim Finn" userId="fcf7da85b79b963a" providerId="LiveId" clId="{F0D5BA32-05CC-49DA-B380-4C1509F025EC}" dt="2023-09-04T09:06:12.429" v="161" actId="26606"/>
+          <ac:picMkLst>
+            <pc:docMk/>
+            <pc:sldMk cId="564935591" sldId="257"/>
+            <ac:picMk id="5" creationId="{80BC2013-34C0-AB2E-A98D-D1CE0D083437}"/>
+          </ac:picMkLst>
+        </pc:picChg>
+        <pc:picChg chg="add del">
+          <ac:chgData name="Jim Finn" userId="fcf7da85b79b963a" providerId="LiveId" clId="{F0D5BA32-05CC-49DA-B380-4C1509F025EC}" dt="2023-09-04T09:06:12.429" v="161" actId="26606"/>
+          <ac:picMkLst>
+            <pc:docMk/>
+            <pc:sldMk cId="564935591" sldId="257"/>
+            <ac:picMk id="9" creationId="{559DF61F-9058-49C9-8F75-DC501F983B0E}"/>
+          </ac:picMkLst>
+        </pc:picChg>
+        <pc:picChg chg="add">
+          <ac:chgData name="Jim Finn" userId="fcf7da85b79b963a" providerId="LiveId" clId="{F0D5BA32-05CC-49DA-B380-4C1509F025EC}" dt="2023-09-04T09:06:12.429" v="161" actId="26606"/>
+          <ac:picMkLst>
+            <pc:docMk/>
+            <pc:sldMk cId="564935591" sldId="257"/>
+            <ac:picMk id="14" creationId="{559DF61F-9058-49C9-8F75-DC501F983B0E}"/>
+          </ac:picMkLst>
+        </pc:picChg>
+      </pc:sldChg>
+      <pc:sldChg chg="addSp modSp new mod setBg modNotesTx">
+        <pc:chgData name="Jim Finn" userId="fcf7da85b79b963a" providerId="LiveId" clId="{F0D5BA32-05CC-49DA-B380-4C1509F025EC}" dt="2023-09-04T09:09:48.329" v="467" actId="20577"/>
+        <pc:sldMkLst>
+          <pc:docMk/>
+          <pc:sldMk cId="1474615730" sldId="258"/>
+        </pc:sldMkLst>
+        <pc:spChg chg="mod">
+          <ac:chgData name="Jim Finn" userId="fcf7da85b79b963a" providerId="LiveId" clId="{F0D5BA32-05CC-49DA-B380-4C1509F025EC}" dt="2023-09-04T09:08:25.987" v="246" actId="26606"/>
+          <ac:spMkLst>
+            <pc:docMk/>
+            <pc:sldMk cId="1474615730" sldId="258"/>
+            <ac:spMk id="2" creationId="{3056B0A2-798D-46EE-FAAC-BF39828FD2DB}"/>
+          </ac:spMkLst>
+        </pc:spChg>
+        <pc:spChg chg="mod">
+          <ac:chgData name="Jim Finn" userId="fcf7da85b79b963a" providerId="LiveId" clId="{F0D5BA32-05CC-49DA-B380-4C1509F025EC}" dt="2023-09-04T09:08:57.154" v="311" actId="20577"/>
+          <ac:spMkLst>
+            <pc:docMk/>
+            <pc:sldMk cId="1474615730" sldId="258"/>
+            <ac:spMk id="3" creationId="{17D40225-D943-DDDF-E91C-3D7B5083E6AE}"/>
+          </ac:spMkLst>
+        </pc:spChg>
+        <pc:picChg chg="add">
+          <ac:chgData name="Jim Finn" userId="fcf7da85b79b963a" providerId="LiveId" clId="{F0D5BA32-05CC-49DA-B380-4C1509F025EC}" dt="2023-09-04T09:08:25.987" v="246" actId="26606"/>
+          <ac:picMkLst>
+            <pc:docMk/>
+            <pc:sldMk cId="1474615730" sldId="258"/>
+            <ac:picMk id="5" creationId="{703AA5C6-1DE0-D162-0481-9C393C5E08A8}"/>
+          </ac:picMkLst>
+        </pc:picChg>
+      </pc:sldChg>
+      <pc:sldChg chg="addSp modSp new mod setBg">
+        <pc:chgData name="Jim Finn" userId="fcf7da85b79b963a" providerId="LiveId" clId="{F0D5BA32-05CC-49DA-B380-4C1509F025EC}" dt="2023-09-04T09:11:47.427" v="487" actId="26606"/>
+        <pc:sldMkLst>
+          <pc:docMk/>
+          <pc:sldMk cId="2822633108" sldId="259"/>
+        </pc:sldMkLst>
+        <pc:spChg chg="mod">
+          <ac:chgData name="Jim Finn" userId="fcf7da85b79b963a" providerId="LiveId" clId="{F0D5BA32-05CC-49DA-B380-4C1509F025EC}" dt="2023-09-04T09:11:47.427" v="487" actId="26606"/>
+          <ac:spMkLst>
+            <pc:docMk/>
+            <pc:sldMk cId="2822633108" sldId="259"/>
+            <ac:spMk id="2" creationId="{A561D75D-FA00-E589-9013-C7944030B379}"/>
+          </ac:spMkLst>
+        </pc:spChg>
+        <pc:spChg chg="mod">
+          <ac:chgData name="Jim Finn" userId="fcf7da85b79b963a" providerId="LiveId" clId="{F0D5BA32-05CC-49DA-B380-4C1509F025EC}" dt="2023-09-04T09:11:47.427" v="487" actId="26606"/>
+          <ac:spMkLst>
+            <pc:docMk/>
+            <pc:sldMk cId="2822633108" sldId="259"/>
+            <ac:spMk id="3" creationId="{7D28C9A7-0F03-BDB5-05D0-550317DFF74E}"/>
+          </ac:spMkLst>
+        </pc:spChg>
+        <pc:picChg chg="add">
+          <ac:chgData name="Jim Finn" userId="fcf7da85b79b963a" providerId="LiveId" clId="{F0D5BA32-05CC-49DA-B380-4C1509F025EC}" dt="2023-09-04T09:11:47.427" v="487" actId="26606"/>
+          <ac:picMkLst>
+            <pc:docMk/>
+            <pc:sldMk cId="2822633108" sldId="259"/>
+            <ac:picMk id="5" creationId="{12625BB3-A0B2-2C03-F44A-BC80B6318138}"/>
+          </ac:picMkLst>
+        </pc:picChg>
+        <pc:picChg chg="add">
+          <ac:chgData name="Jim Finn" userId="fcf7da85b79b963a" providerId="LiveId" clId="{F0D5BA32-05CC-49DA-B380-4C1509F025EC}" dt="2023-09-04T09:11:47.427" v="487" actId="26606"/>
+          <ac:picMkLst>
+            <pc:docMk/>
+            <pc:sldMk cId="2822633108" sldId="259"/>
+            <ac:picMk id="9" creationId="{559DF61F-9058-49C9-8F75-DC501F983B0E}"/>
+          </ac:picMkLst>
+        </pc:picChg>
+      </pc:sldChg>
+      <pc:sldChg chg="addSp modSp new mod setBg modClrScheme chgLayout modNotesTx">
+        <pc:chgData name="Jim Finn" userId="fcf7da85b79b963a" providerId="LiveId" clId="{F0D5BA32-05CC-49DA-B380-4C1509F025EC}" dt="2023-09-04T09:28:52.937" v="723" actId="26606"/>
+        <pc:sldMkLst>
+          <pc:docMk/>
+          <pc:sldMk cId="4250628821" sldId="260"/>
+        </pc:sldMkLst>
+        <pc:spChg chg="mod ord">
+          <ac:chgData name="Jim Finn" userId="fcf7da85b79b963a" providerId="LiveId" clId="{F0D5BA32-05CC-49DA-B380-4C1509F025EC}" dt="2023-09-04T09:28:52.937" v="723" actId="26606"/>
+          <ac:spMkLst>
+            <pc:docMk/>
+            <pc:sldMk cId="4250628821" sldId="260"/>
+            <ac:spMk id="2" creationId="{6D0355A7-634E-8454-8B85-6C5B8B046641}"/>
+          </ac:spMkLst>
+        </pc:spChg>
+        <pc:spChg chg="mod ord">
+          <ac:chgData name="Jim Finn" userId="fcf7da85b79b963a" providerId="LiveId" clId="{F0D5BA32-05CC-49DA-B380-4C1509F025EC}" dt="2023-09-04T09:28:52.937" v="723" actId="26606"/>
+          <ac:spMkLst>
+            <pc:docMk/>
+            <pc:sldMk cId="4250628821" sldId="260"/>
+            <ac:spMk id="3" creationId="{6F0797E7-E9B0-306C-9353-AA4BB3F42C9F}"/>
+          </ac:spMkLst>
+        </pc:spChg>
+        <pc:spChg chg="add mod ord">
+          <ac:chgData name="Jim Finn" userId="fcf7da85b79b963a" providerId="LiveId" clId="{F0D5BA32-05CC-49DA-B380-4C1509F025EC}" dt="2023-09-04T09:28:52.937" v="723" actId="26606"/>
+          <ac:spMkLst>
+            <pc:docMk/>
+            <pc:sldMk cId="4250628821" sldId="260"/>
+            <ac:spMk id="4" creationId="{7BF8420F-FB53-0BE7-0BF3-234BF9D00562}"/>
+          </ac:spMkLst>
+        </pc:spChg>
+      </pc:sldChg>
+      <pc:sldChg chg="addSp delSp modSp new mod setBg modNotesTx">
+        <pc:chgData name="Jim Finn" userId="fcf7da85b79b963a" providerId="LiveId" clId="{F0D5BA32-05CC-49DA-B380-4C1509F025EC}" dt="2023-09-04T09:29:05.230" v="726" actId="26606"/>
+        <pc:sldMkLst>
+          <pc:docMk/>
+          <pc:sldMk cId="397441554" sldId="261"/>
+        </pc:sldMkLst>
+        <pc:spChg chg="mod">
+          <ac:chgData name="Jim Finn" userId="fcf7da85b79b963a" providerId="LiveId" clId="{F0D5BA32-05CC-49DA-B380-4C1509F025EC}" dt="2023-09-04T09:29:05.230" v="726" actId="26606"/>
+          <ac:spMkLst>
+            <pc:docMk/>
+            <pc:sldMk cId="397441554" sldId="261"/>
+            <ac:spMk id="2" creationId="{3C7E73AC-2BFB-23E3-63F1-B8D00D047E55}"/>
+          </ac:spMkLst>
+        </pc:spChg>
+        <pc:spChg chg="mod">
+          <ac:chgData name="Jim Finn" userId="fcf7da85b79b963a" providerId="LiveId" clId="{F0D5BA32-05CC-49DA-B380-4C1509F025EC}" dt="2023-09-04T09:29:05.230" v="726" actId="26606"/>
+          <ac:spMkLst>
+            <pc:docMk/>
+            <pc:sldMk cId="397441554" sldId="261"/>
+            <ac:spMk id="3" creationId="{FBD51C5E-EC79-2471-8B81-4BA79E2300DC}"/>
+          </ac:spMkLst>
+        </pc:spChg>
+        <pc:spChg chg="add">
+          <ac:chgData name="Jim Finn" userId="fcf7da85b79b963a" providerId="LiveId" clId="{F0D5BA32-05CC-49DA-B380-4C1509F025EC}" dt="2023-09-04T09:29:05.230" v="726" actId="26606"/>
+          <ac:spMkLst>
+            <pc:docMk/>
+            <pc:sldMk cId="397441554" sldId="261"/>
+            <ac:spMk id="8" creationId="{9A6C2C86-63BF-47D5-AA3F-905111A238E2}"/>
+          </ac:spMkLst>
+        </pc:spChg>
+        <pc:picChg chg="add del">
+          <ac:chgData name="Jim Finn" userId="fcf7da85b79b963a" providerId="LiveId" clId="{F0D5BA32-05CC-49DA-B380-4C1509F025EC}" dt="2023-09-04T09:29:05.145" v="725" actId="26606"/>
+          <ac:picMkLst>
+            <pc:docMk/>
+            <pc:sldMk cId="397441554" sldId="261"/>
+            <ac:picMk id="5" creationId="{58837ADF-A576-2F21-C8EC-844C76095F0A}"/>
+          </ac:picMkLst>
+        </pc:picChg>
+        <pc:cxnChg chg="add">
+          <ac:chgData name="Jim Finn" userId="fcf7da85b79b963a" providerId="LiveId" clId="{F0D5BA32-05CC-49DA-B380-4C1509F025EC}" dt="2023-09-04T09:29:05.230" v="726" actId="26606"/>
+          <ac:cxnSpMkLst>
+            <pc:docMk/>
+            <pc:sldMk cId="397441554" sldId="261"/>
+            <ac:cxnSpMk id="10" creationId="{425A0768-3044-4AA9-A889-D2CAA68C517A}"/>
+          </ac:cxnSpMkLst>
+        </pc:cxnChg>
+      </pc:sldChg>
+      <pc:sldChg chg="addSp delSp modSp new mod setBg modClrScheme chgLayout modNotesTx">
+        <pc:chgData name="Jim Finn" userId="fcf7da85b79b963a" providerId="LiveId" clId="{F0D5BA32-05CC-49DA-B380-4C1509F025EC}" dt="2023-09-04T13:45:41.178" v="818" actId="26606"/>
+        <pc:sldMkLst>
+          <pc:docMk/>
+          <pc:sldMk cId="3134576965" sldId="262"/>
+        </pc:sldMkLst>
+        <pc:spChg chg="mod ord">
+          <ac:chgData name="Jim Finn" userId="fcf7da85b79b963a" providerId="LiveId" clId="{F0D5BA32-05CC-49DA-B380-4C1509F025EC}" dt="2023-09-04T13:45:41.178" v="818" actId="26606"/>
+          <ac:spMkLst>
+            <pc:docMk/>
+            <pc:sldMk cId="3134576965" sldId="262"/>
+            <ac:spMk id="2" creationId="{0A52B047-9883-6385-9689-C08B05360119}"/>
+          </ac:spMkLst>
+        </pc:spChg>
+        <pc:spChg chg="add del mod ord">
+          <ac:chgData name="Jim Finn" userId="fcf7da85b79b963a" providerId="LiveId" clId="{F0D5BA32-05CC-49DA-B380-4C1509F025EC}" dt="2023-09-04T13:45:41.178" v="818" actId="26606"/>
+          <ac:spMkLst>
+            <pc:docMk/>
+            <pc:sldMk cId="3134576965" sldId="262"/>
+            <ac:spMk id="3" creationId="{14134494-604C-5479-7432-714E29C98447}"/>
+          </ac:spMkLst>
+        </pc:spChg>
+        <pc:spChg chg="add mod ord">
+          <ac:chgData name="Jim Finn" userId="fcf7da85b79b963a" providerId="LiveId" clId="{F0D5BA32-05CC-49DA-B380-4C1509F025EC}" dt="2023-09-04T13:45:41.178" v="818" actId="26606"/>
+          <ac:spMkLst>
+            <pc:docMk/>
+            <pc:sldMk cId="3134576965" sldId="262"/>
+            <ac:spMk id="4" creationId="{ACEA34A6-CF4D-69C9-683C-7705E12F59E7}"/>
+          </ac:spMkLst>
+        </pc:spChg>
+        <pc:spChg chg="add">
+          <ac:chgData name="Jim Finn" userId="fcf7da85b79b963a" providerId="LiveId" clId="{F0D5BA32-05CC-49DA-B380-4C1509F025EC}" dt="2023-09-04T13:45:41.178" v="818" actId="26606"/>
+          <ac:spMkLst>
+            <pc:docMk/>
+            <pc:sldMk cId="3134576965" sldId="262"/>
+            <ac:spMk id="8" creationId="{14134494-604C-5479-7432-714E29C98447}"/>
+          </ac:spMkLst>
+        </pc:spChg>
+        <pc:graphicFrameChg chg="add del">
+          <ac:chgData name="Jim Finn" userId="fcf7da85b79b963a" providerId="LiveId" clId="{F0D5BA32-05CC-49DA-B380-4C1509F025EC}" dt="2023-09-04T13:45:41.107" v="817" actId="26606"/>
+          <ac:graphicFrameMkLst>
+            <pc:docMk/>
+            <pc:sldMk cId="3134576965" sldId="262"/>
+            <ac:graphicFrameMk id="6" creationId="{CF205CAA-48E5-F148-013A-A0F29E07C312}"/>
+          </ac:graphicFrameMkLst>
+        </pc:graphicFrameChg>
+        <pc:picChg chg="add del">
+          <ac:chgData name="Jim Finn" userId="fcf7da85b79b963a" providerId="LiveId" clId="{F0D5BA32-05CC-49DA-B380-4C1509F025EC}" dt="2023-09-04T13:45:29.930" v="811" actId="26606"/>
+          <ac:picMkLst>
+            <pc:docMk/>
+            <pc:sldMk cId="3134576965" sldId="262"/>
+            <ac:picMk id="10" creationId="{B577D423-FE81-4236-89DE-39776B810941}"/>
+          </ac:picMkLst>
+        </pc:picChg>
+        <pc:picChg chg="add del">
+          <ac:chgData name="Jim Finn" userId="fcf7da85b79b963a" providerId="LiveId" clId="{F0D5BA32-05CC-49DA-B380-4C1509F025EC}" dt="2023-09-04T13:45:32.144" v="813" actId="26606"/>
+          <ac:picMkLst>
+            <pc:docMk/>
+            <pc:sldMk cId="3134576965" sldId="262"/>
+            <ac:picMk id="12" creationId="{82AABC82-C2D1-4340-A6DF-6E73DF06FCAC}"/>
+          </ac:picMkLst>
+        </pc:picChg>
+      </pc:sldChg>
+      <pc:sldChg chg="addSp delSp modSp new mod setBg modClrScheme chgLayout modNotesTx">
+        <pc:chgData name="Jim Finn" userId="fcf7da85b79b963a" providerId="LiveId" clId="{F0D5BA32-05CC-49DA-B380-4C1509F025EC}" dt="2023-09-04T13:54:49.096" v="895" actId="26606"/>
+        <pc:sldMkLst>
+          <pc:docMk/>
+          <pc:sldMk cId="95783798" sldId="263"/>
+        </pc:sldMkLst>
+        <pc:spChg chg="del mod ord">
+          <ac:chgData name="Jim Finn" userId="fcf7da85b79b963a" providerId="LiveId" clId="{F0D5BA32-05CC-49DA-B380-4C1509F025EC}" dt="2023-09-04T13:45:50.973" v="820" actId="700"/>
+          <ac:spMkLst>
+            <pc:docMk/>
+            <pc:sldMk cId="95783798" sldId="263"/>
+            <ac:spMk id="2" creationId="{43B2FE2A-9ACF-F119-B0D0-7146A055CAE5}"/>
+          </ac:spMkLst>
+        </pc:spChg>
+        <pc:spChg chg="del mod ord">
+          <ac:chgData name="Jim Finn" userId="fcf7da85b79b963a" providerId="LiveId" clId="{F0D5BA32-05CC-49DA-B380-4C1509F025EC}" dt="2023-09-04T13:45:50.973" v="820" actId="700"/>
+          <ac:spMkLst>
+            <pc:docMk/>
+            <pc:sldMk cId="95783798" sldId="263"/>
+            <ac:spMk id="3" creationId="{736B9B67-315F-C899-55C8-C0150A76BEA2}"/>
+          </ac:spMkLst>
+        </pc:spChg>
+        <pc:spChg chg="del">
+          <ac:chgData name="Jim Finn" userId="fcf7da85b79b963a" providerId="LiveId" clId="{F0D5BA32-05CC-49DA-B380-4C1509F025EC}" dt="2023-09-04T13:45:50.973" v="820" actId="700"/>
+          <ac:spMkLst>
+            <pc:docMk/>
+            <pc:sldMk cId="95783798" sldId="263"/>
+            <ac:spMk id="4" creationId="{1AC9F292-5425-D63B-AB5C-2E79E7ABDC1C}"/>
+          </ac:spMkLst>
+        </pc:spChg>
+        <pc:spChg chg="add mod ord">
+          <ac:chgData name="Jim Finn" userId="fcf7da85b79b963a" providerId="LiveId" clId="{F0D5BA32-05CC-49DA-B380-4C1509F025EC}" dt="2023-09-04T13:54:49.096" v="895" actId="26606"/>
+          <ac:spMkLst>
+            <pc:docMk/>
+            <pc:sldMk cId="95783798" sldId="263"/>
+            <ac:spMk id="5" creationId="{C26314DC-7A9B-38F6-2144-14C3DA92B8C0}"/>
+          </ac:spMkLst>
+        </pc:spChg>
+        <pc:spChg chg="add mod ord">
+          <ac:chgData name="Jim Finn" userId="fcf7da85b79b963a" providerId="LiveId" clId="{F0D5BA32-05CC-49DA-B380-4C1509F025EC}" dt="2023-09-04T13:54:49.096" v="895" actId="26606"/>
+          <ac:spMkLst>
+            <pc:docMk/>
+            <pc:sldMk cId="95783798" sldId="263"/>
+            <ac:spMk id="6" creationId="{F5F817E6-B384-4669-63F1-40482C42C970}"/>
+          </ac:spMkLst>
+        </pc:spChg>
+        <pc:picChg chg="add del">
+          <ac:chgData name="Jim Finn" userId="fcf7da85b79b963a" providerId="LiveId" clId="{F0D5BA32-05CC-49DA-B380-4C1509F025EC}" dt="2023-09-04T13:54:42.467" v="890" actId="26606"/>
+          <ac:picMkLst>
+            <pc:docMk/>
+            <pc:sldMk cId="95783798" sldId="263"/>
+            <ac:picMk id="8" creationId="{7AD54901-04AB-EA7B-5EF2-18B1553201B5}"/>
+          </ac:picMkLst>
+        </pc:picChg>
+        <pc:picChg chg="add del">
+          <ac:chgData name="Jim Finn" userId="fcf7da85b79b963a" providerId="LiveId" clId="{F0D5BA32-05CC-49DA-B380-4C1509F025EC}" dt="2023-09-04T13:54:42.467" v="890" actId="26606"/>
+          <ac:picMkLst>
+            <pc:docMk/>
+            <pc:sldMk cId="95783798" sldId="263"/>
+            <ac:picMk id="12" creationId="{559DF61F-9058-49C9-8F75-DC501F983B0E}"/>
+          </ac:picMkLst>
+        </pc:picChg>
+        <pc:picChg chg="add del">
+          <ac:chgData name="Jim Finn" userId="fcf7da85b79b963a" providerId="LiveId" clId="{F0D5BA32-05CC-49DA-B380-4C1509F025EC}" dt="2023-09-04T13:54:46.085" v="892" actId="26606"/>
+          <ac:picMkLst>
+            <pc:docMk/>
+            <pc:sldMk cId="95783798" sldId="263"/>
+            <ac:picMk id="14" creationId="{D26B00B8-55F9-6EB0-A548-1D3822EFD578}"/>
+          </ac:picMkLst>
+        </pc:picChg>
+        <pc:picChg chg="add del">
+          <ac:chgData name="Jim Finn" userId="fcf7da85b79b963a" providerId="LiveId" clId="{F0D5BA32-05CC-49DA-B380-4C1509F025EC}" dt="2023-09-04T13:54:46.085" v="892" actId="26606"/>
+          <ac:picMkLst>
+            <pc:docMk/>
+            <pc:sldMk cId="95783798" sldId="263"/>
+            <ac:picMk id="15" creationId="{E0BE7827-5B1A-4F37-BF70-19F7C5C6BDEB}"/>
+          </ac:picMkLst>
+        </pc:picChg>
+        <pc:picChg chg="add del">
+          <ac:chgData name="Jim Finn" userId="fcf7da85b79b963a" providerId="LiveId" clId="{F0D5BA32-05CC-49DA-B380-4C1509F025EC}" dt="2023-09-04T13:54:48.974" v="894" actId="26606"/>
+          <ac:picMkLst>
+            <pc:docMk/>
+            <pc:sldMk cId="95783798" sldId="263"/>
+            <ac:picMk id="17" creationId="{EEA1BD49-AFDE-D9F3-665E-37AF30EE4D9A}"/>
+          </ac:picMkLst>
+        </pc:picChg>
+        <pc:picChg chg="add">
+          <ac:chgData name="Jim Finn" userId="fcf7da85b79b963a" providerId="LiveId" clId="{F0D5BA32-05CC-49DA-B380-4C1509F025EC}" dt="2023-09-04T13:54:49.096" v="895" actId="26606"/>
+          <ac:picMkLst>
+            <pc:docMk/>
+            <pc:sldMk cId="95783798" sldId="263"/>
+            <ac:picMk id="19" creationId="{7AD54901-04AB-EA7B-5EF2-18B1553201B5}"/>
+          </ac:picMkLst>
+        </pc:picChg>
+        <pc:picChg chg="add">
+          <ac:chgData name="Jim Finn" userId="fcf7da85b79b963a" providerId="LiveId" clId="{F0D5BA32-05CC-49DA-B380-4C1509F025EC}" dt="2023-09-04T13:54:49.096" v="895" actId="26606"/>
+          <ac:picMkLst>
+            <pc:docMk/>
+            <pc:sldMk cId="95783798" sldId="263"/>
+            <ac:picMk id="20" creationId="{559DF61F-9058-49C9-8F75-DC501F983B0E}"/>
+          </ac:picMkLst>
+        </pc:picChg>
+      </pc:sldChg>
+      <pc:sldChg chg="addSp delSp modSp new mod setBg">
+        <pc:chgData name="Jim Finn" userId="fcf7da85b79b963a" providerId="LiveId" clId="{F0D5BA32-05CC-49DA-B380-4C1509F025EC}" dt="2023-09-04T13:57:24.730" v="985" actId="403"/>
+        <pc:sldMkLst>
+          <pc:docMk/>
+          <pc:sldMk cId="2176951814" sldId="264"/>
+        </pc:sldMkLst>
+        <pc:spChg chg="mod">
+          <ac:chgData name="Jim Finn" userId="fcf7da85b79b963a" providerId="LiveId" clId="{F0D5BA32-05CC-49DA-B380-4C1509F025EC}" dt="2023-09-04T13:57:11.226" v="979" actId="26606"/>
+          <ac:spMkLst>
+            <pc:docMk/>
+            <pc:sldMk cId="2176951814" sldId="264"/>
+            <ac:spMk id="2" creationId="{CE4D7757-92BD-1E13-C147-D402A1CBFFA7}"/>
+          </ac:spMkLst>
+        </pc:spChg>
+        <pc:spChg chg="del">
+          <ac:chgData name="Jim Finn" userId="fcf7da85b79b963a" providerId="LiveId" clId="{F0D5BA32-05CC-49DA-B380-4C1509F025EC}" dt="2023-09-04T13:55:55.139" v="927"/>
+          <ac:spMkLst>
+            <pc:docMk/>
+            <pc:sldMk cId="2176951814" sldId="264"/>
+            <ac:spMk id="3" creationId="{42D6ECEA-C07B-E8A1-6DCF-F5D5528AD632}"/>
+          </ac:spMkLst>
+        </pc:spChg>
+        <pc:spChg chg="add mod">
+          <ac:chgData name="Jim Finn" userId="fcf7da85b79b963a" providerId="LiveId" clId="{F0D5BA32-05CC-49DA-B380-4C1509F025EC}" dt="2023-09-04T13:57:24.730" v="985" actId="403"/>
+          <ac:spMkLst>
+            <pc:docMk/>
+            <pc:sldMk cId="2176951814" sldId="264"/>
+            <ac:spMk id="4" creationId="{8EB88956-0114-1247-290A-6250F0B2956E}"/>
+          </ac:spMkLst>
+        </pc:spChg>
+        <pc:picChg chg="add mod">
+          <ac:chgData name="Jim Finn" userId="fcf7da85b79b963a" providerId="LiveId" clId="{F0D5BA32-05CC-49DA-B380-4C1509F025EC}" dt="2023-09-04T13:57:11.238" v="980" actId="26606"/>
+          <ac:picMkLst>
+            <pc:docMk/>
+            <pc:sldMk cId="2176951814" sldId="264"/>
+            <ac:picMk id="6" creationId="{9632A6D1-A3BB-E71A-8FDE-13950CBCB2F9}"/>
+          </ac:picMkLst>
+        </pc:picChg>
+        <pc:picChg chg="add del">
+          <ac:chgData name="Jim Finn" userId="fcf7da85b79b963a" providerId="LiveId" clId="{F0D5BA32-05CC-49DA-B380-4C1509F025EC}" dt="2023-09-04T13:57:11.238" v="980" actId="26606"/>
+          <ac:picMkLst>
+            <pc:docMk/>
+            <pc:sldMk cId="2176951814" sldId="264"/>
+            <ac:picMk id="10" creationId="{559DF61F-9058-49C9-8F75-DC501F983B0E}"/>
+          </ac:picMkLst>
+        </pc:picChg>
+        <pc:picChg chg="add del">
+          <ac:chgData name="Jim Finn" userId="fcf7da85b79b963a" providerId="LiveId" clId="{F0D5BA32-05CC-49DA-B380-4C1509F025EC}" dt="2023-09-04T13:57:11.226" v="979" actId="26606"/>
+          <ac:picMkLst>
+            <pc:docMk/>
+            <pc:sldMk cId="2176951814" sldId="264"/>
+            <ac:picMk id="15" creationId="{E67A036B-F109-477D-A092-D947533E27EA}"/>
+          </ac:picMkLst>
+        </pc:picChg>
+        <pc:picChg chg="add">
+          <ac:chgData name="Jim Finn" userId="fcf7da85b79b963a" providerId="LiveId" clId="{F0D5BA32-05CC-49DA-B380-4C1509F025EC}" dt="2023-09-04T13:57:11.238" v="980" actId="26606"/>
+          <ac:picMkLst>
+            <pc:docMk/>
+            <pc:sldMk cId="2176951814" sldId="264"/>
+            <ac:picMk id="17" creationId="{559DF61F-9058-49C9-8F75-DC501F983B0E}"/>
+          </ac:picMkLst>
+        </pc:picChg>
+      </pc:sldChg>
+      <pc:sldChg chg="addSp modSp new mod setBg modClrScheme chgLayout">
+        <pc:chgData name="Jim Finn" userId="fcf7da85b79b963a" providerId="LiveId" clId="{F0D5BA32-05CC-49DA-B380-4C1509F025EC}" dt="2023-09-05T06:38:17.503" v="1046" actId="26606"/>
+        <pc:sldMkLst>
+          <pc:docMk/>
+          <pc:sldMk cId="2265038885" sldId="265"/>
+        </pc:sldMkLst>
+        <pc:spChg chg="mod ord">
+          <ac:chgData name="Jim Finn" userId="fcf7da85b79b963a" providerId="LiveId" clId="{F0D5BA32-05CC-49DA-B380-4C1509F025EC}" dt="2023-09-05T06:38:17.503" v="1046" actId="26606"/>
+          <ac:spMkLst>
+            <pc:docMk/>
+            <pc:sldMk cId="2265038885" sldId="265"/>
+            <ac:spMk id="2" creationId="{F7A2DEC8-B019-58B7-9BD5-BAF4597BFE78}"/>
+          </ac:spMkLst>
+        </pc:spChg>
+        <pc:spChg chg="mod ord">
+          <ac:chgData name="Jim Finn" userId="fcf7da85b79b963a" providerId="LiveId" clId="{F0D5BA32-05CC-49DA-B380-4C1509F025EC}" dt="2023-09-05T06:38:17.503" v="1046" actId="26606"/>
+          <ac:spMkLst>
+            <pc:docMk/>
+            <pc:sldMk cId="2265038885" sldId="265"/>
+            <ac:spMk id="3" creationId="{F72CA713-A42F-EDC4-FB5B-C7D73368026B}"/>
+          </ac:spMkLst>
+        </pc:spChg>
+        <pc:spChg chg="add mod ord">
+          <ac:chgData name="Jim Finn" userId="fcf7da85b79b963a" providerId="LiveId" clId="{F0D5BA32-05CC-49DA-B380-4C1509F025EC}" dt="2023-09-05T06:38:17.503" v="1046" actId="26606"/>
+          <ac:spMkLst>
+            <pc:docMk/>
+            <pc:sldMk cId="2265038885" sldId="265"/>
+            <ac:spMk id="4" creationId="{53D58DBB-5C55-C8E1-468E-3B4CA4924553}"/>
+          </ac:spMkLst>
+        </pc:spChg>
+      </pc:sldChg>
+    </pc:docChg>
+  </pc:docChgLst>
+  <pc:docChgLst>
     <pc:chgData name="Jim Finn" userId="fcf7da85b79b963a" providerId="LiveId" clId="{F74C3694-0FEE-4431-A945-69CB8EEC4229}"/>
     <pc:docChg chg="modSld">
       <pc:chgData name="Jim Finn" userId="fcf7da85b79b963a" providerId="LiveId" clId="{F74C3694-0FEE-4431-A945-69CB8EEC4229}" dt="2023-08-04T09:04:15.410" v="0"/>
@@ -306,7 +787,7 @@
           <a:p>
             <a:fld id="{1D63DF1F-1749-4BA6-89F1-E731035F336C}" type="datetimeFigureOut">
               <a:rPr lang="en-IE" smtClean="0"/>
-              <a:t>04/08/2023</a:t>
+              <a:t>05/09/2023</a:t>
             </a:fld>
             <a:endParaRPr lang="en-IE"/>
           </a:p>
@@ -574,6 +1055,1085 @@
 </p:notesMaster>
 </file>
 
+<file path=ppt/notesSlides/notesSlide1.xml><?xml version="1.0" encoding="utf-8"?>
+<p:notes xmlns:a="http://schemas.openxmlformats.org/drawingml/2006/main" xmlns:r="http://schemas.openxmlformats.org/officeDocument/2006/relationships" xmlns:p="http://schemas.openxmlformats.org/presentationml/2006/main">
+  <p:cSld>
+    <p:spTree>
+      <p:nvGrpSpPr>
+        <p:cNvPr id="1" name=""/>
+        <p:cNvGrpSpPr/>
+        <p:nvPr/>
+      </p:nvGrpSpPr>
+      <p:grpSpPr>
+        <a:xfrm>
+          <a:off x="0" y="0"/>
+          <a:ext cx="0" cy="0"/>
+          <a:chOff x="0" y="0"/>
+          <a:chExt cx="0" cy="0"/>
+        </a:xfrm>
+      </p:grpSpPr>
+      <p:sp>
+        <p:nvSpPr>
+          <p:cNvPr id="2" name="Slide Image Placeholder 1"/>
+          <p:cNvSpPr>
+            <a:spLocks noGrp="1" noRot="1" noChangeAspect="1"/>
+          </p:cNvSpPr>
+          <p:nvPr>
+            <p:ph type="sldImg"/>
+          </p:nvPr>
+        </p:nvSpPr>
+        <p:spPr/>
+      </p:sp>
+      <p:sp>
+        <p:nvSpPr>
+          <p:cNvPr id="3" name="Notes Placeholder 2"/>
+          <p:cNvSpPr>
+            <a:spLocks noGrp="1"/>
+          </p:cNvSpPr>
+          <p:nvPr>
+            <p:ph type="body" idx="1"/>
+          </p:nvPr>
+        </p:nvSpPr>
+        <p:spPr/>
+        <p:txBody>
+          <a:bodyPr/>
+          <a:lstStyle/>
+          <a:p>
+            <a:r>
+              <a:rPr lang="en-GB" dirty="0"/>
+              <a:t>Examples of Algorithms include the Algorithm Social Media use to deliver content to you. Car Insurance, Credit Rating etc.</a:t>
+            </a:r>
+            <a:endParaRPr lang="en-IE" dirty="0"/>
+          </a:p>
+        </p:txBody>
+      </p:sp>
+      <p:sp>
+        <p:nvSpPr>
+          <p:cNvPr id="4" name="Slide Number Placeholder 3"/>
+          <p:cNvSpPr>
+            <a:spLocks noGrp="1"/>
+          </p:cNvSpPr>
+          <p:nvPr>
+            <p:ph type="sldNum" sz="quarter" idx="5"/>
+          </p:nvPr>
+        </p:nvSpPr>
+        <p:spPr/>
+        <p:txBody>
+          <a:bodyPr/>
+          <a:lstStyle/>
+          <a:p>
+            <a:fld id="{780BE5D7-9946-426E-A9AB-E7CBDF43EB19}" type="slidenum">
+              <a:rPr lang="en-IE" smtClean="0"/>
+              <a:t>3</a:t>
+            </a:fld>
+            <a:endParaRPr lang="en-IE"/>
+          </a:p>
+        </p:txBody>
+      </p:sp>
+    </p:spTree>
+    <p:extLst>
+      <p:ext uri="{BB962C8B-B14F-4D97-AF65-F5344CB8AC3E}">
+        <p14:creationId xmlns:p14="http://schemas.microsoft.com/office/powerpoint/2010/main" val="2002006421"/>
+      </p:ext>
+    </p:extLst>
+  </p:cSld>
+  <p:clrMapOvr>
+    <a:masterClrMapping/>
+  </p:clrMapOvr>
+</p:notes>
+</file>
+
+<file path=ppt/notesSlides/notesSlide2.xml><?xml version="1.0" encoding="utf-8"?>
+<p:notes xmlns:a="http://schemas.openxmlformats.org/drawingml/2006/main" xmlns:r="http://schemas.openxmlformats.org/officeDocument/2006/relationships" xmlns:p="http://schemas.openxmlformats.org/presentationml/2006/main">
+  <p:cSld>
+    <p:spTree>
+      <p:nvGrpSpPr>
+        <p:cNvPr id="1" name=""/>
+        <p:cNvGrpSpPr/>
+        <p:nvPr/>
+      </p:nvGrpSpPr>
+      <p:grpSpPr>
+        <a:xfrm>
+          <a:off x="0" y="0"/>
+          <a:ext cx="0" cy="0"/>
+          <a:chOff x="0" y="0"/>
+          <a:chExt cx="0" cy="0"/>
+        </a:xfrm>
+      </p:grpSpPr>
+      <p:sp>
+        <p:nvSpPr>
+          <p:cNvPr id="2" name="Slide Image Placeholder 1"/>
+          <p:cNvSpPr>
+            <a:spLocks noGrp="1" noRot="1" noChangeAspect="1"/>
+          </p:cNvSpPr>
+          <p:nvPr>
+            <p:ph type="sldImg"/>
+          </p:nvPr>
+        </p:nvSpPr>
+        <p:spPr/>
+      </p:sp>
+      <p:sp>
+        <p:nvSpPr>
+          <p:cNvPr id="3" name="Notes Placeholder 2"/>
+          <p:cNvSpPr>
+            <a:spLocks noGrp="1"/>
+          </p:cNvSpPr>
+          <p:nvPr>
+            <p:ph type="body" idx="1"/>
+          </p:nvPr>
+        </p:nvSpPr>
+        <p:spPr/>
+        <p:txBody>
+          <a:bodyPr/>
+          <a:lstStyle/>
+          <a:p>
+            <a:endParaRPr lang="en-IE" dirty="0"/>
+          </a:p>
+        </p:txBody>
+      </p:sp>
+      <p:sp>
+        <p:nvSpPr>
+          <p:cNvPr id="4" name="Slide Number Placeholder 3"/>
+          <p:cNvSpPr>
+            <a:spLocks noGrp="1"/>
+          </p:cNvSpPr>
+          <p:nvPr>
+            <p:ph type="sldNum" sz="quarter" idx="5"/>
+          </p:nvPr>
+        </p:nvSpPr>
+        <p:spPr/>
+        <p:txBody>
+          <a:bodyPr/>
+          <a:lstStyle/>
+          <a:p>
+            <a:fld id="{780BE5D7-9946-426E-A9AB-E7CBDF43EB19}" type="slidenum">
+              <a:rPr lang="en-IE" smtClean="0"/>
+              <a:t>4</a:t>
+            </a:fld>
+            <a:endParaRPr lang="en-IE"/>
+          </a:p>
+        </p:txBody>
+      </p:sp>
+    </p:spTree>
+    <p:extLst>
+      <p:ext uri="{BB962C8B-B14F-4D97-AF65-F5344CB8AC3E}">
+        <p14:creationId xmlns:p14="http://schemas.microsoft.com/office/powerpoint/2010/main" val="2228444055"/>
+      </p:ext>
+    </p:extLst>
+  </p:cSld>
+  <p:clrMapOvr>
+    <a:masterClrMapping/>
+  </p:clrMapOvr>
+</p:notes>
+</file>
+
+<file path=ppt/notesSlides/notesSlide3.xml><?xml version="1.0" encoding="utf-8"?>
+<p:notes xmlns:a="http://schemas.openxmlformats.org/drawingml/2006/main" xmlns:r="http://schemas.openxmlformats.org/officeDocument/2006/relationships" xmlns:p="http://schemas.openxmlformats.org/presentationml/2006/main">
+  <p:cSld>
+    <p:spTree>
+      <p:nvGrpSpPr>
+        <p:cNvPr id="1" name=""/>
+        <p:cNvGrpSpPr/>
+        <p:nvPr/>
+      </p:nvGrpSpPr>
+      <p:grpSpPr>
+        <a:xfrm>
+          <a:off x="0" y="0"/>
+          <a:ext cx="0" cy="0"/>
+          <a:chOff x="0" y="0"/>
+          <a:chExt cx="0" cy="0"/>
+        </a:xfrm>
+      </p:grpSpPr>
+      <p:sp>
+        <p:nvSpPr>
+          <p:cNvPr id="2" name="Slide Image Placeholder 1"/>
+          <p:cNvSpPr>
+            <a:spLocks noGrp="1" noRot="1" noChangeAspect="1"/>
+          </p:cNvSpPr>
+          <p:nvPr>
+            <p:ph type="sldImg"/>
+          </p:nvPr>
+        </p:nvSpPr>
+        <p:spPr/>
+      </p:sp>
+      <p:sp>
+        <p:nvSpPr>
+          <p:cNvPr id="3" name="Notes Placeholder 2"/>
+          <p:cNvSpPr>
+            <a:spLocks noGrp="1"/>
+          </p:cNvSpPr>
+          <p:nvPr>
+            <p:ph type="body" idx="1"/>
+          </p:nvPr>
+        </p:nvSpPr>
+        <p:spPr/>
+        <p:txBody>
+          <a:bodyPr/>
+          <a:lstStyle/>
+          <a:p>
+            <a:r>
+              <a:rPr lang="en-GB" dirty="0"/>
+              <a:t>Steps to Create and Algorithm</a:t>
+            </a:r>
+          </a:p>
+          <a:p>
+            <a:pPr algn="l">
+              <a:buFont typeface="+mj-lt"/>
+              <a:buAutoNum type="arabicPeriod"/>
+            </a:pPr>
+            <a:r>
+              <a:rPr lang="en-GB" b="0" i="0" dirty="0">
+                <a:effectLst/>
+                <a:latin typeface="-apple-system"/>
+              </a:rPr>
+              <a:t>Clearly Define the Problem: Understand what the problem is asking and identify the inputs and outputs.</a:t>
+            </a:r>
+          </a:p>
+          <a:p>
+            <a:pPr algn="l">
+              <a:buFont typeface="+mj-lt"/>
+              <a:buAutoNum type="arabicPeriod"/>
+            </a:pPr>
+            <a:r>
+              <a:rPr lang="en-GB" b="0" i="0" dirty="0">
+                <a:effectLst/>
+                <a:latin typeface="-apple-system"/>
+              </a:rPr>
+              <a:t>Identify the Procedures: Identify all the steps needed to solve the problem.</a:t>
+            </a:r>
+          </a:p>
+          <a:p>
+            <a:pPr algn="l">
+              <a:buFont typeface="+mj-lt"/>
+              <a:buAutoNum type="arabicPeriod"/>
+            </a:pPr>
+            <a:r>
+              <a:rPr lang="en-GB" b="0" i="0" dirty="0">
+                <a:effectLst/>
+                <a:latin typeface="-apple-system"/>
+              </a:rPr>
+              <a:t>Order procedures: Arrange the steps in a logical sequence while considering any dependencies between the steps.</a:t>
+            </a:r>
+          </a:p>
+          <a:p>
+            <a:pPr algn="l">
+              <a:buFont typeface="+mj-lt"/>
+              <a:buAutoNum type="arabicPeriod"/>
+            </a:pPr>
+            <a:r>
+              <a:rPr lang="en-GB" b="0" i="0" dirty="0">
+                <a:effectLst/>
+                <a:latin typeface="-apple-system"/>
+              </a:rPr>
+              <a:t>Check the Procedures: Review the steps to ensure they are detailed enough and can handle any anticipated issues.</a:t>
+            </a:r>
+          </a:p>
+          <a:p>
+            <a:pPr algn="l">
+              <a:buFont typeface="+mj-lt"/>
+              <a:buAutoNum type="arabicPeriod"/>
+            </a:pPr>
+            <a:r>
+              <a:rPr lang="en-GB" b="0" i="0" dirty="0">
+                <a:effectLst/>
+                <a:latin typeface="-apple-system"/>
+              </a:rPr>
+              <a:t>Test the Algorithm: Run the algorithm with a set of test data to make sure it solves the problem correctly.</a:t>
+            </a:r>
+          </a:p>
+          <a:p>
+            <a:pPr algn="l">
+              <a:buFont typeface="+mj-lt"/>
+              <a:buNone/>
+            </a:pPr>
+            <a:endParaRPr lang="en-GB" b="0" i="0" dirty="0">
+              <a:effectLst/>
+              <a:latin typeface="-apple-system"/>
+            </a:endParaRPr>
+          </a:p>
+          <a:p>
+            <a:pPr algn="l">
+              <a:buFont typeface="+mj-lt"/>
+              <a:buNone/>
+            </a:pPr>
+            <a:r>
+              <a:rPr lang="en-GB" b="0" i="0" dirty="0">
+                <a:effectLst/>
+                <a:latin typeface="-apple-system"/>
+              </a:rPr>
+              <a:t>Types of </a:t>
+            </a:r>
+            <a:r>
+              <a:rPr lang="en-GB" b="0" i="0" dirty="0" err="1">
+                <a:effectLst/>
+                <a:latin typeface="-apple-system"/>
+              </a:rPr>
+              <a:t>Algorithim</a:t>
+            </a:r>
+            <a:endParaRPr lang="en-GB" b="0" i="0" dirty="0">
+              <a:effectLst/>
+              <a:latin typeface="-apple-system"/>
+            </a:endParaRPr>
+          </a:p>
+          <a:p>
+            <a:pPr algn="l">
+              <a:buFont typeface="+mj-lt"/>
+              <a:buAutoNum type="arabicPeriod"/>
+            </a:pPr>
+            <a:r>
+              <a:rPr lang="en-GB" b="0" i="0" dirty="0">
+                <a:effectLst/>
+                <a:latin typeface="-apple-system"/>
+              </a:rPr>
+              <a:t>Recursive Algorithms: These algorithms solve problems by calling themselves to solve smaller instances of the same problem.</a:t>
+            </a:r>
+          </a:p>
+          <a:p>
+            <a:pPr algn="l">
+              <a:buFont typeface="+mj-lt"/>
+              <a:buAutoNum type="arabicPeriod"/>
+            </a:pPr>
+            <a:r>
+              <a:rPr lang="en-GB" b="0" i="0" dirty="0">
+                <a:effectLst/>
+                <a:latin typeface="-apple-system"/>
+              </a:rPr>
+              <a:t>Divide and Conquer Algorithms: These algorithms work by breaking a problem into smaller sub-problems until they become simple enough to be solved directly.</a:t>
+            </a:r>
+          </a:p>
+          <a:p>
+            <a:pPr algn="l">
+              <a:buFont typeface="+mj-lt"/>
+              <a:buAutoNum type="arabicPeriod"/>
+            </a:pPr>
+            <a:r>
+              <a:rPr lang="en-GB" b="0" i="0" dirty="0">
+                <a:effectLst/>
+                <a:latin typeface="-apple-system"/>
+              </a:rPr>
+              <a:t>Greedy Algorithms: These algorithms make the best choice at each step in the hope that these local optimizations will lead to a global optimum.</a:t>
+            </a:r>
+          </a:p>
+          <a:p>
+            <a:pPr algn="l">
+              <a:buFont typeface="+mj-lt"/>
+              <a:buAutoNum type="arabicPeriod"/>
+            </a:pPr>
+            <a:r>
+              <a:rPr lang="en-GB" b="0" i="0" dirty="0">
+                <a:effectLst/>
+                <a:latin typeface="-apple-system"/>
+              </a:rPr>
+              <a:t>Randomized Algorithms: These algorithms make random choices during the problem-solving process to provide a variety of possible solutions.</a:t>
+            </a:r>
+          </a:p>
+          <a:p>
+            <a:pPr algn="l">
+              <a:buFont typeface="+mj-lt"/>
+              <a:buAutoNum type="arabicPeriod"/>
+            </a:pPr>
+            <a:r>
+              <a:rPr lang="en-GB" b="0" i="0" dirty="0">
+                <a:effectLst/>
+                <a:latin typeface="-apple-system"/>
+              </a:rPr>
+              <a:t>Backtracking Algorithms: These algorithms try out all possible solutions and retract (or backtrack) as soon as they find that the solution cannot be found.</a:t>
+            </a:r>
+          </a:p>
+          <a:p>
+            <a:pPr algn="l">
+              <a:buFont typeface="+mj-lt"/>
+              <a:buNone/>
+            </a:pPr>
+            <a:endParaRPr lang="en-GB" b="0" i="0" dirty="0">
+              <a:effectLst/>
+              <a:latin typeface="-apple-system"/>
+            </a:endParaRPr>
+          </a:p>
+          <a:p>
+            <a:endParaRPr lang="en-IE" dirty="0"/>
+          </a:p>
+        </p:txBody>
+      </p:sp>
+      <p:sp>
+        <p:nvSpPr>
+          <p:cNvPr id="4" name="Slide Number Placeholder 3"/>
+          <p:cNvSpPr>
+            <a:spLocks noGrp="1"/>
+          </p:cNvSpPr>
+          <p:nvPr>
+            <p:ph type="sldNum" sz="quarter" idx="5"/>
+          </p:nvPr>
+        </p:nvSpPr>
+        <p:spPr/>
+        <p:txBody>
+          <a:bodyPr/>
+          <a:lstStyle/>
+          <a:p>
+            <a:fld id="{780BE5D7-9946-426E-A9AB-E7CBDF43EB19}" type="slidenum">
+              <a:rPr lang="en-IE" smtClean="0"/>
+              <a:t>5</a:t>
+            </a:fld>
+            <a:endParaRPr lang="en-IE"/>
+          </a:p>
+        </p:txBody>
+      </p:sp>
+    </p:spTree>
+    <p:extLst>
+      <p:ext uri="{BB962C8B-B14F-4D97-AF65-F5344CB8AC3E}">
+        <p14:creationId xmlns:p14="http://schemas.microsoft.com/office/powerpoint/2010/main" val="2104281802"/>
+      </p:ext>
+    </p:extLst>
+  </p:cSld>
+  <p:clrMapOvr>
+    <a:masterClrMapping/>
+  </p:clrMapOvr>
+</p:notes>
+</file>
+
+<file path=ppt/notesSlides/notesSlide4.xml><?xml version="1.0" encoding="utf-8"?>
+<p:notes xmlns:a="http://schemas.openxmlformats.org/drawingml/2006/main" xmlns:r="http://schemas.openxmlformats.org/officeDocument/2006/relationships" xmlns:p="http://schemas.openxmlformats.org/presentationml/2006/main">
+  <p:cSld>
+    <p:spTree>
+      <p:nvGrpSpPr>
+        <p:cNvPr id="1" name=""/>
+        <p:cNvGrpSpPr/>
+        <p:nvPr/>
+      </p:nvGrpSpPr>
+      <p:grpSpPr>
+        <a:xfrm>
+          <a:off x="0" y="0"/>
+          <a:ext cx="0" cy="0"/>
+          <a:chOff x="0" y="0"/>
+          <a:chExt cx="0" cy="0"/>
+        </a:xfrm>
+      </p:grpSpPr>
+      <p:sp>
+        <p:nvSpPr>
+          <p:cNvPr id="2" name="Slide Image Placeholder 1"/>
+          <p:cNvSpPr>
+            <a:spLocks noGrp="1" noRot="1" noChangeAspect="1"/>
+          </p:cNvSpPr>
+          <p:nvPr>
+            <p:ph type="sldImg"/>
+          </p:nvPr>
+        </p:nvSpPr>
+        <p:spPr/>
+      </p:sp>
+      <p:sp>
+        <p:nvSpPr>
+          <p:cNvPr id="3" name="Notes Placeholder 2"/>
+          <p:cNvSpPr>
+            <a:spLocks noGrp="1"/>
+          </p:cNvSpPr>
+          <p:nvPr>
+            <p:ph type="body" idx="1"/>
+          </p:nvPr>
+        </p:nvSpPr>
+        <p:spPr/>
+        <p:txBody>
+          <a:bodyPr/>
+          <a:lstStyle/>
+          <a:p>
+            <a:pPr algn="l">
+              <a:buFont typeface="+mj-lt"/>
+              <a:buAutoNum type="arabicPeriod"/>
+            </a:pPr>
+            <a:r>
+              <a:rPr lang="en-GB" b="0" i="0" dirty="0">
+                <a:effectLst/>
+                <a:latin typeface="-apple-system"/>
+              </a:rPr>
+              <a:t>Unambiguous: Each step in an algorithm should be clear and lead to only one meaning.</a:t>
+            </a:r>
+          </a:p>
+          <a:p>
+            <a:pPr algn="l">
+              <a:buFont typeface="+mj-lt"/>
+              <a:buAutoNum type="arabicPeriod"/>
+            </a:pPr>
+            <a:r>
+              <a:rPr lang="en-GB" b="0" i="0" dirty="0">
+                <a:effectLst/>
+                <a:latin typeface="-apple-system"/>
+              </a:rPr>
+              <a:t>Well-defined Inputs and Outputs: An algorithm should have defined inputs &amp; outputs, and it should be clearly stated what each input represents and what is expected from the outputs.</a:t>
+            </a:r>
+          </a:p>
+          <a:p>
+            <a:pPr algn="l">
+              <a:buFont typeface="+mj-lt"/>
+              <a:buAutoNum type="arabicPeriod"/>
+            </a:pPr>
+            <a:r>
+              <a:rPr lang="en-GB" b="0" i="0" dirty="0">
+                <a:effectLst/>
+                <a:latin typeface="-apple-system"/>
+              </a:rPr>
+              <a:t>Finiteness: The algorithm must always terminate after a finite time.</a:t>
+            </a:r>
+          </a:p>
+          <a:p>
+            <a:pPr algn="l">
+              <a:buFont typeface="+mj-lt"/>
+              <a:buAutoNum type="arabicPeriod"/>
+            </a:pPr>
+            <a:r>
+              <a:rPr lang="en-GB" b="0" i="0" dirty="0">
+                <a:effectLst/>
+                <a:latin typeface="-apple-system"/>
+              </a:rPr>
+              <a:t>Feasibility: An algorithm must be simple, generic and practical such that it can be executed with the available resources.</a:t>
+            </a:r>
+          </a:p>
+          <a:p>
+            <a:pPr algn="l">
+              <a:buFont typeface="+mj-lt"/>
+              <a:buAutoNum type="arabicPeriod"/>
+            </a:pPr>
+            <a:r>
+              <a:rPr lang="en-GB" b="0" i="0" dirty="0">
+                <a:effectLst/>
+                <a:latin typeface="-apple-system"/>
+              </a:rPr>
+              <a:t>Language Independent: Algorithms are not written in a programming language, they should be written in such a way that it can be implemented in multiple programming languages.</a:t>
+            </a:r>
+          </a:p>
+          <a:p>
+            <a:pPr algn="l">
+              <a:buFont typeface="+mj-lt"/>
+              <a:buAutoNum type="arabicPeriod"/>
+            </a:pPr>
+            <a:r>
+              <a:rPr lang="en-GB" b="0" i="0" dirty="0">
+                <a:effectLst/>
+                <a:latin typeface="-apple-system"/>
+              </a:rPr>
+              <a:t>Independent of Machine: They are machine-independent. They should give the expected output with every type of computer having different configurations.</a:t>
+            </a:r>
+          </a:p>
+          <a:p>
+            <a:pPr algn="l">
+              <a:buFont typeface="+mj-lt"/>
+              <a:buAutoNum type="arabicPeriod"/>
+            </a:pPr>
+            <a:r>
+              <a:rPr lang="en-GB" b="0" i="0" dirty="0">
+                <a:effectLst/>
+                <a:latin typeface="-apple-system"/>
+              </a:rPr>
+              <a:t>Efficient: It should make the best use of computational resources (like memory, disk space, time etc).</a:t>
+            </a:r>
+          </a:p>
+          <a:p>
+            <a:endParaRPr lang="en-IE" dirty="0"/>
+          </a:p>
+        </p:txBody>
+      </p:sp>
+      <p:sp>
+        <p:nvSpPr>
+          <p:cNvPr id="4" name="Slide Number Placeholder 3"/>
+          <p:cNvSpPr>
+            <a:spLocks noGrp="1"/>
+          </p:cNvSpPr>
+          <p:nvPr>
+            <p:ph type="sldNum" sz="quarter" idx="5"/>
+          </p:nvPr>
+        </p:nvSpPr>
+        <p:spPr/>
+        <p:txBody>
+          <a:bodyPr/>
+          <a:lstStyle/>
+          <a:p>
+            <a:fld id="{780BE5D7-9946-426E-A9AB-E7CBDF43EB19}" type="slidenum">
+              <a:rPr lang="en-IE" smtClean="0"/>
+              <a:t>6</a:t>
+            </a:fld>
+            <a:endParaRPr lang="en-IE"/>
+          </a:p>
+        </p:txBody>
+      </p:sp>
+    </p:spTree>
+    <p:extLst>
+      <p:ext uri="{BB962C8B-B14F-4D97-AF65-F5344CB8AC3E}">
+        <p14:creationId xmlns:p14="http://schemas.microsoft.com/office/powerpoint/2010/main" val="3473988880"/>
+      </p:ext>
+    </p:extLst>
+  </p:cSld>
+  <p:clrMapOvr>
+    <a:masterClrMapping/>
+  </p:clrMapOvr>
+</p:notes>
+</file>
+
+<file path=ppt/notesSlides/notesSlide5.xml><?xml version="1.0" encoding="utf-8"?>
+<p:notes xmlns:a="http://schemas.openxmlformats.org/drawingml/2006/main" xmlns:r="http://schemas.openxmlformats.org/officeDocument/2006/relationships" xmlns:p="http://schemas.openxmlformats.org/presentationml/2006/main">
+  <p:cSld>
+    <p:spTree>
+      <p:nvGrpSpPr>
+        <p:cNvPr id="1" name=""/>
+        <p:cNvGrpSpPr/>
+        <p:nvPr/>
+      </p:nvGrpSpPr>
+      <p:grpSpPr>
+        <a:xfrm>
+          <a:off x="0" y="0"/>
+          <a:ext cx="0" cy="0"/>
+          <a:chOff x="0" y="0"/>
+          <a:chExt cx="0" cy="0"/>
+        </a:xfrm>
+      </p:grpSpPr>
+      <p:sp>
+        <p:nvSpPr>
+          <p:cNvPr id="2" name="Slide Image Placeholder 1"/>
+          <p:cNvSpPr>
+            <a:spLocks noGrp="1" noRot="1" noChangeAspect="1"/>
+          </p:cNvSpPr>
+          <p:nvPr>
+            <p:ph type="sldImg"/>
+          </p:nvPr>
+        </p:nvSpPr>
+        <p:spPr/>
+      </p:sp>
+      <p:sp>
+        <p:nvSpPr>
+          <p:cNvPr id="3" name="Notes Placeholder 2"/>
+          <p:cNvSpPr>
+            <a:spLocks noGrp="1"/>
+          </p:cNvSpPr>
+          <p:nvPr>
+            <p:ph type="body" idx="1"/>
+          </p:nvPr>
+        </p:nvSpPr>
+        <p:spPr/>
+        <p:txBody>
+          <a:bodyPr/>
+          <a:lstStyle/>
+          <a:p>
+            <a:pPr algn="l">
+              <a:buFont typeface="+mj-lt"/>
+              <a:buAutoNum type="arabicPeriod"/>
+            </a:pPr>
+            <a:r>
+              <a:rPr lang="en-GB" b="0" i="0" dirty="0">
+                <a:effectLst/>
+                <a:latin typeface="-apple-system"/>
+              </a:rPr>
+              <a:t>Clarity: Pseudocode articulates complex instructions clearly and in a human-friendly format.</a:t>
+            </a:r>
+          </a:p>
+          <a:p>
+            <a:pPr algn="l">
+              <a:buFont typeface="+mj-lt"/>
+              <a:buAutoNum type="arabicPeriod"/>
+            </a:pPr>
+            <a:r>
+              <a:rPr lang="en-GB" b="0" i="0" dirty="0">
+                <a:effectLst/>
+                <a:latin typeface="-apple-system"/>
+              </a:rPr>
+              <a:t>Planning: It allows programmers to plan out how they will write their code before they start.</a:t>
+            </a:r>
+          </a:p>
+          <a:p>
+            <a:pPr marL="0" marR="0" lvl="0" indent="0" algn="l" defTabSz="914400" rtl="0" eaLnBrk="1" fontAlgn="auto" latinLnBrk="0" hangingPunct="1">
+              <a:lnSpc>
+                <a:spcPct val="100000"/>
+              </a:lnSpc>
+              <a:spcBef>
+                <a:spcPts val="0"/>
+              </a:spcBef>
+              <a:spcAft>
+                <a:spcPts val="0"/>
+              </a:spcAft>
+              <a:buClrTx/>
+              <a:buSzTx/>
+              <a:buFont typeface="+mj-lt"/>
+              <a:buAutoNum type="arabicPeriod"/>
+              <a:tabLst/>
+              <a:defRPr/>
+            </a:pPr>
+            <a:r>
+              <a:rPr lang="en-GB" b="0" i="0" dirty="0">
+                <a:effectLst/>
+                <a:latin typeface="-apple-system"/>
+              </a:rPr>
+              <a:t>Communication: Pseudocode enables programmers to effectively communicate their algorithmic ideas with colleagues or stakeholders who may not be familiar with programming languages. It provides a common language to discuss and review the proposed solution.</a:t>
+            </a:r>
+          </a:p>
+          <a:p>
+            <a:pPr marL="0" marR="0" lvl="0" indent="0" algn="l" defTabSz="914400" rtl="0" eaLnBrk="1" fontAlgn="auto" latinLnBrk="0" hangingPunct="1">
+              <a:lnSpc>
+                <a:spcPct val="100000"/>
+              </a:lnSpc>
+              <a:spcBef>
+                <a:spcPts val="0"/>
+              </a:spcBef>
+              <a:spcAft>
+                <a:spcPts val="0"/>
+              </a:spcAft>
+              <a:buClrTx/>
+              <a:buSzTx/>
+              <a:buFont typeface="+mj-lt"/>
+              <a:buAutoNum type="arabicPeriod"/>
+              <a:tabLst/>
+              <a:defRPr/>
+            </a:pPr>
+            <a:r>
+              <a:rPr lang="en-GB" b="0" i="0" dirty="0">
+                <a:effectLst/>
+                <a:latin typeface="-apple-system"/>
+              </a:rPr>
+              <a:t>Debugging: Pseudocode helps in spotting logical errors and planning for potential problems before writing the actual code.</a:t>
+            </a:r>
+          </a:p>
+          <a:p>
+            <a:pPr marL="0" marR="0" lvl="0" indent="0" algn="l" defTabSz="914400" rtl="0" eaLnBrk="1" fontAlgn="auto" latinLnBrk="0" hangingPunct="1">
+              <a:lnSpc>
+                <a:spcPct val="100000"/>
+              </a:lnSpc>
+              <a:spcBef>
+                <a:spcPts val="0"/>
+              </a:spcBef>
+              <a:spcAft>
+                <a:spcPts val="0"/>
+              </a:spcAft>
+              <a:buClrTx/>
+              <a:buSzTx/>
+              <a:buFont typeface="+mj-lt"/>
+              <a:buAutoNum type="arabicPeriod"/>
+              <a:tabLst/>
+              <a:defRPr/>
+            </a:pPr>
+            <a:endParaRPr lang="en-GB" b="0" i="0" dirty="0">
+              <a:effectLst/>
+              <a:latin typeface="-apple-system"/>
+            </a:endParaRPr>
+          </a:p>
+          <a:p>
+            <a:pPr marL="0" marR="0" lvl="0" indent="0" algn="l" defTabSz="914400" rtl="0" eaLnBrk="1" fontAlgn="auto" latinLnBrk="0" hangingPunct="1">
+              <a:lnSpc>
+                <a:spcPct val="100000"/>
+              </a:lnSpc>
+              <a:spcBef>
+                <a:spcPts val="0"/>
+              </a:spcBef>
+              <a:spcAft>
+                <a:spcPts val="0"/>
+              </a:spcAft>
+              <a:buClrTx/>
+              <a:buSzTx/>
+              <a:buFont typeface="+mj-lt"/>
+              <a:buNone/>
+              <a:tabLst/>
+              <a:defRPr/>
+            </a:pPr>
+            <a:r>
+              <a:rPr lang="en-GB" b="0" i="0" dirty="0">
+                <a:effectLst/>
+                <a:latin typeface="-apple-system"/>
+              </a:rPr>
+              <a:t>Properties</a:t>
+            </a:r>
+          </a:p>
+          <a:p>
+            <a:pPr algn="l">
+              <a:buFont typeface="+mj-lt"/>
+              <a:buAutoNum type="arabicPeriod"/>
+            </a:pPr>
+            <a:r>
+              <a:rPr lang="en-GB" b="0" i="0" dirty="0">
+                <a:effectLst/>
+                <a:latin typeface="-apple-system"/>
+              </a:rPr>
+              <a:t>Simple: It uses plain English to describe the steps in an algorithm, which makes it easy to read and understand.</a:t>
+            </a:r>
+          </a:p>
+          <a:p>
+            <a:pPr algn="l">
+              <a:buFont typeface="+mj-lt"/>
+              <a:buAutoNum type="arabicPeriod"/>
+            </a:pPr>
+            <a:r>
+              <a:rPr lang="en-GB" b="0" i="0" dirty="0">
+                <a:effectLst/>
+                <a:latin typeface="-apple-system"/>
+              </a:rPr>
+              <a:t>Independent: It’s language independent which means it is not governed by any specific programming language rule. It’s a general outline of the process that the code should follow.</a:t>
+            </a:r>
+          </a:p>
+          <a:p>
+            <a:pPr algn="l">
+              <a:buFont typeface="+mj-lt"/>
+              <a:buAutoNum type="arabicPeriod"/>
+            </a:pPr>
+            <a:r>
+              <a:rPr lang="en-GB" b="0" i="0" dirty="0">
+                <a:effectLst/>
+                <a:latin typeface="-apple-system"/>
+              </a:rPr>
+              <a:t>Ambiguity Free: Each instruction is clear and precise.</a:t>
+            </a:r>
+          </a:p>
+          <a:p>
+            <a:pPr algn="l">
+              <a:buFont typeface="+mj-lt"/>
+              <a:buAutoNum type="arabicPeriod"/>
+            </a:pPr>
+            <a:r>
+              <a:rPr lang="en-GB" b="0" i="0" dirty="0">
+                <a:effectLst/>
+                <a:latin typeface="-apple-system"/>
+              </a:rPr>
+              <a:t>High Level: It describes the high-level design and logic of the algorithm, without going into the technical details of the programming languages.</a:t>
+            </a:r>
+          </a:p>
+          <a:p>
+            <a:pPr marL="0" marR="0" lvl="0" indent="0" algn="l" defTabSz="914400" rtl="0" eaLnBrk="1" fontAlgn="auto" latinLnBrk="0" hangingPunct="1">
+              <a:lnSpc>
+                <a:spcPct val="100000"/>
+              </a:lnSpc>
+              <a:spcBef>
+                <a:spcPts val="0"/>
+              </a:spcBef>
+              <a:spcAft>
+                <a:spcPts val="0"/>
+              </a:spcAft>
+              <a:buClrTx/>
+              <a:buSzTx/>
+              <a:buFont typeface="+mj-lt"/>
+              <a:buAutoNum type="arabicPeriod"/>
+              <a:tabLst/>
+              <a:defRPr/>
+            </a:pPr>
+            <a:endParaRPr lang="en-GB" b="0" i="0" dirty="0">
+              <a:effectLst/>
+              <a:latin typeface="-apple-system"/>
+            </a:endParaRPr>
+          </a:p>
+          <a:p>
+            <a:pPr marL="0" marR="0" lvl="0" indent="0" algn="l" defTabSz="914400" rtl="0" eaLnBrk="1" fontAlgn="auto" latinLnBrk="0" hangingPunct="1">
+              <a:lnSpc>
+                <a:spcPct val="100000"/>
+              </a:lnSpc>
+              <a:spcBef>
+                <a:spcPts val="0"/>
+              </a:spcBef>
+              <a:spcAft>
+                <a:spcPts val="0"/>
+              </a:spcAft>
+              <a:buClrTx/>
+              <a:buSzTx/>
+              <a:buFont typeface="+mj-lt"/>
+              <a:buAutoNum type="arabicPeriod"/>
+              <a:tabLst/>
+              <a:defRPr/>
+            </a:pPr>
+            <a:endParaRPr lang="en-GB" b="0" i="0" dirty="0">
+              <a:effectLst/>
+              <a:latin typeface="-apple-system"/>
+            </a:endParaRPr>
+          </a:p>
+          <a:p>
+            <a:pPr algn="l">
+              <a:buFont typeface="+mj-lt"/>
+              <a:buAutoNum type="arabicPeriod"/>
+            </a:pPr>
+            <a:endParaRPr lang="en-GB" b="0" i="0" dirty="0">
+              <a:effectLst/>
+              <a:latin typeface="-apple-system"/>
+            </a:endParaRPr>
+          </a:p>
+          <a:p>
+            <a:endParaRPr lang="en-IE" dirty="0"/>
+          </a:p>
+        </p:txBody>
+      </p:sp>
+      <p:sp>
+        <p:nvSpPr>
+          <p:cNvPr id="4" name="Slide Number Placeholder 3"/>
+          <p:cNvSpPr>
+            <a:spLocks noGrp="1"/>
+          </p:cNvSpPr>
+          <p:nvPr>
+            <p:ph type="sldNum" sz="quarter" idx="5"/>
+          </p:nvPr>
+        </p:nvSpPr>
+        <p:spPr/>
+        <p:txBody>
+          <a:bodyPr/>
+          <a:lstStyle/>
+          <a:p>
+            <a:fld id="{780BE5D7-9946-426E-A9AB-E7CBDF43EB19}" type="slidenum">
+              <a:rPr lang="en-IE" smtClean="0"/>
+              <a:t>7</a:t>
+            </a:fld>
+            <a:endParaRPr lang="en-IE"/>
+          </a:p>
+        </p:txBody>
+      </p:sp>
+    </p:spTree>
+    <p:extLst>
+      <p:ext uri="{BB962C8B-B14F-4D97-AF65-F5344CB8AC3E}">
+        <p14:creationId xmlns:p14="http://schemas.microsoft.com/office/powerpoint/2010/main" val="2413885671"/>
+      </p:ext>
+    </p:extLst>
+  </p:cSld>
+  <p:clrMapOvr>
+    <a:masterClrMapping/>
+  </p:clrMapOvr>
+</p:notes>
+</file>
+
+<file path=ppt/notesSlides/notesSlide6.xml><?xml version="1.0" encoding="utf-8"?>
+<p:notes xmlns:a="http://schemas.openxmlformats.org/drawingml/2006/main" xmlns:r="http://schemas.openxmlformats.org/officeDocument/2006/relationships" xmlns:p="http://schemas.openxmlformats.org/presentationml/2006/main">
+  <p:cSld>
+    <p:spTree>
+      <p:nvGrpSpPr>
+        <p:cNvPr id="1" name=""/>
+        <p:cNvGrpSpPr/>
+        <p:nvPr/>
+      </p:nvGrpSpPr>
+      <p:grpSpPr>
+        <a:xfrm>
+          <a:off x="0" y="0"/>
+          <a:ext cx="0" cy="0"/>
+          <a:chOff x="0" y="0"/>
+          <a:chExt cx="0" cy="0"/>
+        </a:xfrm>
+      </p:grpSpPr>
+      <p:sp>
+        <p:nvSpPr>
+          <p:cNvPr id="2" name="Slide Image Placeholder 1"/>
+          <p:cNvSpPr>
+            <a:spLocks noGrp="1" noRot="1" noChangeAspect="1"/>
+          </p:cNvSpPr>
+          <p:nvPr>
+            <p:ph type="sldImg"/>
+          </p:nvPr>
+        </p:nvSpPr>
+        <p:spPr/>
+      </p:sp>
+      <p:sp>
+        <p:nvSpPr>
+          <p:cNvPr id="3" name="Notes Placeholder 2"/>
+          <p:cNvSpPr>
+            <a:spLocks noGrp="1"/>
+          </p:cNvSpPr>
+          <p:nvPr>
+            <p:ph type="body" idx="1"/>
+          </p:nvPr>
+        </p:nvSpPr>
+        <p:spPr/>
+        <p:txBody>
+          <a:bodyPr/>
+          <a:lstStyle/>
+          <a:p>
+            <a:pPr algn="l">
+              <a:buFont typeface="+mj-lt"/>
+              <a:buAutoNum type="arabicPeriod"/>
+            </a:pPr>
+            <a:r>
+              <a:rPr lang="en-GB" b="0" i="0" dirty="0">
+                <a:effectLst/>
+                <a:latin typeface="-apple-system"/>
+              </a:rPr>
+              <a:t>Write one statement per line: Every instruction is clearly defined on a line by itself.</a:t>
+            </a:r>
+          </a:p>
+          <a:p>
+            <a:pPr algn="l">
+              <a:buFont typeface="+mj-lt"/>
+              <a:buAutoNum type="arabicPeriod"/>
+            </a:pPr>
+            <a:r>
+              <a:rPr lang="en-GB" b="0" i="0" dirty="0">
+                <a:effectLst/>
+                <a:latin typeface="-apple-system"/>
+              </a:rPr>
+              <a:t>Use Simple English: Avoid any programming language specific jargon, so it’s understandable to people who don’t necessarily know that language.</a:t>
+            </a:r>
+          </a:p>
+          <a:p>
+            <a:pPr algn="l">
+              <a:buFont typeface="+mj-lt"/>
+              <a:buAutoNum type="arabicPeriod"/>
+            </a:pPr>
+            <a:r>
+              <a:rPr lang="en-GB" b="0" i="0" dirty="0">
+                <a:effectLst/>
+                <a:latin typeface="-apple-system"/>
+              </a:rPr>
+              <a:t>Indent for logic: Similar to actual code, pseudocode should use indents to identify nested instructions like loops or if else statements.</a:t>
+            </a:r>
+          </a:p>
+          <a:p>
+            <a:pPr algn="l">
+              <a:buFont typeface="+mj-lt"/>
+              <a:buAutoNum type="arabicPeriod"/>
+            </a:pPr>
+            <a:r>
+              <a:rPr lang="en-GB" b="0" i="0" dirty="0">
+                <a:effectLst/>
+                <a:latin typeface="-apple-system"/>
+              </a:rPr>
+              <a:t>Keep it short: Focus on the key steps and don’t include unnecessary details that can confuse the reader.</a:t>
+            </a:r>
+          </a:p>
+          <a:p>
+            <a:pPr algn="l">
+              <a:buFont typeface="+mj-lt"/>
+              <a:buAutoNum type="arabicPeriod"/>
+            </a:pPr>
+            <a:r>
+              <a:rPr lang="en-GB" b="0" i="0" dirty="0">
+                <a:effectLst/>
+                <a:latin typeface="-apple-system"/>
+              </a:rPr>
+              <a:t>Be specific: While simplicity is key, avoid being vague. Include enough detail to express what is happening in each step clearly.</a:t>
+            </a:r>
+          </a:p>
+          <a:p>
+            <a:endParaRPr lang="en-IE" dirty="0"/>
+          </a:p>
+        </p:txBody>
+      </p:sp>
+      <p:sp>
+        <p:nvSpPr>
+          <p:cNvPr id="4" name="Slide Number Placeholder 3"/>
+          <p:cNvSpPr>
+            <a:spLocks noGrp="1"/>
+          </p:cNvSpPr>
+          <p:nvPr>
+            <p:ph type="sldNum" sz="quarter" idx="5"/>
+          </p:nvPr>
+        </p:nvSpPr>
+        <p:spPr/>
+        <p:txBody>
+          <a:bodyPr/>
+          <a:lstStyle/>
+          <a:p>
+            <a:fld id="{780BE5D7-9946-426E-A9AB-E7CBDF43EB19}" type="slidenum">
+              <a:rPr lang="en-IE" smtClean="0"/>
+              <a:t>8</a:t>
+            </a:fld>
+            <a:endParaRPr lang="en-IE"/>
+          </a:p>
+        </p:txBody>
+      </p:sp>
+    </p:spTree>
+    <p:extLst>
+      <p:ext uri="{BB962C8B-B14F-4D97-AF65-F5344CB8AC3E}">
+        <p14:creationId xmlns:p14="http://schemas.microsoft.com/office/powerpoint/2010/main" val="4100071698"/>
+      </p:ext>
+    </p:extLst>
+  </p:cSld>
+  <p:clrMapOvr>
+    <a:masterClrMapping/>
+  </p:clrMapOvr>
+</p:notes>
+</file>
+
 <file path=ppt/slideLayouts/slideLayout1.xml><?xml version="1.0" encoding="utf-8"?>
 <p:sldLayout xmlns:a="http://schemas.openxmlformats.org/drawingml/2006/main" xmlns:r="http://schemas.openxmlformats.org/officeDocument/2006/relationships" xmlns:p="http://schemas.openxmlformats.org/presentationml/2006/main" type="title" preserve="1">
   <p:cSld name="Title Slide">
@@ -759,7 +2319,7 @@
           <a:p>
             <a:fld id="{76969C88-B244-455D-A017-012B25B1ACDD}" type="datetimeFigureOut">
               <a:rPr lang="en-US" smtClean="0"/>
-              <a:t>8/4/2023</a:t>
+              <a:t>9/5/2023</a:t>
             </a:fld>
             <a:endParaRPr lang="en-US"/>
           </a:p>
@@ -1058,7 +2618,7 @@
             <a:fld id="{76969C88-B244-455D-A017-012B25B1ACDD}" type="datetimeFigureOut">
               <a:rPr lang="en-US" smtClean="0"/>
               <a:pPr/>
-              <a:t>8/4/2023</a:t>
+              <a:t>9/5/2023</a:t>
             </a:fld>
             <a:endParaRPr lang="en-US"/>
           </a:p>
@@ -1252,7 +2812,7 @@
             <a:fld id="{76969C88-B244-455D-A017-012B25B1ACDD}" type="datetimeFigureOut">
               <a:rPr lang="en-US" smtClean="0"/>
               <a:pPr/>
-              <a:t>8/4/2023</a:t>
+              <a:t>9/5/2023</a:t>
             </a:fld>
             <a:endParaRPr lang="en-US"/>
           </a:p>
@@ -1515,7 +3075,7 @@
             <a:fld id="{76969C88-B244-455D-A017-012B25B1ACDD}" type="datetimeFigureOut">
               <a:rPr lang="en-US" smtClean="0"/>
               <a:pPr/>
-              <a:t>8/4/2023</a:t>
+              <a:t>9/5/2023</a:t>
             </a:fld>
             <a:endParaRPr lang="en-US"/>
           </a:p>
@@ -1941,7 +3501,7 @@
             <a:fld id="{76969C88-B244-455D-A017-012B25B1ACDD}" type="datetimeFigureOut">
               <a:rPr lang="en-US" smtClean="0"/>
               <a:pPr/>
-              <a:t>8/4/2023</a:t>
+              <a:t>9/5/2023</a:t>
             </a:fld>
             <a:endParaRPr lang="en-US"/>
           </a:p>
@@ -2480,7 +4040,7 @@
             <a:fld id="{76969C88-B244-455D-A017-012B25B1ACDD}" type="datetimeFigureOut">
               <a:rPr lang="en-US" smtClean="0"/>
               <a:pPr/>
-              <a:t>8/4/2023</a:t>
+              <a:t>9/5/2023</a:t>
             </a:fld>
             <a:endParaRPr lang="en-US"/>
           </a:p>
@@ -3346,7 +4906,7 @@
             <a:fld id="{76969C88-B244-455D-A017-012B25B1ACDD}" type="datetimeFigureOut">
               <a:rPr lang="en-US" smtClean="0"/>
               <a:pPr/>
-              <a:t>8/4/2023</a:t>
+              <a:t>9/5/2023</a:t>
             </a:fld>
             <a:endParaRPr lang="en-US"/>
           </a:p>
@@ -3517,7 +5077,7 @@
           <a:p>
             <a:fld id="{76969C88-B244-455D-A017-012B25B1ACDD}" type="datetimeFigureOut">
               <a:rPr lang="en-US" smtClean="0"/>
-              <a:t>8/4/2023</a:t>
+              <a:t>9/5/2023</a:t>
             </a:fld>
             <a:endParaRPr lang="en-US"/>
           </a:p>
@@ -3701,7 +5261,7 @@
           <a:p>
             <a:fld id="{76969C88-B244-455D-A017-012B25B1ACDD}" type="datetimeFigureOut">
               <a:rPr lang="en-US" smtClean="0"/>
-              <a:t>8/4/2023</a:t>
+              <a:t>9/5/2023</a:t>
             </a:fld>
             <a:endParaRPr lang="en-US"/>
           </a:p>
@@ -3871,7 +5431,7 @@
           <a:p>
             <a:fld id="{76969C88-B244-455D-A017-012B25B1ACDD}" type="datetimeFigureOut">
               <a:rPr lang="en-US" smtClean="0"/>
-              <a:t>8/4/2023</a:t>
+              <a:t>9/5/2023</a:t>
             </a:fld>
             <a:endParaRPr lang="en-US"/>
           </a:p>
@@ -4115,7 +5675,7 @@
           <a:p>
             <a:fld id="{76969C88-B244-455D-A017-012B25B1ACDD}" type="datetimeFigureOut">
               <a:rPr lang="en-US" smtClean="0"/>
-              <a:t>8/4/2023</a:t>
+              <a:t>9/5/2023</a:t>
             </a:fld>
             <a:endParaRPr lang="en-US"/>
           </a:p>
@@ -4351,7 +5911,7 @@
           <a:p>
             <a:fld id="{76969C88-B244-455D-A017-012B25B1ACDD}" type="datetimeFigureOut">
               <a:rPr lang="en-US" smtClean="0"/>
-              <a:t>8/4/2023</a:t>
+              <a:t>9/5/2023</a:t>
             </a:fld>
             <a:endParaRPr lang="en-US"/>
           </a:p>
@@ -4817,7 +6377,7 @@
           <a:p>
             <a:fld id="{76969C88-B244-455D-A017-012B25B1ACDD}" type="datetimeFigureOut">
               <a:rPr lang="en-US" smtClean="0"/>
-              <a:t>8/4/2023</a:t>
+              <a:t>9/5/2023</a:t>
             </a:fld>
             <a:endParaRPr lang="en-US"/>
           </a:p>
@@ -4935,7 +6495,7 @@
           <a:p>
             <a:fld id="{76969C88-B244-455D-A017-012B25B1ACDD}" type="datetimeFigureOut">
               <a:rPr lang="en-US" smtClean="0"/>
-              <a:t>8/4/2023</a:t>
+              <a:t>9/5/2023</a:t>
             </a:fld>
             <a:endParaRPr lang="en-US"/>
           </a:p>
@@ -5030,7 +6590,7 @@
           <a:p>
             <a:fld id="{76969C88-B244-455D-A017-012B25B1ACDD}" type="datetimeFigureOut">
               <a:rPr lang="en-US" smtClean="0"/>
-              <a:t>8/4/2023</a:t>
+              <a:t>9/5/2023</a:t>
             </a:fld>
             <a:endParaRPr lang="en-US"/>
           </a:p>
@@ -5285,7 +6845,7 @@
           <a:p>
             <a:fld id="{76969C88-B244-455D-A017-012B25B1ACDD}" type="datetimeFigureOut">
               <a:rPr lang="en-US" smtClean="0"/>
-              <a:t>8/4/2023</a:t>
+              <a:t>9/5/2023</a:t>
             </a:fld>
             <a:endParaRPr lang="en-US"/>
           </a:p>
@@ -5585,7 +7145,7 @@
           <a:p>
             <a:fld id="{76969C88-B244-455D-A017-012B25B1ACDD}" type="datetimeFigureOut">
               <a:rPr lang="en-US" smtClean="0"/>
-              <a:t>8/4/2023</a:t>
+              <a:t>9/5/2023</a:t>
             </a:fld>
             <a:endParaRPr lang="en-US"/>
           </a:p>
@@ -5820,7 +7380,7 @@
             <a:fld id="{76969C88-B244-455D-A017-012B25B1ACDD}" type="datetimeFigureOut">
               <a:rPr lang="en-US" smtClean="0"/>
               <a:pPr/>
-              <a:t>8/4/2023</a:t>
+              <a:t>9/5/2023</a:t>
             </a:fld>
             <a:endParaRPr lang="en-US"/>
           </a:p>
@@ -6629,6 +8189,3566 @@
 </p:sld>
 </file>
 
+<file path=ppt/slides/slide10.xml><?xml version="1.0" encoding="utf-8"?>
+<p:sld xmlns:a="http://schemas.openxmlformats.org/drawingml/2006/main" xmlns:r="http://schemas.openxmlformats.org/officeDocument/2006/relationships" xmlns:p="http://schemas.openxmlformats.org/presentationml/2006/main">
+  <p:cSld>
+    <p:bg>
+      <p:bgPr>
+        <a:blipFill rotWithShape="1">
+          <a:blip r:embed="rId2">
+            <a:duotone>
+              <a:schemeClr val="bg2">
+                <a:shade val="80000"/>
+                <a:lumMod val="80000"/>
+              </a:schemeClr>
+              <a:schemeClr val="bg2">
+                <a:tint val="98000"/>
+              </a:schemeClr>
+            </a:duotone>
+          </a:blip>
+          <a:stretch/>
+        </a:blipFill>
+        <a:effectLst/>
+      </p:bgPr>
+    </p:bg>
+    <p:spTree>
+      <p:nvGrpSpPr>
+        <p:cNvPr id="1" name=""/>
+        <p:cNvGrpSpPr/>
+        <p:nvPr/>
+      </p:nvGrpSpPr>
+      <p:grpSpPr>
+        <a:xfrm>
+          <a:off x="0" y="0"/>
+          <a:ext cx="0" cy="0"/>
+          <a:chOff x="0" y="0"/>
+          <a:chExt cx="0" cy="0"/>
+        </a:xfrm>
+      </p:grpSpPr>
+      <p:sp>
+        <p:nvSpPr>
+          <p:cNvPr id="2" name="Title 1">
+            <a:extLst>
+              <a:ext uri="{FF2B5EF4-FFF2-40B4-BE49-F238E27FC236}">
+                <a16:creationId xmlns:a16="http://schemas.microsoft.com/office/drawing/2014/main" id="{F7A2DEC8-B019-58B7-9BD5-BAF4597BFE78}"/>
+              </a:ext>
+            </a:extLst>
+          </p:cNvPr>
+          <p:cNvSpPr>
+            <a:spLocks noGrp="1"/>
+          </p:cNvSpPr>
+          <p:nvPr>
+            <p:ph type="title"/>
+          </p:nvPr>
+        </p:nvSpPr>
+        <p:spPr>
+          <a:xfrm>
+            <a:off x="913795" y="609600"/>
+            <a:ext cx="10353762" cy="970450"/>
+          </a:xfrm>
+        </p:spPr>
+        <p:txBody>
+          <a:bodyPr vert="horz" lIns="91440" tIns="45720" rIns="91440" bIns="45720" rtlCol="0" anchor="ctr">
+            <a:normAutofit/>
+          </a:bodyPr>
+          <a:lstStyle/>
+          <a:p>
+            <a:r>
+              <a:rPr lang="en-US"/>
+              <a:t>Convert to Pseudocode</a:t>
+            </a:r>
+          </a:p>
+        </p:txBody>
+      </p:sp>
+      <p:sp>
+        <p:nvSpPr>
+          <p:cNvPr id="3" name="Content Placeholder 2">
+            <a:extLst>
+              <a:ext uri="{FF2B5EF4-FFF2-40B4-BE49-F238E27FC236}">
+                <a16:creationId xmlns:a16="http://schemas.microsoft.com/office/drawing/2014/main" id="{F72CA713-A42F-EDC4-FB5B-C7D73368026B}"/>
+              </a:ext>
+            </a:extLst>
+          </p:cNvPr>
+          <p:cNvSpPr>
+            <a:spLocks noGrp="1"/>
+          </p:cNvSpPr>
+          <p:nvPr>
+            <p:ph sz="half" idx="1"/>
+          </p:nvPr>
+        </p:nvSpPr>
+        <p:spPr>
+          <a:xfrm>
+            <a:off x="914400" y="1732223"/>
+            <a:ext cx="5060454" cy="4058716"/>
+          </a:xfrm>
+        </p:spPr>
+        <p:txBody>
+          <a:bodyPr>
+            <a:normAutofit/>
+          </a:bodyPr>
+          <a:lstStyle/>
+          <a:p>
+            <a:pPr marL="339471" indent="-302940" defTabSz="452628">
+              <a:spcAft>
+                <a:spcPts val="594"/>
+              </a:spcAft>
+            </a:pPr>
+            <a:r>
+              <a:rPr lang="en-GB" sz="1980" kern="1200">
+                <a:ln>
+                  <a:solidFill>
+                    <a:schemeClr val="bg1">
+                      <a:lumMod val="75000"/>
+                      <a:lumOff val="25000"/>
+                      <a:alpha val="10000"/>
+                    </a:schemeClr>
+                  </a:solidFill>
+                </a:ln>
+                <a:solidFill>
+                  <a:schemeClr val="tx1"/>
+                </a:solidFill>
+                <a:effectLst/>
+                <a:latin typeface="Arial" panose="020B0604020202020204" pitchFamily="34" charset="0"/>
+                <a:ea typeface="+mn-ea"/>
+                <a:cs typeface="+mn-cs"/>
+              </a:rPr>
+              <a:t>START </a:t>
+            </a:r>
+          </a:p>
+          <a:p>
+            <a:pPr marL="712800" lvl="1" indent="-267300" defTabSz="452628">
+              <a:spcAft>
+                <a:spcPts val="594"/>
+              </a:spcAft>
+            </a:pPr>
+            <a:r>
+              <a:rPr lang="en-GB" sz="1782" kern="1200">
+                <a:ln>
+                  <a:solidFill>
+                    <a:schemeClr val="bg1">
+                      <a:lumMod val="75000"/>
+                      <a:lumOff val="25000"/>
+                      <a:alpha val="10000"/>
+                    </a:schemeClr>
+                  </a:solidFill>
+                </a:ln>
+                <a:solidFill>
+                  <a:schemeClr val="tx1"/>
+                </a:solidFill>
+                <a:effectLst/>
+                <a:latin typeface="Arial" panose="020B0604020202020204" pitchFamily="34" charset="0"/>
+                <a:ea typeface="+mn-ea"/>
+                <a:cs typeface="+mn-cs"/>
+              </a:rPr>
+              <a:t>Fill up kettle with water </a:t>
+            </a:r>
+          </a:p>
+          <a:p>
+            <a:pPr marL="712800" lvl="1" indent="-267300" defTabSz="452628">
+              <a:spcAft>
+                <a:spcPts val="594"/>
+              </a:spcAft>
+            </a:pPr>
+            <a:r>
+              <a:rPr lang="en-GB" sz="1782" kern="1200">
+                <a:ln>
+                  <a:solidFill>
+                    <a:schemeClr val="bg1">
+                      <a:lumMod val="75000"/>
+                      <a:lumOff val="25000"/>
+                      <a:alpha val="10000"/>
+                    </a:schemeClr>
+                  </a:solidFill>
+                </a:ln>
+                <a:solidFill>
+                  <a:schemeClr val="tx1"/>
+                </a:solidFill>
+                <a:effectLst/>
+                <a:latin typeface="Arial" panose="020B0604020202020204" pitchFamily="34" charset="0"/>
+                <a:ea typeface="+mn-ea"/>
+                <a:cs typeface="+mn-cs"/>
+              </a:rPr>
+              <a:t>Turn ON Kettle </a:t>
+            </a:r>
+          </a:p>
+          <a:p>
+            <a:pPr marL="712800" lvl="1" indent="-267300" defTabSz="452628">
+              <a:spcAft>
+                <a:spcPts val="594"/>
+              </a:spcAft>
+            </a:pPr>
+            <a:r>
+              <a:rPr lang="en-GB" sz="1782" kern="1200">
+                <a:ln>
+                  <a:solidFill>
+                    <a:schemeClr val="bg1">
+                      <a:lumMod val="75000"/>
+                      <a:lumOff val="25000"/>
+                      <a:alpha val="10000"/>
+                    </a:schemeClr>
+                  </a:solidFill>
+                </a:ln>
+                <a:solidFill>
+                  <a:schemeClr val="tx1"/>
+                </a:solidFill>
+                <a:effectLst/>
+                <a:latin typeface="Arial" panose="020B0604020202020204" pitchFamily="34" charset="0"/>
+                <a:ea typeface="+mn-ea"/>
+                <a:cs typeface="+mn-cs"/>
+              </a:rPr>
+              <a:t>Place teabag in cup </a:t>
+            </a:r>
+          </a:p>
+          <a:p>
+            <a:pPr marL="712800" lvl="1" indent="-267300" defTabSz="452628">
+              <a:spcAft>
+                <a:spcPts val="594"/>
+              </a:spcAft>
+            </a:pPr>
+            <a:r>
+              <a:rPr lang="en-GB" sz="1782" kern="1200">
+                <a:ln>
+                  <a:solidFill>
+                    <a:schemeClr val="bg1">
+                      <a:lumMod val="75000"/>
+                      <a:lumOff val="25000"/>
+                      <a:alpha val="10000"/>
+                    </a:schemeClr>
+                  </a:solidFill>
+                </a:ln>
+                <a:solidFill>
+                  <a:schemeClr val="tx1"/>
+                </a:solidFill>
+                <a:effectLst/>
+                <a:latin typeface="Arial" panose="020B0604020202020204" pitchFamily="34" charset="0"/>
+                <a:ea typeface="+mn-ea"/>
+                <a:cs typeface="+mn-cs"/>
+              </a:rPr>
+              <a:t>IF tea requires sugar THEN </a:t>
+            </a:r>
+          </a:p>
+          <a:p>
+            <a:pPr marL="1015740" lvl="2" indent="-213840" defTabSz="452628">
+              <a:spcAft>
+                <a:spcPts val="594"/>
+              </a:spcAft>
+            </a:pPr>
+            <a:r>
+              <a:rPr lang="en-GB" sz="1584" kern="1200">
+                <a:ln>
+                  <a:solidFill>
+                    <a:schemeClr val="bg1">
+                      <a:lumMod val="75000"/>
+                      <a:lumOff val="25000"/>
+                      <a:alpha val="10000"/>
+                    </a:schemeClr>
+                  </a:solidFill>
+                </a:ln>
+                <a:solidFill>
+                  <a:schemeClr val="tx1"/>
+                </a:solidFill>
+                <a:effectLst/>
+                <a:latin typeface="Arial" panose="020B0604020202020204" pitchFamily="34" charset="0"/>
+                <a:ea typeface="+mn-ea"/>
+                <a:cs typeface="+mn-cs"/>
+              </a:rPr>
+              <a:t>Add sugar in the cup </a:t>
+            </a:r>
+          </a:p>
+          <a:p>
+            <a:pPr marL="712800" lvl="1" indent="-267300" defTabSz="452628">
+              <a:spcAft>
+                <a:spcPts val="594"/>
+              </a:spcAft>
+            </a:pPr>
+            <a:r>
+              <a:rPr lang="en-GB" sz="1782" kern="1200">
+                <a:ln>
+                  <a:solidFill>
+                    <a:schemeClr val="bg1">
+                      <a:lumMod val="75000"/>
+                      <a:lumOff val="25000"/>
+                      <a:alpha val="10000"/>
+                    </a:schemeClr>
+                  </a:solidFill>
+                </a:ln>
+                <a:solidFill>
+                  <a:schemeClr val="tx1"/>
+                </a:solidFill>
+                <a:effectLst/>
+                <a:latin typeface="Arial" panose="020B0604020202020204" pitchFamily="34" charset="0"/>
+                <a:ea typeface="+mn-ea"/>
+                <a:cs typeface="+mn-cs"/>
+              </a:rPr>
+              <a:t>ENDIF </a:t>
+            </a:r>
+          </a:p>
+          <a:p>
+            <a:pPr marL="712800" lvl="1" indent="-267300" defTabSz="452628">
+              <a:spcAft>
+                <a:spcPts val="594"/>
+              </a:spcAft>
+            </a:pPr>
+            <a:r>
+              <a:rPr lang="en-GB" sz="1782" kern="1200">
+                <a:ln>
+                  <a:solidFill>
+                    <a:schemeClr val="bg1">
+                      <a:lumMod val="75000"/>
+                      <a:lumOff val="25000"/>
+                      <a:alpha val="10000"/>
+                    </a:schemeClr>
+                  </a:solidFill>
+                </a:ln>
+                <a:solidFill>
+                  <a:schemeClr val="tx1"/>
+                </a:solidFill>
+                <a:effectLst/>
+                <a:latin typeface="Arial" panose="020B0604020202020204" pitchFamily="34" charset="0"/>
+                <a:ea typeface="+mn-ea"/>
+                <a:cs typeface="+mn-cs"/>
+              </a:rPr>
+              <a:t>WAIT until kettle switches OFF </a:t>
+            </a:r>
+          </a:p>
+          <a:p>
+            <a:pPr marL="712800" lvl="1" indent="-267300" defTabSz="452628">
+              <a:spcAft>
+                <a:spcPts val="594"/>
+              </a:spcAft>
+            </a:pPr>
+            <a:r>
+              <a:rPr lang="en-GB" sz="1782" kern="1200">
+                <a:ln>
+                  <a:solidFill>
+                    <a:schemeClr val="bg1">
+                      <a:lumMod val="75000"/>
+                      <a:lumOff val="25000"/>
+                      <a:alpha val="10000"/>
+                    </a:schemeClr>
+                  </a:solidFill>
+                </a:ln>
+                <a:solidFill>
+                  <a:schemeClr val="tx1"/>
+                </a:solidFill>
+                <a:effectLst/>
+                <a:latin typeface="Arial" panose="020B0604020202020204" pitchFamily="34" charset="0"/>
+                <a:ea typeface="+mn-ea"/>
+                <a:cs typeface="+mn-cs"/>
+              </a:rPr>
+              <a:t>Pour water in cup </a:t>
+            </a:r>
+            <a:endParaRPr lang="en-GB" b="0" i="0">
+              <a:solidFill>
+                <a:schemeClr val="tx1"/>
+              </a:solidFill>
+              <a:effectLst/>
+              <a:latin typeface="Arial" panose="020B0604020202020204" pitchFamily="34" charset="0"/>
+            </a:endParaRPr>
+          </a:p>
+        </p:txBody>
+      </p:sp>
+      <p:sp>
+        <p:nvSpPr>
+          <p:cNvPr id="4" name="Content Placeholder 3">
+            <a:extLst>
+              <a:ext uri="{FF2B5EF4-FFF2-40B4-BE49-F238E27FC236}">
+                <a16:creationId xmlns:a16="http://schemas.microsoft.com/office/drawing/2014/main" id="{53D58DBB-5C55-C8E1-468E-3B4CA4924553}"/>
+              </a:ext>
+            </a:extLst>
+          </p:cNvPr>
+          <p:cNvSpPr>
+            <a:spLocks noGrp="1"/>
+          </p:cNvSpPr>
+          <p:nvPr>
+            <p:ph sz="half" idx="2"/>
+          </p:nvPr>
+        </p:nvSpPr>
+        <p:spPr>
+          <a:xfrm>
+            <a:off x="6203453" y="1732223"/>
+            <a:ext cx="5064622" cy="4058717"/>
+          </a:xfrm>
+        </p:spPr>
+        <p:txBody>
+          <a:bodyPr/>
+          <a:lstStyle/>
+          <a:p>
+            <a:pPr marL="712800" lvl="1" indent="-267300" defTabSz="452628">
+              <a:spcAft>
+                <a:spcPts val="594"/>
+              </a:spcAft>
+            </a:pPr>
+            <a:r>
+              <a:rPr lang="en-GB" sz="1782" kern="1200">
+                <a:ln>
+                  <a:solidFill>
+                    <a:schemeClr val="bg1">
+                      <a:lumMod val="75000"/>
+                      <a:lumOff val="25000"/>
+                      <a:alpha val="10000"/>
+                    </a:schemeClr>
+                  </a:solidFill>
+                </a:ln>
+                <a:solidFill>
+                  <a:schemeClr val="tx1"/>
+                </a:solidFill>
+                <a:effectLst/>
+                <a:latin typeface="Arial" panose="020B0604020202020204" pitchFamily="34" charset="0"/>
+                <a:ea typeface="+mn-ea"/>
+                <a:cs typeface="+mn-cs"/>
+              </a:rPr>
+              <a:t>Stir the mixture </a:t>
+            </a:r>
+          </a:p>
+          <a:p>
+            <a:pPr marL="712800" lvl="1" indent="-267300" defTabSz="452628">
+              <a:spcAft>
+                <a:spcPts val="594"/>
+              </a:spcAft>
+            </a:pPr>
+            <a:r>
+              <a:rPr lang="en-GB" sz="1782" kern="1200">
+                <a:ln>
+                  <a:solidFill>
+                    <a:schemeClr val="bg1">
+                      <a:lumMod val="75000"/>
+                      <a:lumOff val="25000"/>
+                      <a:alpha val="10000"/>
+                    </a:schemeClr>
+                  </a:solidFill>
+                </a:ln>
+                <a:solidFill>
+                  <a:schemeClr val="tx1"/>
+                </a:solidFill>
+                <a:effectLst/>
+                <a:latin typeface="Arial" panose="020B0604020202020204" pitchFamily="34" charset="0"/>
+                <a:ea typeface="+mn-ea"/>
+                <a:cs typeface="+mn-cs"/>
+              </a:rPr>
+              <a:t>Wait 2 minutes </a:t>
+            </a:r>
+          </a:p>
+          <a:p>
+            <a:pPr marL="712800" lvl="1" indent="-267300" defTabSz="452628">
+              <a:spcAft>
+                <a:spcPts val="594"/>
+              </a:spcAft>
+            </a:pPr>
+            <a:r>
+              <a:rPr lang="en-GB" sz="1782" kern="1200">
+                <a:ln>
+                  <a:solidFill>
+                    <a:schemeClr val="bg1">
+                      <a:lumMod val="75000"/>
+                      <a:lumOff val="25000"/>
+                      <a:alpha val="10000"/>
+                    </a:schemeClr>
+                  </a:solidFill>
+                </a:ln>
+                <a:solidFill>
+                  <a:schemeClr val="tx1"/>
+                </a:solidFill>
+                <a:effectLst/>
+                <a:latin typeface="Arial" panose="020B0604020202020204" pitchFamily="34" charset="0"/>
+                <a:ea typeface="+mn-ea"/>
+                <a:cs typeface="+mn-cs"/>
+              </a:rPr>
+              <a:t>Remove teabag </a:t>
+            </a:r>
+          </a:p>
+          <a:p>
+            <a:pPr marL="712800" lvl="1" indent="-267300" defTabSz="452628">
+              <a:spcAft>
+                <a:spcPts val="594"/>
+              </a:spcAft>
+            </a:pPr>
+            <a:r>
+              <a:rPr lang="en-GB" sz="1782" kern="1200">
+                <a:ln>
+                  <a:solidFill>
+                    <a:schemeClr val="bg1">
+                      <a:lumMod val="75000"/>
+                      <a:lumOff val="25000"/>
+                      <a:alpha val="10000"/>
+                    </a:schemeClr>
+                  </a:solidFill>
+                </a:ln>
+                <a:solidFill>
+                  <a:schemeClr val="tx1"/>
+                </a:solidFill>
+                <a:effectLst/>
+                <a:latin typeface="Arial" panose="020B0604020202020204" pitchFamily="34" charset="0"/>
+                <a:ea typeface="+mn-ea"/>
+                <a:cs typeface="+mn-cs"/>
+              </a:rPr>
+              <a:t>IF milk needed THEN </a:t>
+            </a:r>
+          </a:p>
+          <a:p>
+            <a:pPr marL="1015740" lvl="2" indent="-213840" defTabSz="452628">
+              <a:spcAft>
+                <a:spcPts val="594"/>
+              </a:spcAft>
+            </a:pPr>
+            <a:r>
+              <a:rPr lang="en-GB" sz="1584" kern="1200">
+                <a:ln>
+                  <a:solidFill>
+                    <a:schemeClr val="bg1">
+                      <a:lumMod val="75000"/>
+                      <a:lumOff val="25000"/>
+                      <a:alpha val="10000"/>
+                    </a:schemeClr>
+                  </a:solidFill>
+                </a:ln>
+                <a:solidFill>
+                  <a:schemeClr val="tx1"/>
+                </a:solidFill>
+                <a:effectLst/>
+                <a:latin typeface="Arial" panose="020B0604020202020204" pitchFamily="34" charset="0"/>
+                <a:ea typeface="+mn-ea"/>
+                <a:cs typeface="+mn-cs"/>
+              </a:rPr>
+              <a:t>Add milk to cup </a:t>
+            </a:r>
+          </a:p>
+          <a:p>
+            <a:pPr marL="1015740" lvl="2" indent="-213840" defTabSz="452628">
+              <a:spcAft>
+                <a:spcPts val="594"/>
+              </a:spcAft>
+            </a:pPr>
+            <a:r>
+              <a:rPr lang="en-GB" sz="1584" kern="1200">
+                <a:ln>
+                  <a:solidFill>
+                    <a:schemeClr val="bg1">
+                      <a:lumMod val="75000"/>
+                      <a:lumOff val="25000"/>
+                      <a:alpha val="10000"/>
+                    </a:schemeClr>
+                  </a:solidFill>
+                </a:ln>
+                <a:solidFill>
+                  <a:schemeClr val="tx1"/>
+                </a:solidFill>
+                <a:effectLst/>
+                <a:latin typeface="Arial" panose="020B0604020202020204" pitchFamily="34" charset="0"/>
+                <a:ea typeface="+mn-ea"/>
+                <a:cs typeface="+mn-cs"/>
+              </a:rPr>
+              <a:t>Stir the mixture </a:t>
+            </a:r>
+          </a:p>
+          <a:p>
+            <a:pPr marL="712800" lvl="1" indent="-267300" defTabSz="452628">
+              <a:spcAft>
+                <a:spcPts val="594"/>
+              </a:spcAft>
+            </a:pPr>
+            <a:r>
+              <a:rPr lang="en-GB" sz="1782" kern="1200">
+                <a:ln>
+                  <a:solidFill>
+                    <a:schemeClr val="bg1">
+                      <a:lumMod val="75000"/>
+                      <a:lumOff val="25000"/>
+                      <a:alpha val="10000"/>
+                    </a:schemeClr>
+                  </a:solidFill>
+                </a:ln>
+                <a:solidFill>
+                  <a:schemeClr val="tx1"/>
+                </a:solidFill>
+                <a:effectLst/>
+                <a:latin typeface="Arial" panose="020B0604020202020204" pitchFamily="34" charset="0"/>
+                <a:ea typeface="+mn-ea"/>
+                <a:cs typeface="+mn-cs"/>
+              </a:rPr>
+              <a:t>ENDIF </a:t>
+            </a:r>
+          </a:p>
+          <a:p>
+            <a:pPr marL="712800" lvl="1" indent="-267300" defTabSz="452628">
+              <a:spcAft>
+                <a:spcPts val="594"/>
+              </a:spcAft>
+            </a:pPr>
+            <a:r>
+              <a:rPr lang="en-GB" sz="1782" kern="1200">
+                <a:ln>
+                  <a:solidFill>
+                    <a:schemeClr val="bg1">
+                      <a:lumMod val="75000"/>
+                      <a:lumOff val="25000"/>
+                      <a:alpha val="10000"/>
+                    </a:schemeClr>
+                  </a:solidFill>
+                </a:ln>
+                <a:solidFill>
+                  <a:schemeClr val="tx1"/>
+                </a:solidFill>
+                <a:effectLst/>
+                <a:latin typeface="Arial" panose="020B0604020202020204" pitchFamily="34" charset="0"/>
+                <a:ea typeface="+mn-ea"/>
+                <a:cs typeface="+mn-cs"/>
+              </a:rPr>
+              <a:t>PRINT "Tea is ready!" </a:t>
+            </a:r>
+          </a:p>
+          <a:p>
+            <a:pPr marL="339471" indent="-302940" defTabSz="452628">
+              <a:spcAft>
+                <a:spcPts val="594"/>
+              </a:spcAft>
+            </a:pPr>
+            <a:r>
+              <a:rPr lang="en-GB" sz="1980" kern="1200">
+                <a:ln>
+                  <a:solidFill>
+                    <a:schemeClr val="bg1">
+                      <a:lumMod val="75000"/>
+                      <a:lumOff val="25000"/>
+                      <a:alpha val="10000"/>
+                    </a:schemeClr>
+                  </a:solidFill>
+                </a:ln>
+                <a:solidFill>
+                  <a:schemeClr val="tx1"/>
+                </a:solidFill>
+                <a:effectLst/>
+                <a:latin typeface="Arial" panose="020B0604020202020204" pitchFamily="34" charset="0"/>
+                <a:ea typeface="+mn-ea"/>
+                <a:cs typeface="+mn-cs"/>
+              </a:rPr>
+              <a:t>STOP</a:t>
+            </a:r>
+            <a:endParaRPr lang="en-IE" sz="1980" kern="1200">
+              <a:ln>
+                <a:solidFill>
+                  <a:schemeClr val="bg1">
+                    <a:lumMod val="75000"/>
+                    <a:lumOff val="25000"/>
+                    <a:alpha val="10000"/>
+                  </a:schemeClr>
+                </a:solidFill>
+              </a:ln>
+              <a:solidFill>
+                <a:schemeClr val="tx1"/>
+              </a:solidFill>
+              <a:effectLst>
+                <a:outerShdw blurRad="9525" dist="25400" dir="14640000" algn="tl" rotWithShape="0">
+                  <a:schemeClr val="bg1">
+                    <a:alpha val="30000"/>
+                  </a:schemeClr>
+                </a:outerShdw>
+              </a:effectLst>
+              <a:latin typeface="+mn-lt"/>
+              <a:ea typeface="+mn-ea"/>
+              <a:cs typeface="+mn-cs"/>
+            </a:endParaRPr>
+          </a:p>
+          <a:p>
+            <a:endParaRPr lang="en-IE"/>
+          </a:p>
+        </p:txBody>
+      </p:sp>
+    </p:spTree>
+    <p:extLst>
+      <p:ext uri="{BB962C8B-B14F-4D97-AF65-F5344CB8AC3E}">
+        <p14:creationId xmlns:p14="http://schemas.microsoft.com/office/powerpoint/2010/main" val="2265038885"/>
+      </p:ext>
+    </p:extLst>
+  </p:cSld>
+  <p:clrMapOvr>
+    <a:masterClrMapping/>
+  </p:clrMapOvr>
+</p:sld>
+</file>
+
+<file path=ppt/slides/slide2.xml><?xml version="1.0" encoding="utf-8"?>
+<p:sld xmlns:a="http://schemas.openxmlformats.org/drawingml/2006/main" xmlns:r="http://schemas.openxmlformats.org/officeDocument/2006/relationships" xmlns:p="http://schemas.openxmlformats.org/presentationml/2006/main">
+  <p:cSld>
+    <p:bg>
+      <p:bgPr>
+        <a:blipFill rotWithShape="1">
+          <a:blip r:embed="rId2">
+            <a:duotone>
+              <a:schemeClr val="bg2">
+                <a:shade val="80000"/>
+                <a:lumMod val="80000"/>
+              </a:schemeClr>
+              <a:schemeClr val="bg2">
+                <a:tint val="98000"/>
+              </a:schemeClr>
+            </a:duotone>
+          </a:blip>
+          <a:stretch/>
+        </a:blipFill>
+        <a:effectLst/>
+      </p:bgPr>
+    </p:bg>
+    <p:spTree>
+      <p:nvGrpSpPr>
+        <p:cNvPr id="1" name=""/>
+        <p:cNvGrpSpPr/>
+        <p:nvPr/>
+      </p:nvGrpSpPr>
+      <p:grpSpPr>
+        <a:xfrm>
+          <a:off x="0" y="0"/>
+          <a:ext cx="0" cy="0"/>
+          <a:chOff x="0" y="0"/>
+          <a:chExt cx="0" cy="0"/>
+        </a:xfrm>
+      </p:grpSpPr>
+      <p:sp>
+        <p:nvSpPr>
+          <p:cNvPr id="2" name="Title 1">
+            <a:extLst>
+              <a:ext uri="{FF2B5EF4-FFF2-40B4-BE49-F238E27FC236}">
+                <a16:creationId xmlns:a16="http://schemas.microsoft.com/office/drawing/2014/main" id="{76510DF7-19E0-2C68-1BB4-CA5D59C0C4F5}"/>
+              </a:ext>
+            </a:extLst>
+          </p:cNvPr>
+          <p:cNvSpPr>
+            <a:spLocks noGrp="1"/>
+          </p:cNvSpPr>
+          <p:nvPr>
+            <p:ph type="title"/>
+          </p:nvPr>
+        </p:nvSpPr>
+        <p:spPr>
+          <a:xfrm>
+            <a:off x="5146160" y="609600"/>
+            <a:ext cx="5978072" cy="970450"/>
+          </a:xfrm>
+        </p:spPr>
+        <p:txBody>
+          <a:bodyPr>
+            <a:normAutofit/>
+          </a:bodyPr>
+          <a:lstStyle/>
+          <a:p>
+            <a:r>
+              <a:rPr lang="en-GB" dirty="0"/>
+              <a:t>Lesson Objectives</a:t>
+            </a:r>
+            <a:endParaRPr lang="en-IE" dirty="0"/>
+          </a:p>
+        </p:txBody>
+      </p:sp>
+      <p:pic>
+        <p:nvPicPr>
+          <p:cNvPr id="5" name="Picture 4" descr="Computer script on a screen">
+            <a:extLst>
+              <a:ext uri="{FF2B5EF4-FFF2-40B4-BE49-F238E27FC236}">
+                <a16:creationId xmlns:a16="http://schemas.microsoft.com/office/drawing/2014/main" id="{80BC2013-34C0-AB2E-A98D-D1CE0D083437}"/>
+              </a:ext>
+            </a:extLst>
+          </p:cNvPr>
+          <p:cNvPicPr>
+            <a:picLocks noChangeAspect="1"/>
+          </p:cNvPicPr>
+          <p:nvPr/>
+        </p:nvPicPr>
+        <p:blipFill rotWithShape="1">
+          <a:blip r:embed="rId3"/>
+          <a:srcRect l="7539" r="47964" b="-2"/>
+          <a:stretch/>
+        </p:blipFill>
+        <p:spPr>
+          <a:xfrm>
+            <a:off x="-10649" y="1"/>
+            <a:ext cx="4571649" cy="6858000"/>
+          </a:xfrm>
+          <a:prstGeom prst="rect">
+            <a:avLst/>
+          </a:prstGeom>
+        </p:spPr>
+      </p:pic>
+      <p:sp>
+        <p:nvSpPr>
+          <p:cNvPr id="3" name="Content Placeholder 2">
+            <a:extLst>
+              <a:ext uri="{FF2B5EF4-FFF2-40B4-BE49-F238E27FC236}">
+                <a16:creationId xmlns:a16="http://schemas.microsoft.com/office/drawing/2014/main" id="{08F37E19-4514-C016-C960-E2AD2C00E71F}"/>
+              </a:ext>
+            </a:extLst>
+          </p:cNvPr>
+          <p:cNvSpPr>
+            <a:spLocks noGrp="1"/>
+          </p:cNvSpPr>
+          <p:nvPr>
+            <p:ph idx="1"/>
+          </p:nvPr>
+        </p:nvSpPr>
+        <p:spPr>
+          <a:xfrm>
+            <a:off x="5146160" y="1828801"/>
+            <a:ext cx="5978072" cy="3866048"/>
+          </a:xfrm>
+        </p:spPr>
+        <p:txBody>
+          <a:bodyPr anchor="ctr">
+            <a:normAutofit/>
+          </a:bodyPr>
+          <a:lstStyle/>
+          <a:p>
+            <a:pPr>
+              <a:buClr>
+                <a:srgbClr val="03D4EF"/>
+              </a:buClr>
+              <a:buFont typeface="+mj-lt"/>
+              <a:buAutoNum type="arabicPeriod"/>
+            </a:pPr>
+            <a:r>
+              <a:rPr lang="en-GB" b="0" i="0" dirty="0">
+                <a:effectLst/>
+                <a:latin typeface="-apple-system"/>
+              </a:rPr>
+              <a:t>Understand what an algorithm is and its application in programming.</a:t>
+            </a:r>
+          </a:p>
+          <a:p>
+            <a:pPr>
+              <a:buClr>
+                <a:srgbClr val="03D4EF"/>
+              </a:buClr>
+              <a:buFont typeface="+mj-lt"/>
+              <a:buAutoNum type="arabicPeriod"/>
+            </a:pPr>
+            <a:r>
+              <a:rPr lang="en-GB" b="0" i="0" dirty="0">
+                <a:effectLst/>
+                <a:latin typeface="-apple-system"/>
+              </a:rPr>
+              <a:t>Learn and understand the concept of pseudocode.</a:t>
+            </a:r>
+          </a:p>
+          <a:p>
+            <a:pPr>
+              <a:buClr>
+                <a:srgbClr val="03D4EF"/>
+              </a:buClr>
+              <a:buFont typeface="+mj-lt"/>
+              <a:buAutoNum type="arabicPeriod"/>
+            </a:pPr>
+            <a:r>
+              <a:rPr lang="en-GB" b="0" i="0" dirty="0">
+                <a:effectLst/>
+                <a:latin typeface="-apple-system"/>
+              </a:rPr>
+              <a:t>Develop the ability to write simple algorithms.</a:t>
+            </a:r>
+          </a:p>
+          <a:p>
+            <a:pPr>
+              <a:buClr>
+                <a:srgbClr val="03D4EF"/>
+              </a:buClr>
+              <a:buFont typeface="+mj-lt"/>
+              <a:buAutoNum type="arabicPeriod"/>
+            </a:pPr>
+            <a:r>
+              <a:rPr lang="en-GB" b="0" i="0" dirty="0">
+                <a:effectLst/>
+                <a:latin typeface="-apple-system"/>
+              </a:rPr>
+              <a:t>Learn how to translate algorithms into pseudocode.</a:t>
+            </a:r>
+          </a:p>
+          <a:p>
+            <a:pPr>
+              <a:buClr>
+                <a:srgbClr val="03D4EF"/>
+              </a:buClr>
+              <a:buFont typeface="+mj-lt"/>
+              <a:buAutoNum type="arabicPeriod"/>
+            </a:pPr>
+            <a:r>
+              <a:rPr lang="en-GB" b="0" i="0" dirty="0">
+                <a:effectLst/>
+                <a:latin typeface="-apple-system"/>
+              </a:rPr>
+              <a:t>Understand the importance of efficient algorithm design.</a:t>
+            </a:r>
+          </a:p>
+        </p:txBody>
+      </p:sp>
+      <p:pic>
+        <p:nvPicPr>
+          <p:cNvPr id="14" name="Picture 13">
+            <a:extLst>
+              <a:ext uri="{FF2B5EF4-FFF2-40B4-BE49-F238E27FC236}">
+                <a16:creationId xmlns:a16="http://schemas.microsoft.com/office/drawing/2014/main" id="{559DF61F-9058-49C9-8F75-DC501F983B0E}"/>
+              </a:ext>
+              <a:ext uri="{C183D7F6-B498-43B3-948B-1728B52AA6E4}">
+                <adec:decorative xmlns:adec="http://schemas.microsoft.com/office/drawing/2017/decorative" val="1"/>
+              </a:ext>
+            </a:extLst>
+          </p:cNvPr>
+          <p:cNvPicPr>
+            <a:picLocks noGrp="1" noRot="1" noChangeAspect="1" noMove="1" noResize="1" noEditPoints="1" noAdjustHandles="1" noChangeArrowheads="1" noChangeShapeType="1" noCrop="1"/>
+          </p:cNvPicPr>
+          <p:nvPr>
+            <p:extLst>
+              <p:ext uri="{386F3935-93C4-4BCD-93E2-E3B085C9AB24}">
+                <p16:designElem xmlns:p16="http://schemas.microsoft.com/office/powerpoint/2015/main" val="1"/>
+              </p:ext>
+            </p:extLst>
+          </p:nvPr>
+        </p:nvPicPr>
+        <p:blipFill rotWithShape="1">
+          <a:blip r:embed="rId4">
+            <a:extLst>
+              <a:ext uri="{28A0092B-C50C-407E-A947-70E740481C1C}">
+                <a14:useLocalDpi xmlns:a14="http://schemas.microsoft.com/office/drawing/2010/main" val="0"/>
+              </a:ext>
+            </a:extLst>
+          </a:blip>
+          <a:srcRect t="964" r="2807" b="1446"/>
+          <a:stretch/>
+        </p:blipFill>
+        <p:spPr>
+          <a:xfrm>
+            <a:off x="-10649" y="1"/>
+            <a:ext cx="4690532" cy="6858000"/>
+          </a:xfrm>
+          <a:prstGeom prst="rect">
+            <a:avLst/>
+          </a:prstGeom>
+        </p:spPr>
+      </p:pic>
+    </p:spTree>
+    <p:extLst>
+      <p:ext uri="{BB962C8B-B14F-4D97-AF65-F5344CB8AC3E}">
+        <p14:creationId xmlns:p14="http://schemas.microsoft.com/office/powerpoint/2010/main" val="564935591"/>
+      </p:ext>
+    </p:extLst>
+  </p:cSld>
+  <p:clrMapOvr>
+    <a:masterClrMapping/>
+  </p:clrMapOvr>
+</p:sld>
+</file>
+
+<file path=ppt/slides/slide3.xml><?xml version="1.0" encoding="utf-8"?>
+<p:sld xmlns:a="http://schemas.openxmlformats.org/drawingml/2006/main" xmlns:r="http://schemas.openxmlformats.org/officeDocument/2006/relationships" xmlns:p="http://schemas.openxmlformats.org/presentationml/2006/main">
+  <p:cSld>
+    <p:bg>
+      <p:bgPr>
+        <a:solidFill>
+          <a:schemeClr val="bg1"/>
+        </a:solidFill>
+        <a:effectLst/>
+      </p:bgPr>
+    </p:bg>
+    <p:spTree>
+      <p:nvGrpSpPr>
+        <p:cNvPr id="1" name=""/>
+        <p:cNvGrpSpPr/>
+        <p:nvPr/>
+      </p:nvGrpSpPr>
+      <p:grpSpPr>
+        <a:xfrm>
+          <a:off x="0" y="0"/>
+          <a:ext cx="0" cy="0"/>
+          <a:chOff x="0" y="0"/>
+          <a:chExt cx="0" cy="0"/>
+        </a:xfrm>
+      </p:grpSpPr>
+      <p:pic>
+        <p:nvPicPr>
+          <p:cNvPr id="5" name="Picture 4" descr="White puzzle with one red piece">
+            <a:extLst>
+              <a:ext uri="{FF2B5EF4-FFF2-40B4-BE49-F238E27FC236}">
+                <a16:creationId xmlns:a16="http://schemas.microsoft.com/office/drawing/2014/main" id="{703AA5C6-1DE0-D162-0481-9C393C5E08A8}"/>
+              </a:ext>
+            </a:extLst>
+          </p:cNvPr>
+          <p:cNvPicPr>
+            <a:picLocks noChangeAspect="1"/>
+          </p:cNvPicPr>
+          <p:nvPr/>
+        </p:nvPicPr>
+        <p:blipFill rotWithShape="1">
+          <a:blip r:embed="rId3">
+            <a:alphaModFix amt="25000"/>
+          </a:blip>
+          <a:srcRect/>
+          <a:stretch/>
+        </p:blipFill>
+        <p:spPr>
+          <a:xfrm>
+            <a:off x="20" y="10"/>
+            <a:ext cx="12191980" cy="6857990"/>
+          </a:xfrm>
+          <a:prstGeom prst="rect">
+            <a:avLst/>
+          </a:prstGeom>
+        </p:spPr>
+      </p:pic>
+      <p:sp>
+        <p:nvSpPr>
+          <p:cNvPr id="2" name="Title 1">
+            <a:extLst>
+              <a:ext uri="{FF2B5EF4-FFF2-40B4-BE49-F238E27FC236}">
+                <a16:creationId xmlns:a16="http://schemas.microsoft.com/office/drawing/2014/main" id="{3056B0A2-798D-46EE-FAAC-BF39828FD2DB}"/>
+              </a:ext>
+            </a:extLst>
+          </p:cNvPr>
+          <p:cNvSpPr>
+            <a:spLocks noGrp="1"/>
+          </p:cNvSpPr>
+          <p:nvPr>
+            <p:ph type="title"/>
+          </p:nvPr>
+        </p:nvSpPr>
+        <p:spPr>
+          <a:xfrm>
+            <a:off x="913795" y="609600"/>
+            <a:ext cx="10353762" cy="970450"/>
+          </a:xfrm>
+        </p:spPr>
+        <p:txBody>
+          <a:bodyPr>
+            <a:normAutofit/>
+          </a:bodyPr>
+          <a:lstStyle/>
+          <a:p>
+            <a:r>
+              <a:rPr lang="en-IE" b="0" i="0" dirty="0">
+                <a:effectLst/>
+                <a:latin typeface="-apple-system"/>
+              </a:rPr>
+              <a:t>What is an Algorithm?</a:t>
+            </a:r>
+            <a:endParaRPr lang="en-IE" dirty="0"/>
+          </a:p>
+        </p:txBody>
+      </p:sp>
+      <p:sp>
+        <p:nvSpPr>
+          <p:cNvPr id="3" name="Content Placeholder 2">
+            <a:extLst>
+              <a:ext uri="{FF2B5EF4-FFF2-40B4-BE49-F238E27FC236}">
+                <a16:creationId xmlns:a16="http://schemas.microsoft.com/office/drawing/2014/main" id="{17D40225-D943-DDDF-E91C-3D7B5083E6AE}"/>
+              </a:ext>
+            </a:extLst>
+          </p:cNvPr>
+          <p:cNvSpPr>
+            <a:spLocks noGrp="1"/>
+          </p:cNvSpPr>
+          <p:nvPr>
+            <p:ph idx="1"/>
+          </p:nvPr>
+        </p:nvSpPr>
+        <p:spPr>
+          <a:xfrm>
+            <a:off x="913795" y="1732449"/>
+            <a:ext cx="10353762" cy="4058751"/>
+          </a:xfrm>
+        </p:spPr>
+        <p:txBody>
+          <a:bodyPr anchor="ctr">
+            <a:normAutofit/>
+          </a:bodyPr>
+          <a:lstStyle/>
+          <a:p>
+            <a:r>
+              <a:rPr lang="en-GB" b="0" i="0" dirty="0">
+                <a:effectLst/>
+                <a:latin typeface="-apple-system"/>
+              </a:rPr>
+              <a:t>An algorithm, in relation to computers, is a defined set of step-by-step procedures or instructions that tells a computer exactly what to do to solve a specific problem or complete a particular task.</a:t>
+            </a:r>
+          </a:p>
+          <a:p>
+            <a:r>
+              <a:rPr lang="en-GB" dirty="0">
+                <a:effectLst/>
+                <a:latin typeface="-apple-system"/>
+              </a:rPr>
+              <a:t>List the steps needed to create a breakfast of Buttered Toast with Strawberry Jam</a:t>
+            </a:r>
+          </a:p>
+          <a:p>
+            <a:r>
+              <a:rPr lang="en-GB" dirty="0">
+                <a:effectLst/>
+                <a:latin typeface="-apple-system"/>
+              </a:rPr>
+              <a:t>Give some examples of how Algorithms are used in Computing</a:t>
+            </a:r>
+            <a:endParaRPr lang="en-IE" dirty="0"/>
+          </a:p>
+        </p:txBody>
+      </p:sp>
+    </p:spTree>
+    <p:extLst>
+      <p:ext uri="{BB962C8B-B14F-4D97-AF65-F5344CB8AC3E}">
+        <p14:creationId xmlns:p14="http://schemas.microsoft.com/office/powerpoint/2010/main" val="1474615730"/>
+      </p:ext>
+    </p:extLst>
+  </p:cSld>
+  <p:clrMapOvr>
+    <a:masterClrMapping/>
+  </p:clrMapOvr>
+</p:sld>
+</file>
+
+<file path=ppt/slides/slide4.xml><?xml version="1.0" encoding="utf-8"?>
+<p:sld xmlns:a="http://schemas.openxmlformats.org/drawingml/2006/main" xmlns:r="http://schemas.openxmlformats.org/officeDocument/2006/relationships" xmlns:p="http://schemas.openxmlformats.org/presentationml/2006/main">
+  <p:cSld>
+    <p:bg>
+      <p:bgPr>
+        <a:blipFill rotWithShape="1">
+          <a:blip r:embed="rId3">
+            <a:duotone>
+              <a:schemeClr val="bg2">
+                <a:shade val="80000"/>
+                <a:lumMod val="80000"/>
+              </a:schemeClr>
+              <a:schemeClr val="bg2">
+                <a:tint val="98000"/>
+              </a:schemeClr>
+            </a:duotone>
+          </a:blip>
+          <a:stretch/>
+        </a:blipFill>
+        <a:effectLst/>
+      </p:bgPr>
+    </p:bg>
+    <p:spTree>
+      <p:nvGrpSpPr>
+        <p:cNvPr id="1" name=""/>
+        <p:cNvGrpSpPr/>
+        <p:nvPr/>
+      </p:nvGrpSpPr>
+      <p:grpSpPr>
+        <a:xfrm>
+          <a:off x="0" y="0"/>
+          <a:ext cx="0" cy="0"/>
+          <a:chOff x="0" y="0"/>
+          <a:chExt cx="0" cy="0"/>
+        </a:xfrm>
+      </p:grpSpPr>
+      <p:sp>
+        <p:nvSpPr>
+          <p:cNvPr id="2" name="Title 1">
+            <a:extLst>
+              <a:ext uri="{FF2B5EF4-FFF2-40B4-BE49-F238E27FC236}">
+                <a16:creationId xmlns:a16="http://schemas.microsoft.com/office/drawing/2014/main" id="{A561D75D-FA00-E589-9013-C7944030B379}"/>
+              </a:ext>
+            </a:extLst>
+          </p:cNvPr>
+          <p:cNvSpPr>
+            <a:spLocks noGrp="1"/>
+          </p:cNvSpPr>
+          <p:nvPr>
+            <p:ph type="title"/>
+          </p:nvPr>
+        </p:nvSpPr>
+        <p:spPr>
+          <a:xfrm>
+            <a:off x="5146160" y="609600"/>
+            <a:ext cx="5978072" cy="970450"/>
+          </a:xfrm>
+        </p:spPr>
+        <p:txBody>
+          <a:bodyPr>
+            <a:normAutofit/>
+          </a:bodyPr>
+          <a:lstStyle/>
+          <a:p>
+            <a:r>
+              <a:rPr lang="en-IE" b="0" i="0" dirty="0">
+                <a:effectLst/>
+                <a:latin typeface="-apple-system"/>
+              </a:rPr>
+              <a:t>What is Pseudocode?</a:t>
+            </a:r>
+            <a:endParaRPr lang="en-IE" dirty="0"/>
+          </a:p>
+        </p:txBody>
+      </p:sp>
+      <p:pic>
+        <p:nvPicPr>
+          <p:cNvPr id="5" name="Picture 4" descr="Formulae written on a blackboard">
+            <a:extLst>
+              <a:ext uri="{FF2B5EF4-FFF2-40B4-BE49-F238E27FC236}">
+                <a16:creationId xmlns:a16="http://schemas.microsoft.com/office/drawing/2014/main" id="{12625BB3-A0B2-2C03-F44A-BC80B6318138}"/>
+              </a:ext>
+            </a:extLst>
+          </p:cNvPr>
+          <p:cNvPicPr>
+            <a:picLocks noChangeAspect="1"/>
+          </p:cNvPicPr>
+          <p:nvPr/>
+        </p:nvPicPr>
+        <p:blipFill rotWithShape="1">
+          <a:blip r:embed="rId4"/>
+          <a:srcRect l="25852" r="29650" b="-2"/>
+          <a:stretch/>
+        </p:blipFill>
+        <p:spPr>
+          <a:xfrm>
+            <a:off x="-10649" y="1"/>
+            <a:ext cx="4571649" cy="6858000"/>
+          </a:xfrm>
+          <a:prstGeom prst="rect">
+            <a:avLst/>
+          </a:prstGeom>
+        </p:spPr>
+      </p:pic>
+      <p:sp>
+        <p:nvSpPr>
+          <p:cNvPr id="3" name="Content Placeholder 2">
+            <a:extLst>
+              <a:ext uri="{FF2B5EF4-FFF2-40B4-BE49-F238E27FC236}">
+                <a16:creationId xmlns:a16="http://schemas.microsoft.com/office/drawing/2014/main" id="{7D28C9A7-0F03-BDB5-05D0-550317DFF74E}"/>
+              </a:ext>
+            </a:extLst>
+          </p:cNvPr>
+          <p:cNvSpPr>
+            <a:spLocks noGrp="1"/>
+          </p:cNvSpPr>
+          <p:nvPr>
+            <p:ph idx="1"/>
+          </p:nvPr>
+        </p:nvSpPr>
+        <p:spPr>
+          <a:xfrm>
+            <a:off x="5146160" y="1828801"/>
+            <a:ext cx="5978072" cy="3866048"/>
+          </a:xfrm>
+        </p:spPr>
+        <p:txBody>
+          <a:bodyPr anchor="ctr">
+            <a:normAutofit/>
+          </a:bodyPr>
+          <a:lstStyle/>
+          <a:p>
+            <a:r>
+              <a:rPr lang="en-GB" b="0" i="0" dirty="0">
+                <a:effectLst/>
+                <a:latin typeface="-apple-system"/>
+              </a:rPr>
+              <a:t>Pseudocode is a simple way of writing programming code in English or in a way that can be understood by humans. It’s not an actual programming language</a:t>
+            </a:r>
+          </a:p>
+          <a:p>
+            <a:r>
+              <a:rPr lang="en-GB" dirty="0">
+                <a:effectLst/>
+                <a:latin typeface="-apple-system"/>
+              </a:rPr>
+              <a:t>Example</a:t>
+            </a:r>
+          </a:p>
+          <a:p>
+            <a:pPr lvl="1"/>
+            <a:r>
+              <a:rPr lang="pt-BR" dirty="0">
+                <a:effectLst/>
+                <a:latin typeface="-apple-system"/>
+              </a:rPr>
+              <a:t>1. Start </a:t>
+            </a:r>
+          </a:p>
+          <a:p>
+            <a:pPr lvl="1"/>
+            <a:r>
+              <a:rPr lang="pt-BR" dirty="0">
+                <a:effectLst/>
+                <a:latin typeface="-apple-system"/>
+              </a:rPr>
+              <a:t>2. Input num1, num2, num3 </a:t>
+            </a:r>
+          </a:p>
+          <a:p>
+            <a:pPr lvl="1"/>
+            <a:r>
+              <a:rPr lang="pt-BR" dirty="0">
+                <a:effectLst/>
+                <a:latin typeface="-apple-system"/>
+              </a:rPr>
+              <a:t>3. Set sum = num1 + num2 + num3 </a:t>
+            </a:r>
+          </a:p>
+          <a:p>
+            <a:pPr lvl="1"/>
+            <a:r>
+              <a:rPr lang="pt-BR" dirty="0">
+                <a:effectLst/>
+                <a:latin typeface="-apple-system"/>
+              </a:rPr>
+              <a:t>4. Set average = sum / 3 </a:t>
+            </a:r>
+          </a:p>
+          <a:p>
+            <a:pPr lvl="1"/>
+            <a:r>
+              <a:rPr lang="pt-BR" dirty="0">
+                <a:effectLst/>
+                <a:latin typeface="-apple-system"/>
+              </a:rPr>
+              <a:t>5. Output average 6. End</a:t>
+            </a:r>
+            <a:endParaRPr lang="en-IE" dirty="0">
+              <a:effectLst/>
+              <a:latin typeface="-apple-system"/>
+            </a:endParaRPr>
+          </a:p>
+        </p:txBody>
+      </p:sp>
+      <p:pic>
+        <p:nvPicPr>
+          <p:cNvPr id="9" name="Picture 8">
+            <a:extLst>
+              <a:ext uri="{FF2B5EF4-FFF2-40B4-BE49-F238E27FC236}">
+                <a16:creationId xmlns:a16="http://schemas.microsoft.com/office/drawing/2014/main" id="{559DF61F-9058-49C9-8F75-DC501F983B0E}"/>
+              </a:ext>
+              <a:ext uri="{C183D7F6-B498-43B3-948B-1728B52AA6E4}">
+                <adec:decorative xmlns:adec="http://schemas.microsoft.com/office/drawing/2017/decorative" val="1"/>
+              </a:ext>
+            </a:extLst>
+          </p:cNvPr>
+          <p:cNvPicPr>
+            <a:picLocks noGrp="1" noRot="1" noChangeAspect="1" noMove="1" noResize="1" noEditPoints="1" noAdjustHandles="1" noChangeArrowheads="1" noChangeShapeType="1" noCrop="1"/>
+          </p:cNvPicPr>
+          <p:nvPr>
+            <p:extLst>
+              <p:ext uri="{386F3935-93C4-4BCD-93E2-E3B085C9AB24}">
+                <p16:designElem xmlns:p16="http://schemas.microsoft.com/office/powerpoint/2015/main" val="1"/>
+              </p:ext>
+            </p:extLst>
+          </p:nvPr>
+        </p:nvPicPr>
+        <p:blipFill rotWithShape="1">
+          <a:blip r:embed="rId5">
+            <a:extLst>
+              <a:ext uri="{28A0092B-C50C-407E-A947-70E740481C1C}">
+                <a14:useLocalDpi xmlns:a14="http://schemas.microsoft.com/office/drawing/2010/main" val="0"/>
+              </a:ext>
+            </a:extLst>
+          </a:blip>
+          <a:srcRect t="964" r="2807" b="1446"/>
+          <a:stretch/>
+        </p:blipFill>
+        <p:spPr>
+          <a:xfrm>
+            <a:off x="-10649" y="1"/>
+            <a:ext cx="4690532" cy="6858000"/>
+          </a:xfrm>
+          <a:prstGeom prst="rect">
+            <a:avLst/>
+          </a:prstGeom>
+        </p:spPr>
+      </p:pic>
+    </p:spTree>
+    <p:extLst>
+      <p:ext uri="{BB962C8B-B14F-4D97-AF65-F5344CB8AC3E}">
+        <p14:creationId xmlns:p14="http://schemas.microsoft.com/office/powerpoint/2010/main" val="2822633108"/>
+      </p:ext>
+    </p:extLst>
+  </p:cSld>
+  <p:clrMapOvr>
+    <a:masterClrMapping/>
+  </p:clrMapOvr>
+</p:sld>
+</file>
+
+<file path=ppt/slides/slide5.xml><?xml version="1.0" encoding="utf-8"?>
+<p:sld xmlns:a="http://schemas.openxmlformats.org/drawingml/2006/main" xmlns:r="http://schemas.openxmlformats.org/officeDocument/2006/relationships" xmlns:p="http://schemas.openxmlformats.org/presentationml/2006/main">
+  <p:cSld>
+    <p:bg>
+      <p:bgPr>
+        <a:blipFill rotWithShape="1">
+          <a:blip r:embed="rId3">
+            <a:duotone>
+              <a:schemeClr val="bg2">
+                <a:shade val="80000"/>
+                <a:lumMod val="80000"/>
+              </a:schemeClr>
+              <a:schemeClr val="bg2">
+                <a:tint val="98000"/>
+              </a:schemeClr>
+            </a:duotone>
+          </a:blip>
+          <a:stretch/>
+        </a:blipFill>
+        <a:effectLst/>
+      </p:bgPr>
+    </p:bg>
+    <p:spTree>
+      <p:nvGrpSpPr>
+        <p:cNvPr id="1" name=""/>
+        <p:cNvGrpSpPr/>
+        <p:nvPr/>
+      </p:nvGrpSpPr>
+      <p:grpSpPr>
+        <a:xfrm>
+          <a:off x="0" y="0"/>
+          <a:ext cx="0" cy="0"/>
+          <a:chOff x="0" y="0"/>
+          <a:chExt cx="0" cy="0"/>
+        </a:xfrm>
+      </p:grpSpPr>
+      <p:sp>
+        <p:nvSpPr>
+          <p:cNvPr id="2" name="Title 1">
+            <a:extLst>
+              <a:ext uri="{FF2B5EF4-FFF2-40B4-BE49-F238E27FC236}">
+                <a16:creationId xmlns:a16="http://schemas.microsoft.com/office/drawing/2014/main" id="{6D0355A7-634E-8454-8B85-6C5B8B046641}"/>
+              </a:ext>
+            </a:extLst>
+          </p:cNvPr>
+          <p:cNvSpPr>
+            <a:spLocks noGrp="1"/>
+          </p:cNvSpPr>
+          <p:nvPr>
+            <p:ph type="title"/>
+          </p:nvPr>
+        </p:nvSpPr>
+        <p:spPr>
+          <a:xfrm>
+            <a:off x="913795" y="609600"/>
+            <a:ext cx="10353762" cy="970450"/>
+          </a:xfrm>
+        </p:spPr>
+        <p:txBody>
+          <a:bodyPr vert="horz" lIns="91440" tIns="45720" rIns="91440" bIns="45720" rtlCol="0" anchor="ctr">
+            <a:normAutofit/>
+          </a:bodyPr>
+          <a:lstStyle/>
+          <a:p>
+            <a:r>
+              <a:rPr lang="en-US"/>
+              <a:t>Details of an Algroithim</a:t>
+            </a:r>
+          </a:p>
+        </p:txBody>
+      </p:sp>
+      <p:sp>
+        <p:nvSpPr>
+          <p:cNvPr id="3" name="Content Placeholder 2">
+            <a:extLst>
+              <a:ext uri="{FF2B5EF4-FFF2-40B4-BE49-F238E27FC236}">
+                <a16:creationId xmlns:a16="http://schemas.microsoft.com/office/drawing/2014/main" id="{6F0797E7-E9B0-306C-9353-AA4BB3F42C9F}"/>
+              </a:ext>
+            </a:extLst>
+          </p:cNvPr>
+          <p:cNvSpPr>
+            <a:spLocks noGrp="1"/>
+          </p:cNvSpPr>
+          <p:nvPr>
+            <p:ph sz="half" idx="1"/>
+          </p:nvPr>
+        </p:nvSpPr>
+        <p:spPr>
+          <a:xfrm>
+            <a:off x="914400" y="1732223"/>
+            <a:ext cx="5060454" cy="4058716"/>
+          </a:xfrm>
+        </p:spPr>
+        <p:txBody>
+          <a:bodyPr>
+            <a:normAutofit/>
+          </a:bodyPr>
+          <a:lstStyle/>
+          <a:p>
+            <a:pPr marL="339471" indent="-302940" defTabSz="452628">
+              <a:spcAft>
+                <a:spcPts val="594"/>
+              </a:spcAft>
+            </a:pPr>
+            <a:r>
+              <a:rPr lang="en-GB" sz="1980" kern="1200">
+                <a:ln>
+                  <a:solidFill>
+                    <a:schemeClr val="bg1">
+                      <a:lumMod val="75000"/>
+                      <a:lumOff val="25000"/>
+                      <a:alpha val="10000"/>
+                    </a:schemeClr>
+                  </a:solidFill>
+                </a:ln>
+                <a:solidFill>
+                  <a:schemeClr val="tx2"/>
+                </a:solidFill>
+                <a:effectLst/>
+                <a:latin typeface="-apple-system"/>
+                <a:ea typeface="+mn-ea"/>
+                <a:cs typeface="+mn-cs"/>
+              </a:rPr>
+              <a:t>Steps to Create and </a:t>
+            </a:r>
+            <a:r>
+              <a:rPr lang="en-GB" sz="1980" kern="1200" err="1">
+                <a:ln>
+                  <a:solidFill>
+                    <a:schemeClr val="bg1">
+                      <a:lumMod val="75000"/>
+                      <a:lumOff val="25000"/>
+                      <a:alpha val="10000"/>
+                    </a:schemeClr>
+                  </a:solidFill>
+                </a:ln>
+                <a:solidFill>
+                  <a:schemeClr val="tx2"/>
+                </a:solidFill>
+                <a:effectLst/>
+                <a:latin typeface="-apple-system"/>
+                <a:ea typeface="+mn-ea"/>
+                <a:cs typeface="+mn-cs"/>
+              </a:rPr>
+              <a:t>Algorithim</a:t>
+            </a:r>
+            <a:endParaRPr lang="en-GB" sz="1980" kern="1200">
+              <a:ln>
+                <a:solidFill>
+                  <a:schemeClr val="bg1">
+                    <a:lumMod val="75000"/>
+                    <a:lumOff val="25000"/>
+                    <a:alpha val="10000"/>
+                  </a:schemeClr>
+                </a:solidFill>
+              </a:ln>
+              <a:solidFill>
+                <a:schemeClr val="tx2"/>
+              </a:solidFill>
+              <a:effectLst/>
+              <a:latin typeface="-apple-system"/>
+              <a:ea typeface="+mn-ea"/>
+              <a:cs typeface="+mn-cs"/>
+            </a:endParaRPr>
+          </a:p>
+          <a:p>
+            <a:pPr marL="712800" lvl="1" indent="-267300" defTabSz="452628">
+              <a:spcAft>
+                <a:spcPts val="594"/>
+              </a:spcAft>
+              <a:buFont typeface="+mj-lt"/>
+              <a:buAutoNum type="arabicPeriod"/>
+            </a:pPr>
+            <a:r>
+              <a:rPr lang="en-GB" sz="1782" kern="1200">
+                <a:ln>
+                  <a:solidFill>
+                    <a:schemeClr val="bg1">
+                      <a:lumMod val="75000"/>
+                      <a:lumOff val="25000"/>
+                      <a:alpha val="10000"/>
+                    </a:schemeClr>
+                  </a:solidFill>
+                </a:ln>
+                <a:solidFill>
+                  <a:schemeClr val="tx2"/>
+                </a:solidFill>
+                <a:effectLst/>
+                <a:latin typeface="-apple-system"/>
+                <a:ea typeface="+mn-ea"/>
+                <a:cs typeface="+mn-cs"/>
+              </a:rPr>
+              <a:t>Clearly Define the Problem</a:t>
+            </a:r>
+          </a:p>
+          <a:p>
+            <a:pPr marL="712800" lvl="1" indent="-267300" defTabSz="452628">
+              <a:spcAft>
+                <a:spcPts val="594"/>
+              </a:spcAft>
+              <a:buFont typeface="+mj-lt"/>
+              <a:buAutoNum type="arabicPeriod"/>
+            </a:pPr>
+            <a:r>
+              <a:rPr lang="en-GB" sz="1782" kern="1200">
+                <a:ln>
+                  <a:solidFill>
+                    <a:schemeClr val="bg1">
+                      <a:lumMod val="75000"/>
+                      <a:lumOff val="25000"/>
+                      <a:alpha val="10000"/>
+                    </a:schemeClr>
+                  </a:solidFill>
+                </a:ln>
+                <a:solidFill>
+                  <a:schemeClr val="tx2"/>
+                </a:solidFill>
+                <a:effectLst/>
+                <a:latin typeface="-apple-system"/>
+                <a:ea typeface="+mn-ea"/>
+                <a:cs typeface="+mn-cs"/>
+              </a:rPr>
+              <a:t>Identify the Procedures</a:t>
+            </a:r>
+          </a:p>
+          <a:p>
+            <a:pPr marL="712800" lvl="1" indent="-267300" defTabSz="452628">
+              <a:spcAft>
+                <a:spcPts val="594"/>
+              </a:spcAft>
+              <a:buFont typeface="+mj-lt"/>
+              <a:buAutoNum type="arabicPeriod"/>
+            </a:pPr>
+            <a:r>
+              <a:rPr lang="en-GB" sz="1782" kern="1200">
+                <a:ln>
+                  <a:solidFill>
+                    <a:schemeClr val="bg1">
+                      <a:lumMod val="75000"/>
+                      <a:lumOff val="25000"/>
+                      <a:alpha val="10000"/>
+                    </a:schemeClr>
+                  </a:solidFill>
+                </a:ln>
+                <a:solidFill>
+                  <a:schemeClr val="tx2"/>
+                </a:solidFill>
+                <a:effectLst/>
+                <a:latin typeface="-apple-system"/>
+                <a:ea typeface="+mn-ea"/>
+                <a:cs typeface="+mn-cs"/>
+              </a:rPr>
+              <a:t>Order procedures</a:t>
+            </a:r>
+          </a:p>
+          <a:p>
+            <a:pPr marL="712800" lvl="1" indent="-267300" defTabSz="452628">
+              <a:spcAft>
+                <a:spcPts val="594"/>
+              </a:spcAft>
+              <a:buFont typeface="+mj-lt"/>
+              <a:buAutoNum type="arabicPeriod"/>
+            </a:pPr>
+            <a:r>
+              <a:rPr lang="en-GB" sz="1782" kern="1200">
+                <a:ln>
+                  <a:solidFill>
+                    <a:schemeClr val="bg1">
+                      <a:lumMod val="75000"/>
+                      <a:lumOff val="25000"/>
+                      <a:alpha val="10000"/>
+                    </a:schemeClr>
+                  </a:solidFill>
+                </a:ln>
+                <a:solidFill>
+                  <a:schemeClr val="tx2"/>
+                </a:solidFill>
+                <a:effectLst/>
+                <a:latin typeface="-apple-system"/>
+                <a:ea typeface="+mn-ea"/>
+                <a:cs typeface="+mn-cs"/>
+              </a:rPr>
+              <a:t>Check the Procedures</a:t>
+            </a:r>
+          </a:p>
+          <a:p>
+            <a:pPr marL="712800" lvl="1" indent="-267300" defTabSz="452628">
+              <a:spcAft>
+                <a:spcPts val="594"/>
+              </a:spcAft>
+              <a:buFont typeface="+mj-lt"/>
+              <a:buAutoNum type="arabicPeriod"/>
+            </a:pPr>
+            <a:r>
+              <a:rPr lang="en-GB" sz="1782" kern="1200">
+                <a:ln>
+                  <a:solidFill>
+                    <a:schemeClr val="bg1">
+                      <a:lumMod val="75000"/>
+                      <a:lumOff val="25000"/>
+                      <a:alpha val="10000"/>
+                    </a:schemeClr>
+                  </a:solidFill>
+                </a:ln>
+                <a:solidFill>
+                  <a:schemeClr val="tx2"/>
+                </a:solidFill>
+                <a:effectLst/>
+                <a:latin typeface="-apple-system"/>
+                <a:ea typeface="+mn-ea"/>
+                <a:cs typeface="+mn-cs"/>
+              </a:rPr>
+              <a:t>Test the Algorithm</a:t>
+            </a:r>
+          </a:p>
+          <a:p>
+            <a:endParaRPr lang="en-IE" dirty="0"/>
+          </a:p>
+        </p:txBody>
+      </p:sp>
+      <p:sp>
+        <p:nvSpPr>
+          <p:cNvPr id="4" name="Content Placeholder 3">
+            <a:extLst>
+              <a:ext uri="{FF2B5EF4-FFF2-40B4-BE49-F238E27FC236}">
+                <a16:creationId xmlns:a16="http://schemas.microsoft.com/office/drawing/2014/main" id="{7BF8420F-FB53-0BE7-0BF3-234BF9D00562}"/>
+              </a:ext>
+            </a:extLst>
+          </p:cNvPr>
+          <p:cNvSpPr>
+            <a:spLocks noGrp="1"/>
+          </p:cNvSpPr>
+          <p:nvPr>
+            <p:ph sz="half" idx="2"/>
+          </p:nvPr>
+        </p:nvSpPr>
+        <p:spPr>
+          <a:xfrm>
+            <a:off x="6203453" y="1732223"/>
+            <a:ext cx="5064622" cy="4058717"/>
+          </a:xfrm>
+        </p:spPr>
+        <p:txBody>
+          <a:bodyPr/>
+          <a:lstStyle/>
+          <a:p>
+            <a:pPr marL="339471" indent="-302940" defTabSz="452628">
+              <a:spcAft>
+                <a:spcPts val="594"/>
+              </a:spcAft>
+            </a:pPr>
+            <a:r>
+              <a:rPr lang="en-GB" sz="1980" kern="1200">
+                <a:ln>
+                  <a:solidFill>
+                    <a:schemeClr val="bg1">
+                      <a:lumMod val="75000"/>
+                      <a:lumOff val="25000"/>
+                      <a:alpha val="10000"/>
+                    </a:schemeClr>
+                  </a:solidFill>
+                </a:ln>
+                <a:solidFill>
+                  <a:schemeClr val="tx2"/>
+                </a:solidFill>
+                <a:effectLst/>
+                <a:latin typeface="-apple-system"/>
+                <a:ea typeface="+mn-ea"/>
+                <a:cs typeface="+mn-cs"/>
+              </a:rPr>
+              <a:t>Types of Algorithm</a:t>
+            </a:r>
+          </a:p>
+          <a:p>
+            <a:pPr marL="712800" lvl="1" indent="-267300" defTabSz="452628">
+              <a:spcAft>
+                <a:spcPts val="594"/>
+              </a:spcAft>
+              <a:buFont typeface="+mj-lt"/>
+              <a:buAutoNum type="arabicPeriod"/>
+            </a:pPr>
+            <a:r>
+              <a:rPr lang="en-GB" sz="1782" kern="1200">
+                <a:ln>
+                  <a:solidFill>
+                    <a:schemeClr val="bg1">
+                      <a:lumMod val="75000"/>
+                      <a:lumOff val="25000"/>
+                      <a:alpha val="10000"/>
+                    </a:schemeClr>
+                  </a:solidFill>
+                </a:ln>
+                <a:solidFill>
+                  <a:schemeClr val="tx2"/>
+                </a:solidFill>
+                <a:effectLst/>
+                <a:latin typeface="-apple-system"/>
+                <a:ea typeface="+mn-ea"/>
+                <a:cs typeface="+mn-cs"/>
+              </a:rPr>
+              <a:t>Recursive Algorithms: </a:t>
+            </a:r>
+          </a:p>
+          <a:p>
+            <a:pPr marL="712800" lvl="1" indent="-267300" defTabSz="452628">
+              <a:spcAft>
+                <a:spcPts val="594"/>
+              </a:spcAft>
+              <a:buFont typeface="+mj-lt"/>
+              <a:buAutoNum type="arabicPeriod"/>
+            </a:pPr>
+            <a:r>
+              <a:rPr lang="en-GB" sz="1782" kern="1200">
+                <a:ln>
+                  <a:solidFill>
+                    <a:schemeClr val="bg1">
+                      <a:lumMod val="75000"/>
+                      <a:lumOff val="25000"/>
+                      <a:alpha val="10000"/>
+                    </a:schemeClr>
+                  </a:solidFill>
+                </a:ln>
+                <a:solidFill>
+                  <a:schemeClr val="tx2"/>
+                </a:solidFill>
+                <a:effectLst/>
+                <a:latin typeface="-apple-system"/>
+                <a:ea typeface="+mn-ea"/>
+                <a:cs typeface="+mn-cs"/>
+              </a:rPr>
+              <a:t>Divide and Conquer Algorithms: </a:t>
+            </a:r>
+          </a:p>
+          <a:p>
+            <a:pPr marL="712800" lvl="1" indent="-267300" defTabSz="452628">
+              <a:spcAft>
+                <a:spcPts val="594"/>
+              </a:spcAft>
+              <a:buFont typeface="+mj-lt"/>
+              <a:buAutoNum type="arabicPeriod"/>
+            </a:pPr>
+            <a:r>
+              <a:rPr lang="en-GB" sz="1782" kern="1200">
+                <a:ln>
+                  <a:solidFill>
+                    <a:schemeClr val="bg1">
+                      <a:lumMod val="75000"/>
+                      <a:lumOff val="25000"/>
+                      <a:alpha val="10000"/>
+                    </a:schemeClr>
+                  </a:solidFill>
+                </a:ln>
+                <a:solidFill>
+                  <a:schemeClr val="tx2"/>
+                </a:solidFill>
+                <a:effectLst/>
+                <a:latin typeface="-apple-system"/>
+                <a:ea typeface="+mn-ea"/>
+                <a:cs typeface="+mn-cs"/>
+              </a:rPr>
+              <a:t>Greedy Algorithms: </a:t>
+            </a:r>
+          </a:p>
+          <a:p>
+            <a:pPr marL="712800" lvl="1" indent="-267300" defTabSz="452628">
+              <a:spcAft>
+                <a:spcPts val="594"/>
+              </a:spcAft>
+              <a:buFont typeface="+mj-lt"/>
+              <a:buAutoNum type="arabicPeriod"/>
+            </a:pPr>
+            <a:r>
+              <a:rPr lang="en-GB" sz="1782" kern="1200">
+                <a:ln>
+                  <a:solidFill>
+                    <a:schemeClr val="bg1">
+                      <a:lumMod val="75000"/>
+                      <a:lumOff val="25000"/>
+                      <a:alpha val="10000"/>
+                    </a:schemeClr>
+                  </a:solidFill>
+                </a:ln>
+                <a:solidFill>
+                  <a:schemeClr val="tx2"/>
+                </a:solidFill>
+                <a:effectLst/>
+                <a:latin typeface="-apple-system"/>
+                <a:ea typeface="+mn-ea"/>
+                <a:cs typeface="+mn-cs"/>
+              </a:rPr>
+              <a:t>Randomized Algorithms: </a:t>
+            </a:r>
+          </a:p>
+          <a:p>
+            <a:pPr marL="712800" lvl="1" indent="-267300" defTabSz="452628">
+              <a:spcAft>
+                <a:spcPts val="594"/>
+              </a:spcAft>
+              <a:buFont typeface="+mj-lt"/>
+              <a:buAutoNum type="arabicPeriod"/>
+            </a:pPr>
+            <a:r>
+              <a:rPr lang="en-GB" sz="1782" kern="1200">
+                <a:ln>
+                  <a:solidFill>
+                    <a:schemeClr val="bg1">
+                      <a:lumMod val="75000"/>
+                      <a:lumOff val="25000"/>
+                      <a:alpha val="10000"/>
+                    </a:schemeClr>
+                  </a:solidFill>
+                </a:ln>
+                <a:solidFill>
+                  <a:schemeClr val="tx2"/>
+                </a:solidFill>
+                <a:effectLst/>
+                <a:latin typeface="-apple-system"/>
+                <a:ea typeface="+mn-ea"/>
+                <a:cs typeface="+mn-cs"/>
+              </a:rPr>
+              <a:t>Backtracking Algorithms:</a:t>
+            </a:r>
+          </a:p>
+          <a:p>
+            <a:endParaRPr lang="en-IE" dirty="0"/>
+          </a:p>
+        </p:txBody>
+      </p:sp>
+    </p:spTree>
+    <p:extLst>
+      <p:ext uri="{BB962C8B-B14F-4D97-AF65-F5344CB8AC3E}">
+        <p14:creationId xmlns:p14="http://schemas.microsoft.com/office/powerpoint/2010/main" val="4250628821"/>
+      </p:ext>
+    </p:extLst>
+  </p:cSld>
+  <p:clrMapOvr>
+    <a:masterClrMapping/>
+  </p:clrMapOvr>
+</p:sld>
+</file>
+
+<file path=ppt/slides/slide6.xml><?xml version="1.0" encoding="utf-8"?>
+<p:sld xmlns:a="http://schemas.openxmlformats.org/drawingml/2006/main" xmlns:r="http://schemas.openxmlformats.org/officeDocument/2006/relationships" xmlns:p="http://schemas.openxmlformats.org/presentationml/2006/main">
+  <p:cSld>
+    <p:bg>
+      <p:bgPr>
+        <a:blipFill rotWithShape="1">
+          <a:blip r:embed="rId3">
+            <a:duotone>
+              <a:schemeClr val="bg2">
+                <a:shade val="80000"/>
+                <a:lumMod val="80000"/>
+              </a:schemeClr>
+              <a:schemeClr val="bg2">
+                <a:tint val="98000"/>
+              </a:schemeClr>
+            </a:duotone>
+          </a:blip>
+          <a:stretch/>
+        </a:blipFill>
+        <a:effectLst/>
+      </p:bgPr>
+    </p:bg>
+    <p:spTree>
+      <p:nvGrpSpPr>
+        <p:cNvPr id="1" name=""/>
+        <p:cNvGrpSpPr/>
+        <p:nvPr/>
+      </p:nvGrpSpPr>
+      <p:grpSpPr>
+        <a:xfrm>
+          <a:off x="0" y="0"/>
+          <a:ext cx="0" cy="0"/>
+          <a:chOff x="0" y="0"/>
+          <a:chExt cx="0" cy="0"/>
+        </a:xfrm>
+      </p:grpSpPr>
+      <p:sp useBgFill="1">
+        <p:nvSpPr>
+          <p:cNvPr id="8" name="Rectangle 7">
+            <a:extLst>
+              <a:ext uri="{FF2B5EF4-FFF2-40B4-BE49-F238E27FC236}">
+                <a16:creationId xmlns:a16="http://schemas.microsoft.com/office/drawing/2014/main" id="{9A6C2C86-63BF-47D5-AA3F-905111A238E2}"/>
+              </a:ext>
+              <a:ext uri="{C183D7F6-B498-43B3-948B-1728B52AA6E4}">
+                <adec:decorative xmlns:adec="http://schemas.microsoft.com/office/drawing/2017/decorative" val="1"/>
+              </a:ext>
+            </a:extLst>
+          </p:cNvPr>
+          <p:cNvSpPr>
+            <a:spLocks noGrp="1" noRot="1" noChangeAspect="1" noMove="1" noResize="1" noEditPoints="1" noAdjustHandles="1" noChangeArrowheads="1" noChangeShapeType="1" noTextEdit="1"/>
+          </p:cNvSpPr>
+          <p:nvPr>
+            <p:extLst>
+              <p:ext uri="{386F3935-93C4-4BCD-93E2-E3B085C9AB24}">
+                <p16:designElem xmlns:p16="http://schemas.microsoft.com/office/powerpoint/2015/main" val="1"/>
+              </p:ext>
+            </p:extLst>
+          </p:nvPr>
+        </p:nvSpPr>
+        <p:spPr>
+          <a:xfrm>
+            <a:off x="0" y="0"/>
+            <a:ext cx="12192000" cy="6858000"/>
+          </a:xfrm>
+          <a:prstGeom prst="rect">
+            <a:avLst/>
+          </a:prstGeom>
+          <a:ln>
+            <a:noFill/>
+          </a:ln>
+        </p:spPr>
+        <p:style>
+          <a:lnRef idx="2">
+            <a:schemeClr val="accent1">
+              <a:shade val="50000"/>
+            </a:schemeClr>
+          </a:lnRef>
+          <a:fillRef idx="1">
+            <a:schemeClr val="accent1"/>
+          </a:fillRef>
+          <a:effectRef idx="0">
+            <a:schemeClr val="accent1"/>
+          </a:effectRef>
+          <a:fontRef idx="minor">
+            <a:schemeClr val="lt1"/>
+          </a:fontRef>
+        </p:style>
+        <p:txBody>
+          <a:bodyPr rtlCol="0" anchor="ctr"/>
+          <a:lstStyle/>
+          <a:p>
+            <a:pPr algn="ctr"/>
+            <a:endParaRPr lang="en-US"/>
+          </a:p>
+        </p:txBody>
+      </p:sp>
+      <p:sp>
+        <p:nvSpPr>
+          <p:cNvPr id="2" name="Title 1">
+            <a:extLst>
+              <a:ext uri="{FF2B5EF4-FFF2-40B4-BE49-F238E27FC236}">
+                <a16:creationId xmlns:a16="http://schemas.microsoft.com/office/drawing/2014/main" id="{3C7E73AC-2BFB-23E3-63F1-B8D00D047E55}"/>
+              </a:ext>
+            </a:extLst>
+          </p:cNvPr>
+          <p:cNvSpPr>
+            <a:spLocks noGrp="1"/>
+          </p:cNvSpPr>
+          <p:nvPr>
+            <p:ph type="title"/>
+          </p:nvPr>
+        </p:nvSpPr>
+        <p:spPr>
+          <a:xfrm>
+            <a:off x="834013" y="1115568"/>
+            <a:ext cx="3487616" cy="4626864"/>
+          </a:xfrm>
+        </p:spPr>
+        <p:txBody>
+          <a:bodyPr>
+            <a:normAutofit/>
+          </a:bodyPr>
+          <a:lstStyle/>
+          <a:p>
+            <a:pPr algn="l"/>
+            <a:r>
+              <a:rPr lang="en-GB" sz="3600" b="0" i="0">
+                <a:effectLst/>
+                <a:latin typeface="-apple-system"/>
+              </a:rPr>
+              <a:t>Features of a Good Algorithm</a:t>
+            </a:r>
+            <a:endParaRPr lang="en-IE" sz="3600"/>
+          </a:p>
+        </p:txBody>
+      </p:sp>
+      <p:cxnSp>
+        <p:nvCxnSpPr>
+          <p:cNvPr id="10" name="Straight Connector 9">
+            <a:extLst>
+              <a:ext uri="{FF2B5EF4-FFF2-40B4-BE49-F238E27FC236}">
+                <a16:creationId xmlns:a16="http://schemas.microsoft.com/office/drawing/2014/main" id="{425A0768-3044-4AA9-A889-D2CAA68C517A}"/>
+              </a:ext>
+              <a:ext uri="{C183D7F6-B498-43B3-948B-1728B52AA6E4}">
+                <adec:decorative xmlns:adec="http://schemas.microsoft.com/office/drawing/2017/decorative" val="1"/>
+              </a:ext>
+            </a:extLst>
+          </p:cNvPr>
+          <p:cNvCxnSpPr>
+            <a:cxnSpLocks noGrp="1" noRot="1" noChangeAspect="1" noMove="1" noResize="1" noEditPoints="1" noAdjustHandles="1" noChangeArrowheads="1" noChangeShapeType="1"/>
+          </p:cNvCxnSpPr>
+          <p:nvPr>
+            <p:extLst>
+              <p:ext uri="{386F3935-93C4-4BCD-93E2-E3B085C9AB24}">
+                <p16:designElem xmlns:p16="http://schemas.microsoft.com/office/powerpoint/2015/main" val="1"/>
+              </p:ext>
+            </p:extLst>
+          </p:nvPr>
+        </p:nvCxnSpPr>
+        <p:spPr>
+          <a:xfrm>
+            <a:off x="4654605" y="2057400"/>
+            <a:ext cx="0" cy="2743200"/>
+          </a:xfrm>
+          <a:prstGeom prst="line">
+            <a:avLst/>
+          </a:prstGeom>
+          <a:ln w="19050">
+            <a:solidFill>
+              <a:schemeClr val="tx2"/>
+            </a:solidFill>
+          </a:ln>
+        </p:spPr>
+        <p:style>
+          <a:lnRef idx="1">
+            <a:schemeClr val="accent1"/>
+          </a:lnRef>
+          <a:fillRef idx="0">
+            <a:schemeClr val="accent1"/>
+          </a:fillRef>
+          <a:effectRef idx="0">
+            <a:schemeClr val="accent1"/>
+          </a:effectRef>
+          <a:fontRef idx="minor">
+            <a:schemeClr val="tx1"/>
+          </a:fontRef>
+        </p:style>
+      </p:cxnSp>
+      <p:sp>
+        <p:nvSpPr>
+          <p:cNvPr id="3" name="Content Placeholder 2">
+            <a:extLst>
+              <a:ext uri="{FF2B5EF4-FFF2-40B4-BE49-F238E27FC236}">
+                <a16:creationId xmlns:a16="http://schemas.microsoft.com/office/drawing/2014/main" id="{FBD51C5E-EC79-2471-8B81-4BA79E2300DC}"/>
+              </a:ext>
+            </a:extLst>
+          </p:cNvPr>
+          <p:cNvSpPr>
+            <a:spLocks noGrp="1"/>
+          </p:cNvSpPr>
+          <p:nvPr>
+            <p:ph idx="1"/>
+          </p:nvPr>
+        </p:nvSpPr>
+        <p:spPr>
+          <a:xfrm>
+            <a:off x="5105398" y="1115568"/>
+            <a:ext cx="6245352" cy="4626864"/>
+          </a:xfrm>
+        </p:spPr>
+        <p:txBody>
+          <a:bodyPr anchor="ctr">
+            <a:normAutofit/>
+          </a:bodyPr>
+          <a:lstStyle/>
+          <a:p>
+            <a:pPr>
+              <a:buFont typeface="+mj-lt"/>
+              <a:buAutoNum type="arabicPeriod"/>
+            </a:pPr>
+            <a:r>
+              <a:rPr lang="en-GB" b="0" i="0">
+                <a:effectLst/>
+                <a:latin typeface="-apple-system"/>
+              </a:rPr>
+              <a:t>Unambiguous</a:t>
+            </a:r>
+          </a:p>
+          <a:p>
+            <a:pPr>
+              <a:buFont typeface="+mj-lt"/>
+              <a:buAutoNum type="arabicPeriod"/>
+            </a:pPr>
+            <a:r>
+              <a:rPr lang="en-GB" b="0" i="0">
+                <a:effectLst/>
+                <a:latin typeface="-apple-system"/>
+              </a:rPr>
+              <a:t>Well-defined Inputs and Outputs</a:t>
+            </a:r>
+          </a:p>
+          <a:p>
+            <a:pPr>
+              <a:buFont typeface="+mj-lt"/>
+              <a:buAutoNum type="arabicPeriod"/>
+            </a:pPr>
+            <a:r>
+              <a:rPr lang="en-GB" b="0" i="0">
+                <a:effectLst/>
+                <a:latin typeface="-apple-system"/>
+              </a:rPr>
+              <a:t>Finiteness</a:t>
+            </a:r>
+          </a:p>
+          <a:p>
+            <a:pPr>
+              <a:buFont typeface="+mj-lt"/>
+              <a:buAutoNum type="arabicPeriod"/>
+            </a:pPr>
+            <a:r>
+              <a:rPr lang="en-GB" b="0" i="0">
+                <a:effectLst/>
+                <a:latin typeface="-apple-system"/>
+              </a:rPr>
+              <a:t>Feasibility</a:t>
+            </a:r>
+          </a:p>
+          <a:p>
+            <a:pPr>
+              <a:buFont typeface="+mj-lt"/>
+              <a:buAutoNum type="arabicPeriod"/>
+            </a:pPr>
+            <a:r>
+              <a:rPr lang="en-GB" b="0" i="0">
+                <a:effectLst/>
+                <a:latin typeface="-apple-system"/>
+              </a:rPr>
+              <a:t>Language Independent</a:t>
+            </a:r>
+          </a:p>
+          <a:p>
+            <a:pPr>
+              <a:buFont typeface="+mj-lt"/>
+              <a:buAutoNum type="arabicPeriod"/>
+            </a:pPr>
+            <a:r>
+              <a:rPr lang="en-GB" b="0" i="0">
+                <a:effectLst/>
+                <a:latin typeface="-apple-system"/>
+              </a:rPr>
+              <a:t>Independent of Machine</a:t>
+            </a:r>
+          </a:p>
+          <a:p>
+            <a:pPr>
+              <a:buFont typeface="+mj-lt"/>
+              <a:buAutoNum type="arabicPeriod"/>
+            </a:pPr>
+            <a:r>
+              <a:rPr lang="en-GB" b="0" i="0">
+                <a:effectLst/>
+                <a:latin typeface="-apple-system"/>
+              </a:rPr>
+              <a:t>Efficient</a:t>
+            </a:r>
+            <a:endParaRPr lang="en-IE"/>
+          </a:p>
+        </p:txBody>
+      </p:sp>
+    </p:spTree>
+    <p:extLst>
+      <p:ext uri="{BB962C8B-B14F-4D97-AF65-F5344CB8AC3E}">
+        <p14:creationId xmlns:p14="http://schemas.microsoft.com/office/powerpoint/2010/main" val="397441554"/>
+      </p:ext>
+    </p:extLst>
+  </p:cSld>
+  <p:clrMapOvr>
+    <a:masterClrMapping/>
+  </p:clrMapOvr>
+</p:sld>
+</file>
+
+<file path=ppt/slides/slide7.xml><?xml version="1.0" encoding="utf-8"?>
+<p:sld xmlns:a="http://schemas.openxmlformats.org/drawingml/2006/main" xmlns:r="http://schemas.openxmlformats.org/officeDocument/2006/relationships" xmlns:p="http://schemas.openxmlformats.org/presentationml/2006/main">
+  <p:cSld>
+    <p:bg>
+      <p:bgPr>
+        <a:blipFill rotWithShape="1">
+          <a:blip r:embed="rId3">
+            <a:duotone>
+              <a:schemeClr val="bg2">
+                <a:shade val="80000"/>
+                <a:lumMod val="80000"/>
+              </a:schemeClr>
+              <a:schemeClr val="bg2">
+                <a:tint val="98000"/>
+              </a:schemeClr>
+            </a:duotone>
+          </a:blip>
+          <a:stretch/>
+        </a:blipFill>
+        <a:effectLst/>
+      </p:bgPr>
+    </p:bg>
+    <p:spTree>
+      <p:nvGrpSpPr>
+        <p:cNvPr id="1" name=""/>
+        <p:cNvGrpSpPr/>
+        <p:nvPr/>
+      </p:nvGrpSpPr>
+      <p:grpSpPr>
+        <a:xfrm>
+          <a:off x="0" y="0"/>
+          <a:ext cx="0" cy="0"/>
+          <a:chOff x="0" y="0"/>
+          <a:chExt cx="0" cy="0"/>
+        </a:xfrm>
+      </p:grpSpPr>
+      <p:sp>
+        <p:nvSpPr>
+          <p:cNvPr id="2" name="Title 1">
+            <a:extLst>
+              <a:ext uri="{FF2B5EF4-FFF2-40B4-BE49-F238E27FC236}">
+                <a16:creationId xmlns:a16="http://schemas.microsoft.com/office/drawing/2014/main" id="{0A52B047-9883-6385-9689-C08B05360119}"/>
+              </a:ext>
+            </a:extLst>
+          </p:cNvPr>
+          <p:cNvSpPr>
+            <a:spLocks noGrp="1"/>
+          </p:cNvSpPr>
+          <p:nvPr>
+            <p:ph type="title"/>
+          </p:nvPr>
+        </p:nvSpPr>
+        <p:spPr>
+          <a:xfrm>
+            <a:off x="913795" y="609600"/>
+            <a:ext cx="10353762" cy="970450"/>
+          </a:xfrm>
+        </p:spPr>
+        <p:txBody>
+          <a:bodyPr vert="horz" lIns="91440" tIns="45720" rIns="91440" bIns="45720" rtlCol="0" anchor="ctr">
+            <a:normAutofit/>
+          </a:bodyPr>
+          <a:lstStyle/>
+          <a:p>
+            <a:r>
+              <a:rPr lang="en-US" b="0" i="0"/>
+              <a:t>Purpose and properties of Pseudocode</a:t>
+            </a:r>
+            <a:endParaRPr lang="en-US"/>
+          </a:p>
+        </p:txBody>
+      </p:sp>
+      <p:sp>
+        <p:nvSpPr>
+          <p:cNvPr id="8" name="Content Placeholder 2">
+            <a:extLst>
+              <a:ext uri="{FF2B5EF4-FFF2-40B4-BE49-F238E27FC236}">
+                <a16:creationId xmlns:a16="http://schemas.microsoft.com/office/drawing/2014/main" id="{14134494-604C-5479-7432-714E29C98447}"/>
+              </a:ext>
+            </a:extLst>
+          </p:cNvPr>
+          <p:cNvSpPr>
+            <a:spLocks noGrp="1"/>
+          </p:cNvSpPr>
+          <p:nvPr>
+            <p:ph sz="half" idx="1"/>
+          </p:nvPr>
+        </p:nvSpPr>
+        <p:spPr>
+          <a:xfrm>
+            <a:off x="914400" y="1732223"/>
+            <a:ext cx="5060454" cy="4058716"/>
+          </a:xfrm>
+        </p:spPr>
+        <p:txBody>
+          <a:bodyPr>
+            <a:normAutofit/>
+          </a:bodyPr>
+          <a:lstStyle/>
+          <a:p>
+            <a:pPr marL="339471" indent="-302940" defTabSz="452628">
+              <a:spcAft>
+                <a:spcPts val="594"/>
+              </a:spcAft>
+              <a:buFont typeface="+mj-lt"/>
+              <a:buAutoNum type="arabicPeriod"/>
+            </a:pPr>
+            <a:r>
+              <a:rPr lang="en-GB" sz="1980" kern="1200">
+                <a:ln>
+                  <a:solidFill>
+                    <a:schemeClr val="bg1">
+                      <a:lumMod val="75000"/>
+                      <a:lumOff val="25000"/>
+                      <a:alpha val="10000"/>
+                    </a:schemeClr>
+                  </a:solidFill>
+                </a:ln>
+                <a:solidFill>
+                  <a:schemeClr val="tx2"/>
+                </a:solidFill>
+                <a:effectLst/>
+                <a:latin typeface="-apple-system"/>
+                <a:ea typeface="+mn-ea"/>
+                <a:cs typeface="+mn-cs"/>
+              </a:rPr>
+              <a:t>Clarity</a:t>
+            </a:r>
+          </a:p>
+          <a:p>
+            <a:pPr marL="339471" indent="-302940" defTabSz="452628">
+              <a:spcAft>
+                <a:spcPts val="594"/>
+              </a:spcAft>
+              <a:buFont typeface="+mj-lt"/>
+              <a:buAutoNum type="arabicPeriod"/>
+            </a:pPr>
+            <a:r>
+              <a:rPr lang="en-GB" sz="1980" kern="1200">
+                <a:ln>
+                  <a:solidFill>
+                    <a:schemeClr val="bg1">
+                      <a:lumMod val="75000"/>
+                      <a:lumOff val="25000"/>
+                      <a:alpha val="10000"/>
+                    </a:schemeClr>
+                  </a:solidFill>
+                </a:ln>
+                <a:solidFill>
+                  <a:schemeClr val="tx2"/>
+                </a:solidFill>
+                <a:effectLst/>
+                <a:latin typeface="-apple-system"/>
+                <a:ea typeface="+mn-ea"/>
+                <a:cs typeface="+mn-cs"/>
+              </a:rPr>
+              <a:t>Planning</a:t>
+            </a:r>
+          </a:p>
+          <a:p>
+            <a:pPr marL="339471" indent="-302940" defTabSz="452628">
+              <a:spcAft>
+                <a:spcPts val="594"/>
+              </a:spcAft>
+              <a:buFont typeface="+mj-lt"/>
+              <a:buAutoNum type="arabicPeriod"/>
+            </a:pPr>
+            <a:r>
+              <a:rPr lang="en-GB" sz="1980" kern="1200">
+                <a:ln>
+                  <a:solidFill>
+                    <a:schemeClr val="bg1">
+                      <a:lumMod val="75000"/>
+                      <a:lumOff val="25000"/>
+                      <a:alpha val="10000"/>
+                    </a:schemeClr>
+                  </a:solidFill>
+                </a:ln>
+                <a:solidFill>
+                  <a:schemeClr val="tx2"/>
+                </a:solidFill>
+                <a:effectLst/>
+                <a:latin typeface="-apple-system"/>
+                <a:ea typeface="+mn-ea"/>
+                <a:cs typeface="+mn-cs"/>
+              </a:rPr>
+              <a:t>Communication</a:t>
+            </a:r>
+          </a:p>
+          <a:p>
+            <a:pPr marL="339471" indent="-302940" defTabSz="452628">
+              <a:spcAft>
+                <a:spcPts val="594"/>
+              </a:spcAft>
+              <a:buFont typeface="+mj-lt"/>
+              <a:buAutoNum type="arabicPeriod"/>
+            </a:pPr>
+            <a:r>
+              <a:rPr lang="en-GB" sz="1980" kern="1200">
+                <a:ln>
+                  <a:solidFill>
+                    <a:schemeClr val="bg1">
+                      <a:lumMod val="75000"/>
+                      <a:lumOff val="25000"/>
+                      <a:alpha val="10000"/>
+                    </a:schemeClr>
+                  </a:solidFill>
+                </a:ln>
+                <a:solidFill>
+                  <a:schemeClr val="tx2"/>
+                </a:solidFill>
+                <a:effectLst/>
+                <a:latin typeface="-apple-system"/>
+                <a:ea typeface="+mn-ea"/>
+                <a:cs typeface="+mn-cs"/>
+              </a:rPr>
+              <a:t>Debugging</a:t>
+            </a:r>
+          </a:p>
+          <a:p>
+            <a:pPr marL="339471" indent="-302940" defTabSz="452628">
+              <a:spcAft>
+                <a:spcPts val="594"/>
+              </a:spcAft>
+              <a:buFont typeface="+mj-lt"/>
+              <a:buAutoNum type="arabicPeriod"/>
+            </a:pPr>
+            <a:endParaRPr lang="en-GB" sz="1980" kern="1200">
+              <a:ln>
+                <a:solidFill>
+                  <a:schemeClr val="bg1">
+                    <a:lumMod val="75000"/>
+                    <a:lumOff val="25000"/>
+                    <a:alpha val="10000"/>
+                  </a:schemeClr>
+                </a:solidFill>
+              </a:ln>
+              <a:solidFill>
+                <a:schemeClr val="tx2"/>
+              </a:solidFill>
+              <a:effectLst/>
+              <a:latin typeface="-apple-system"/>
+              <a:ea typeface="+mn-ea"/>
+              <a:cs typeface="+mn-cs"/>
+            </a:endParaRPr>
+          </a:p>
+          <a:p>
+            <a:endParaRPr lang="en-IE"/>
+          </a:p>
+        </p:txBody>
+      </p:sp>
+      <p:sp>
+        <p:nvSpPr>
+          <p:cNvPr id="4" name="Content Placeholder 3">
+            <a:extLst>
+              <a:ext uri="{FF2B5EF4-FFF2-40B4-BE49-F238E27FC236}">
+                <a16:creationId xmlns:a16="http://schemas.microsoft.com/office/drawing/2014/main" id="{ACEA34A6-CF4D-69C9-683C-7705E12F59E7}"/>
+              </a:ext>
+            </a:extLst>
+          </p:cNvPr>
+          <p:cNvSpPr>
+            <a:spLocks noGrp="1"/>
+          </p:cNvSpPr>
+          <p:nvPr>
+            <p:ph sz="half" idx="2"/>
+          </p:nvPr>
+        </p:nvSpPr>
+        <p:spPr>
+          <a:xfrm>
+            <a:off x="6203453" y="1732223"/>
+            <a:ext cx="5064622" cy="4058717"/>
+          </a:xfrm>
+        </p:spPr>
+        <p:txBody>
+          <a:bodyPr>
+            <a:normAutofit/>
+          </a:bodyPr>
+          <a:lstStyle/>
+          <a:p>
+            <a:pPr marL="339471" indent="-302940" defTabSz="452628">
+              <a:spcAft>
+                <a:spcPts val="594"/>
+              </a:spcAft>
+              <a:buFont typeface="+mj-lt"/>
+              <a:buAutoNum type="arabicPeriod"/>
+            </a:pPr>
+            <a:r>
+              <a:rPr lang="en-GB" sz="1980" kern="1200" dirty="0">
+                <a:ln>
+                  <a:solidFill>
+                    <a:schemeClr val="bg1">
+                      <a:lumMod val="75000"/>
+                      <a:lumOff val="25000"/>
+                      <a:alpha val="10000"/>
+                    </a:schemeClr>
+                  </a:solidFill>
+                </a:ln>
+                <a:solidFill>
+                  <a:schemeClr val="tx2"/>
+                </a:solidFill>
+                <a:effectLst/>
+                <a:latin typeface="-apple-system"/>
+                <a:ea typeface="+mn-ea"/>
+                <a:cs typeface="+mn-cs"/>
+              </a:rPr>
+              <a:t>Simple</a:t>
+            </a:r>
+          </a:p>
+          <a:p>
+            <a:pPr marL="339471" indent="-302940" defTabSz="452628">
+              <a:spcAft>
+                <a:spcPts val="594"/>
+              </a:spcAft>
+              <a:buFont typeface="+mj-lt"/>
+              <a:buAutoNum type="arabicPeriod"/>
+            </a:pPr>
+            <a:r>
+              <a:rPr lang="en-GB" sz="1980" kern="1200" dirty="0">
+                <a:ln>
+                  <a:solidFill>
+                    <a:schemeClr val="bg1">
+                      <a:lumMod val="75000"/>
+                      <a:lumOff val="25000"/>
+                      <a:alpha val="10000"/>
+                    </a:schemeClr>
+                  </a:solidFill>
+                </a:ln>
+                <a:solidFill>
+                  <a:schemeClr val="tx2"/>
+                </a:solidFill>
+                <a:effectLst/>
+                <a:latin typeface="-apple-system"/>
+                <a:ea typeface="+mn-ea"/>
+                <a:cs typeface="+mn-cs"/>
+              </a:rPr>
+              <a:t>Language Independent</a:t>
+            </a:r>
+          </a:p>
+          <a:p>
+            <a:pPr marL="339471" indent="-302940" defTabSz="452628">
+              <a:spcAft>
+                <a:spcPts val="594"/>
+              </a:spcAft>
+              <a:buFont typeface="+mj-lt"/>
+              <a:buAutoNum type="arabicPeriod"/>
+            </a:pPr>
+            <a:r>
+              <a:rPr lang="en-GB" sz="1980" kern="1200" dirty="0">
+                <a:ln>
+                  <a:solidFill>
+                    <a:schemeClr val="bg1">
+                      <a:lumMod val="75000"/>
+                      <a:lumOff val="25000"/>
+                      <a:alpha val="10000"/>
+                    </a:schemeClr>
+                  </a:solidFill>
+                </a:ln>
+                <a:solidFill>
+                  <a:schemeClr val="tx2"/>
+                </a:solidFill>
+                <a:effectLst/>
+                <a:latin typeface="-apple-system"/>
+                <a:ea typeface="+mn-ea"/>
+                <a:cs typeface="+mn-cs"/>
+              </a:rPr>
+              <a:t>Ambiguity Free</a:t>
+            </a:r>
+          </a:p>
+          <a:p>
+            <a:pPr marL="339471" indent="-302940" defTabSz="452628">
+              <a:spcAft>
+                <a:spcPts val="594"/>
+              </a:spcAft>
+              <a:buFont typeface="+mj-lt"/>
+              <a:buAutoNum type="arabicPeriod"/>
+            </a:pPr>
+            <a:r>
+              <a:rPr lang="en-GB" sz="1980" kern="1200" dirty="0">
+                <a:ln>
+                  <a:solidFill>
+                    <a:schemeClr val="bg1">
+                      <a:lumMod val="75000"/>
+                      <a:lumOff val="25000"/>
+                      <a:alpha val="10000"/>
+                    </a:schemeClr>
+                  </a:solidFill>
+                </a:ln>
+                <a:solidFill>
+                  <a:schemeClr val="tx2"/>
+                </a:solidFill>
+                <a:effectLst/>
+                <a:latin typeface="-apple-system"/>
+                <a:ea typeface="+mn-ea"/>
+                <a:cs typeface="+mn-cs"/>
+              </a:rPr>
+              <a:t>High Level</a:t>
+            </a:r>
+            <a:endParaRPr lang="en-IE" dirty="0"/>
+          </a:p>
+        </p:txBody>
+      </p:sp>
+    </p:spTree>
+    <p:extLst>
+      <p:ext uri="{BB962C8B-B14F-4D97-AF65-F5344CB8AC3E}">
+        <p14:creationId xmlns:p14="http://schemas.microsoft.com/office/powerpoint/2010/main" val="3134576965"/>
+      </p:ext>
+    </p:extLst>
+  </p:cSld>
+  <p:clrMapOvr>
+    <a:masterClrMapping/>
+  </p:clrMapOvr>
+</p:sld>
+</file>
+
+<file path=ppt/slides/slide8.xml><?xml version="1.0" encoding="utf-8"?>
+<p:sld xmlns:a="http://schemas.openxmlformats.org/drawingml/2006/main" xmlns:r="http://schemas.openxmlformats.org/officeDocument/2006/relationships" xmlns:p="http://schemas.openxmlformats.org/presentationml/2006/main">
+  <p:cSld>
+    <p:bg>
+      <p:bgPr>
+        <a:blipFill rotWithShape="1">
+          <a:blip r:embed="rId3">
+            <a:duotone>
+              <a:schemeClr val="bg2">
+                <a:shade val="80000"/>
+                <a:lumMod val="80000"/>
+              </a:schemeClr>
+              <a:schemeClr val="bg2">
+                <a:tint val="98000"/>
+              </a:schemeClr>
+            </a:duotone>
+          </a:blip>
+          <a:stretch/>
+        </a:blipFill>
+        <a:effectLst/>
+      </p:bgPr>
+    </p:bg>
+    <p:spTree>
+      <p:nvGrpSpPr>
+        <p:cNvPr id="1" name=""/>
+        <p:cNvGrpSpPr/>
+        <p:nvPr/>
+      </p:nvGrpSpPr>
+      <p:grpSpPr>
+        <a:xfrm>
+          <a:off x="0" y="0"/>
+          <a:ext cx="0" cy="0"/>
+          <a:chOff x="0" y="0"/>
+          <a:chExt cx="0" cy="0"/>
+        </a:xfrm>
+      </p:grpSpPr>
+      <p:sp>
+        <p:nvSpPr>
+          <p:cNvPr id="5" name="Title 4">
+            <a:extLst>
+              <a:ext uri="{FF2B5EF4-FFF2-40B4-BE49-F238E27FC236}">
+                <a16:creationId xmlns:a16="http://schemas.microsoft.com/office/drawing/2014/main" id="{C26314DC-7A9B-38F6-2144-14C3DA92B8C0}"/>
+              </a:ext>
+            </a:extLst>
+          </p:cNvPr>
+          <p:cNvSpPr>
+            <a:spLocks noGrp="1"/>
+          </p:cNvSpPr>
+          <p:nvPr>
+            <p:ph type="title"/>
+          </p:nvPr>
+        </p:nvSpPr>
+        <p:spPr>
+          <a:xfrm>
+            <a:off x="5146160" y="609600"/>
+            <a:ext cx="5978072" cy="970450"/>
+          </a:xfrm>
+        </p:spPr>
+        <p:txBody>
+          <a:bodyPr>
+            <a:normAutofit/>
+          </a:bodyPr>
+          <a:lstStyle/>
+          <a:p>
+            <a:r>
+              <a:rPr lang="en-GB" dirty="0"/>
+              <a:t>Rules of Pseudocode</a:t>
+            </a:r>
+            <a:endParaRPr lang="en-IE" dirty="0"/>
+          </a:p>
+        </p:txBody>
+      </p:sp>
+      <p:pic>
+        <p:nvPicPr>
+          <p:cNvPr id="19" name="Picture 7" descr="Black pen against a sheet with shaded numbers">
+            <a:extLst>
+              <a:ext uri="{FF2B5EF4-FFF2-40B4-BE49-F238E27FC236}">
+                <a16:creationId xmlns:a16="http://schemas.microsoft.com/office/drawing/2014/main" id="{7AD54901-04AB-EA7B-5EF2-18B1553201B5}"/>
+              </a:ext>
+            </a:extLst>
+          </p:cNvPr>
+          <p:cNvPicPr>
+            <a:picLocks noChangeAspect="1"/>
+          </p:cNvPicPr>
+          <p:nvPr/>
+        </p:nvPicPr>
+        <p:blipFill rotWithShape="1">
+          <a:blip r:embed="rId4"/>
+          <a:srcRect l="55504" r="-2" b="-2"/>
+          <a:stretch/>
+        </p:blipFill>
+        <p:spPr>
+          <a:xfrm>
+            <a:off x="-10649" y="1"/>
+            <a:ext cx="4571649" cy="6858000"/>
+          </a:xfrm>
+          <a:prstGeom prst="rect">
+            <a:avLst/>
+          </a:prstGeom>
+        </p:spPr>
+      </p:pic>
+      <p:sp>
+        <p:nvSpPr>
+          <p:cNvPr id="6" name="Content Placeholder 5">
+            <a:extLst>
+              <a:ext uri="{FF2B5EF4-FFF2-40B4-BE49-F238E27FC236}">
+                <a16:creationId xmlns:a16="http://schemas.microsoft.com/office/drawing/2014/main" id="{F5F817E6-B384-4669-63F1-40482C42C970}"/>
+              </a:ext>
+            </a:extLst>
+          </p:cNvPr>
+          <p:cNvSpPr>
+            <a:spLocks noGrp="1"/>
+          </p:cNvSpPr>
+          <p:nvPr>
+            <p:ph idx="1"/>
+          </p:nvPr>
+        </p:nvSpPr>
+        <p:spPr>
+          <a:xfrm>
+            <a:off x="5146160" y="1828801"/>
+            <a:ext cx="5978072" cy="3866048"/>
+          </a:xfrm>
+        </p:spPr>
+        <p:txBody>
+          <a:bodyPr anchor="ctr">
+            <a:normAutofit/>
+          </a:bodyPr>
+          <a:lstStyle/>
+          <a:p>
+            <a:pPr>
+              <a:buFont typeface="+mj-lt"/>
+              <a:buAutoNum type="arabicPeriod"/>
+            </a:pPr>
+            <a:r>
+              <a:rPr lang="en-GB" b="0" i="0" dirty="0">
+                <a:effectLst/>
+                <a:latin typeface="-apple-system"/>
+              </a:rPr>
+              <a:t>These are more guidelines</a:t>
+            </a:r>
+          </a:p>
+          <a:p>
+            <a:pPr>
+              <a:buFont typeface="+mj-lt"/>
+              <a:buAutoNum type="arabicPeriod"/>
+            </a:pPr>
+            <a:r>
+              <a:rPr lang="en-GB" b="0" i="0" dirty="0">
+                <a:effectLst/>
+                <a:latin typeface="-apple-system"/>
+              </a:rPr>
+              <a:t>Write one statement per line</a:t>
+            </a:r>
+          </a:p>
+          <a:p>
+            <a:pPr>
+              <a:buFont typeface="+mj-lt"/>
+              <a:buAutoNum type="arabicPeriod"/>
+            </a:pPr>
+            <a:r>
+              <a:rPr lang="en-GB" b="0" i="0" dirty="0">
+                <a:effectLst/>
+                <a:latin typeface="-apple-system"/>
+              </a:rPr>
+              <a:t>Use Simple English</a:t>
+            </a:r>
+          </a:p>
+          <a:p>
+            <a:pPr>
+              <a:buFont typeface="+mj-lt"/>
+              <a:buAutoNum type="arabicPeriod"/>
+            </a:pPr>
+            <a:r>
+              <a:rPr lang="en-GB" b="0" i="0" dirty="0">
+                <a:effectLst/>
+                <a:latin typeface="-apple-system"/>
+              </a:rPr>
+              <a:t>Indent for logic:</a:t>
+            </a:r>
+          </a:p>
+          <a:p>
+            <a:pPr>
+              <a:buFont typeface="+mj-lt"/>
+              <a:buAutoNum type="arabicPeriod"/>
+            </a:pPr>
+            <a:r>
+              <a:rPr lang="en-GB" b="0" i="0" dirty="0">
+                <a:effectLst/>
+                <a:latin typeface="-apple-system"/>
+              </a:rPr>
+              <a:t>Keep it short</a:t>
+            </a:r>
+          </a:p>
+          <a:p>
+            <a:pPr>
+              <a:buFont typeface="+mj-lt"/>
+              <a:buAutoNum type="arabicPeriod"/>
+            </a:pPr>
+            <a:r>
+              <a:rPr lang="en-GB" b="0" i="0" dirty="0">
+                <a:effectLst/>
+                <a:latin typeface="-apple-system"/>
+              </a:rPr>
+              <a:t>Be specific</a:t>
+            </a:r>
+            <a:endParaRPr lang="en-IE" dirty="0"/>
+          </a:p>
+        </p:txBody>
+      </p:sp>
+      <p:pic>
+        <p:nvPicPr>
+          <p:cNvPr id="20" name="Picture 11">
+            <a:extLst>
+              <a:ext uri="{FF2B5EF4-FFF2-40B4-BE49-F238E27FC236}">
+                <a16:creationId xmlns:a16="http://schemas.microsoft.com/office/drawing/2014/main" id="{559DF61F-9058-49C9-8F75-DC501F983B0E}"/>
+              </a:ext>
+              <a:ext uri="{C183D7F6-B498-43B3-948B-1728B52AA6E4}">
+                <adec:decorative xmlns:adec="http://schemas.microsoft.com/office/drawing/2017/decorative" val="1"/>
+              </a:ext>
+            </a:extLst>
+          </p:cNvPr>
+          <p:cNvPicPr>
+            <a:picLocks noGrp="1" noRot="1" noChangeAspect="1" noMove="1" noResize="1" noEditPoints="1" noAdjustHandles="1" noChangeArrowheads="1" noChangeShapeType="1" noCrop="1"/>
+          </p:cNvPicPr>
+          <p:nvPr>
+            <p:extLst>
+              <p:ext uri="{386F3935-93C4-4BCD-93E2-E3B085C9AB24}">
+                <p16:designElem xmlns:p16="http://schemas.microsoft.com/office/powerpoint/2015/main" val="1"/>
+              </p:ext>
+            </p:extLst>
+          </p:nvPr>
+        </p:nvPicPr>
+        <p:blipFill rotWithShape="1">
+          <a:blip r:embed="rId5">
+            <a:extLst>
+              <a:ext uri="{28A0092B-C50C-407E-A947-70E740481C1C}">
+                <a14:useLocalDpi xmlns:a14="http://schemas.microsoft.com/office/drawing/2010/main" val="0"/>
+              </a:ext>
+            </a:extLst>
+          </a:blip>
+          <a:srcRect t="964" r="2807" b="1446"/>
+          <a:stretch/>
+        </p:blipFill>
+        <p:spPr>
+          <a:xfrm>
+            <a:off x="-10649" y="1"/>
+            <a:ext cx="4690532" cy="6858000"/>
+          </a:xfrm>
+          <a:prstGeom prst="rect">
+            <a:avLst/>
+          </a:prstGeom>
+        </p:spPr>
+      </p:pic>
+    </p:spTree>
+    <p:extLst>
+      <p:ext uri="{BB962C8B-B14F-4D97-AF65-F5344CB8AC3E}">
+        <p14:creationId xmlns:p14="http://schemas.microsoft.com/office/powerpoint/2010/main" val="95783798"/>
+      </p:ext>
+    </p:extLst>
+  </p:cSld>
+  <p:clrMapOvr>
+    <a:masterClrMapping/>
+  </p:clrMapOvr>
+</p:sld>
+</file>
+
+<file path=ppt/slides/slide9.xml><?xml version="1.0" encoding="utf-8"?>
+<p:sld xmlns:a="http://schemas.openxmlformats.org/drawingml/2006/main" xmlns:r="http://schemas.openxmlformats.org/officeDocument/2006/relationships" xmlns:p="http://schemas.openxmlformats.org/presentationml/2006/main">
+  <p:cSld>
+    <p:bg>
+      <p:bgPr>
+        <a:blipFill rotWithShape="1">
+          <a:blip r:embed="rId2">
+            <a:duotone>
+              <a:schemeClr val="bg2">
+                <a:shade val="80000"/>
+                <a:lumMod val="80000"/>
+              </a:schemeClr>
+              <a:schemeClr val="bg2">
+                <a:tint val="98000"/>
+              </a:schemeClr>
+            </a:duotone>
+          </a:blip>
+          <a:stretch/>
+        </a:blipFill>
+        <a:effectLst/>
+      </p:bgPr>
+    </p:bg>
+    <p:spTree>
+      <p:nvGrpSpPr>
+        <p:cNvPr id="1" name=""/>
+        <p:cNvGrpSpPr/>
+        <p:nvPr/>
+      </p:nvGrpSpPr>
+      <p:grpSpPr>
+        <a:xfrm>
+          <a:off x="0" y="0"/>
+          <a:ext cx="0" cy="0"/>
+          <a:chOff x="0" y="0"/>
+          <a:chExt cx="0" cy="0"/>
+        </a:xfrm>
+      </p:grpSpPr>
+      <p:sp>
+        <p:nvSpPr>
+          <p:cNvPr id="2" name="Title 1">
+            <a:extLst>
+              <a:ext uri="{FF2B5EF4-FFF2-40B4-BE49-F238E27FC236}">
+                <a16:creationId xmlns:a16="http://schemas.microsoft.com/office/drawing/2014/main" id="{CE4D7757-92BD-1E13-C147-D402A1CBFFA7}"/>
+              </a:ext>
+            </a:extLst>
+          </p:cNvPr>
+          <p:cNvSpPr>
+            <a:spLocks noGrp="1"/>
+          </p:cNvSpPr>
+          <p:nvPr>
+            <p:ph type="title"/>
+          </p:nvPr>
+        </p:nvSpPr>
+        <p:spPr>
+          <a:xfrm>
+            <a:off x="5146160" y="609600"/>
+            <a:ext cx="5978072" cy="970450"/>
+          </a:xfrm>
+        </p:spPr>
+        <p:txBody>
+          <a:bodyPr>
+            <a:normAutofit/>
+          </a:bodyPr>
+          <a:lstStyle/>
+          <a:p>
+            <a:r>
+              <a:rPr lang="en-GB" dirty="0"/>
+              <a:t>Creating an </a:t>
+            </a:r>
+            <a:r>
+              <a:rPr lang="en-GB" dirty="0" err="1"/>
+              <a:t>Algroithim</a:t>
+            </a:r>
+            <a:endParaRPr lang="en-IE" dirty="0"/>
+          </a:p>
+        </p:txBody>
+      </p:sp>
+      <p:pic>
+        <p:nvPicPr>
+          <p:cNvPr id="6" name="Picture 5" descr="Pot pouring hot water">
+            <a:extLst>
+              <a:ext uri="{FF2B5EF4-FFF2-40B4-BE49-F238E27FC236}">
+                <a16:creationId xmlns:a16="http://schemas.microsoft.com/office/drawing/2014/main" id="{9632A6D1-A3BB-E71A-8FDE-13950CBCB2F9}"/>
+              </a:ext>
+            </a:extLst>
+          </p:cNvPr>
+          <p:cNvPicPr>
+            <a:picLocks noChangeAspect="1"/>
+          </p:cNvPicPr>
+          <p:nvPr/>
+        </p:nvPicPr>
+        <p:blipFill rotWithShape="1">
+          <a:blip r:embed="rId3"/>
+          <a:srcRect l="21076" r="34427" b="-2"/>
+          <a:stretch/>
+        </p:blipFill>
+        <p:spPr>
+          <a:xfrm>
+            <a:off x="-10649" y="1"/>
+            <a:ext cx="4571649" cy="6858000"/>
+          </a:xfrm>
+          <a:prstGeom prst="rect">
+            <a:avLst/>
+          </a:prstGeom>
+        </p:spPr>
+      </p:pic>
+      <p:sp>
+        <p:nvSpPr>
+          <p:cNvPr id="4" name="Rectangle 1">
+            <a:extLst>
+              <a:ext uri="{FF2B5EF4-FFF2-40B4-BE49-F238E27FC236}">
+                <a16:creationId xmlns:a16="http://schemas.microsoft.com/office/drawing/2014/main" id="{8EB88956-0114-1247-290A-6250F0B2956E}"/>
+              </a:ext>
+            </a:extLst>
+          </p:cNvPr>
+          <p:cNvSpPr>
+            <a:spLocks noGrp="1" noChangeArrowheads="1"/>
+          </p:cNvSpPr>
+          <p:nvPr>
+            <p:ph idx="1"/>
+          </p:nvPr>
+        </p:nvSpPr>
+        <p:spPr bwMode="auto">
+          <a:xfrm>
+            <a:off x="5146160" y="1580050"/>
+            <a:ext cx="5978072" cy="4951379"/>
+          </a:xfrm>
+          <a:prstGeom prst="rect">
+            <a:avLst/>
+          </a:prstGeom>
+          <a:extLst>
+            <a:ext uri="{909E8E84-426E-40DD-AFC4-6F175D3DCCD1}">
+              <a14:hiddenFill xmlns:a14="http://schemas.microsoft.com/office/drawing/2010/main">
+                <a:solidFill>
+                  <a:schemeClr val="accent1"/>
+                </a:solidFill>
+              </a14:hiddenFill>
+            </a:ext>
+            <a:ext uri="{91240B29-F687-4F45-9708-019B960494DF}">
+              <a14:hiddenLine xmlns:a14="http://schemas.microsoft.com/office/drawing/2010/main" w="9525">
+                <a:solidFill>
+                  <a:schemeClr val="tx1"/>
+                </a:solidFill>
+                <a:miter lim="800000"/>
+                <a:headEnd/>
+                <a:tailEnd/>
+              </a14:hiddenLine>
+            </a:ext>
+            <a:ext uri="{AF507438-7753-43E0-B8FC-AC1667EBCBE1}">
+              <a14:hiddenEffects xmlns:a14="http://schemas.microsoft.com/office/drawing/2010/main">
+                <a:effectLst>
+                  <a:outerShdw dist="35921" dir="2700000" algn="ctr" rotWithShape="0">
+                    <a:schemeClr val="bg2"/>
+                  </a:outerShdw>
+                </a:effectLst>
+              </a14:hiddenEffects>
+            </a:ext>
+          </a:extLst>
+        </p:spPr>
+        <p:txBody>
+          <a:bodyPr vert="horz" lIns="0" tIns="0" rIns="0" bIns="0" numCol="1" anchor="ctr" anchorCtr="0" compatLnSpc="1">
+            <a:prstTxWarp prst="textNoShape">
+              <a:avLst/>
+            </a:prstTxWarp>
+            <a:normAutofit/>
+          </a:bodyPr>
+          <a:lstStyle/>
+          <a:p>
+            <a:pPr marL="0" marR="0" lvl="0" indent="0" defTabSz="914400" rtl="0" eaLnBrk="0" fontAlgn="ctr" latinLnBrk="0" hangingPunct="0">
+              <a:lnSpc>
+                <a:spcPct val="90000"/>
+              </a:lnSpc>
+              <a:spcBef>
+                <a:spcPct val="0"/>
+              </a:spcBef>
+              <a:buClr>
+                <a:srgbClr val="956E3E"/>
+              </a:buClr>
+              <a:buSzTx/>
+              <a:buFontTx/>
+              <a:buNone/>
+              <a:tabLst/>
+            </a:pPr>
+            <a:r>
+              <a:rPr kumimoji="0" lang="en-US" altLang="en-US" b="0" i="0" u="none" strike="noStrike" cap="none" normalizeH="0" baseline="0" dirty="0">
+                <a:ln>
+                  <a:noFill/>
+                </a:ln>
+                <a:effectLst/>
+                <a:latin typeface="source-code-pro"/>
+              </a:rPr>
+              <a:t>START </a:t>
+            </a:r>
+          </a:p>
+          <a:p>
+            <a:pPr marL="457200" marR="0" lvl="0" indent="-457200" defTabSz="914400" rtl="0" eaLnBrk="0" fontAlgn="ctr" latinLnBrk="0" hangingPunct="0">
+              <a:lnSpc>
+                <a:spcPct val="90000"/>
+              </a:lnSpc>
+              <a:spcBef>
+                <a:spcPct val="0"/>
+              </a:spcBef>
+              <a:buClr>
+                <a:srgbClr val="956E3E"/>
+              </a:buClr>
+              <a:buSzTx/>
+              <a:buFontTx/>
+              <a:buAutoNum type="arabicPeriod"/>
+              <a:tabLst/>
+            </a:pPr>
+            <a:r>
+              <a:rPr kumimoji="0" lang="en-US" altLang="en-US" b="0" i="0" u="none" strike="noStrike" cap="none" normalizeH="0" baseline="0" dirty="0">
+                <a:ln>
+                  <a:noFill/>
+                </a:ln>
+                <a:effectLst/>
+                <a:latin typeface="source-code-pro"/>
+              </a:rPr>
+              <a:t>Fill the kettle with water </a:t>
+            </a:r>
+          </a:p>
+          <a:p>
+            <a:pPr marL="457200" marR="0" lvl="0" indent="-457200" defTabSz="914400" rtl="0" eaLnBrk="0" fontAlgn="ctr" latinLnBrk="0" hangingPunct="0">
+              <a:lnSpc>
+                <a:spcPct val="90000"/>
+              </a:lnSpc>
+              <a:spcBef>
+                <a:spcPct val="0"/>
+              </a:spcBef>
+              <a:buClr>
+                <a:srgbClr val="956E3E"/>
+              </a:buClr>
+              <a:buSzTx/>
+              <a:buFontTx/>
+              <a:buAutoNum type="arabicPeriod"/>
+              <a:tabLst/>
+            </a:pPr>
+            <a:r>
+              <a:rPr kumimoji="0" lang="en-US" altLang="en-US" b="0" i="0" u="none" strike="noStrike" cap="none" normalizeH="0" baseline="0" dirty="0">
+                <a:ln>
+                  <a:noFill/>
+                </a:ln>
+                <a:effectLst/>
+                <a:latin typeface="source-code-pro"/>
+              </a:rPr>
+              <a:t>Switch on the kettle </a:t>
+            </a:r>
+            <a:endParaRPr lang="en-US" altLang="en-US" dirty="0">
+              <a:ln>
+                <a:noFill/>
+              </a:ln>
+              <a:effectLst/>
+              <a:latin typeface="source-code-pro"/>
+            </a:endParaRPr>
+          </a:p>
+          <a:p>
+            <a:pPr marL="457200" marR="0" lvl="0" indent="-457200" defTabSz="914400" rtl="0" eaLnBrk="0" fontAlgn="ctr" latinLnBrk="0" hangingPunct="0">
+              <a:lnSpc>
+                <a:spcPct val="90000"/>
+              </a:lnSpc>
+              <a:spcBef>
+                <a:spcPct val="0"/>
+              </a:spcBef>
+              <a:buClr>
+                <a:srgbClr val="956E3E"/>
+              </a:buClr>
+              <a:buSzTx/>
+              <a:buFontTx/>
+              <a:buAutoNum type="arabicPeriod"/>
+              <a:tabLst/>
+            </a:pPr>
+            <a:r>
+              <a:rPr kumimoji="0" lang="en-US" altLang="en-US" b="0" i="0" u="none" strike="noStrike" cap="none" normalizeH="0" baseline="0" dirty="0">
+                <a:ln>
+                  <a:noFill/>
+                </a:ln>
+                <a:effectLst/>
+                <a:latin typeface="source-code-pro"/>
+              </a:rPr>
+              <a:t>While waiting for the water to boil, </a:t>
+            </a:r>
+            <a:endParaRPr lang="en-US" altLang="en-US" dirty="0">
+              <a:ln>
+                <a:noFill/>
+              </a:ln>
+              <a:effectLst/>
+              <a:latin typeface="source-code-pro"/>
+            </a:endParaRPr>
+          </a:p>
+          <a:p>
+            <a:pPr marL="834300" lvl="1" indent="-457200" defTabSz="914400" eaLnBrk="0" fontAlgn="ctr" hangingPunct="0">
+              <a:lnSpc>
+                <a:spcPct val="90000"/>
+              </a:lnSpc>
+              <a:spcBef>
+                <a:spcPct val="0"/>
+              </a:spcBef>
+              <a:buClr>
+                <a:srgbClr val="956E3E"/>
+              </a:buClr>
+              <a:buSzTx/>
+              <a:buFontTx/>
+              <a:buAutoNum type="arabicPeriod"/>
+            </a:pPr>
+            <a:r>
+              <a:rPr kumimoji="0" lang="en-US" altLang="en-US" sz="2000" b="0" i="0" u="none" strike="noStrike" cap="none" normalizeH="0" baseline="0" dirty="0">
+                <a:ln>
+                  <a:noFill/>
+                </a:ln>
+                <a:effectLst/>
+                <a:latin typeface="source-code-pro"/>
+              </a:rPr>
+              <a:t>Place a tea bag in the cup </a:t>
+            </a:r>
+            <a:endParaRPr lang="en-US" altLang="en-US" sz="2000" dirty="0">
+              <a:ln>
+                <a:noFill/>
+              </a:ln>
+              <a:effectLst/>
+              <a:latin typeface="source-code-pro"/>
+            </a:endParaRPr>
+          </a:p>
+          <a:p>
+            <a:pPr marL="834300" lvl="1" indent="-457200" defTabSz="914400" eaLnBrk="0" fontAlgn="ctr" hangingPunct="0">
+              <a:lnSpc>
+                <a:spcPct val="90000"/>
+              </a:lnSpc>
+              <a:spcBef>
+                <a:spcPct val="0"/>
+              </a:spcBef>
+              <a:buClr>
+                <a:srgbClr val="956E3E"/>
+              </a:buClr>
+              <a:buSzTx/>
+              <a:buFontTx/>
+              <a:buAutoNum type="arabicPeriod"/>
+            </a:pPr>
+            <a:r>
+              <a:rPr kumimoji="0" lang="en-US" altLang="en-US" sz="2000" b="0" i="0" u="none" strike="noStrike" cap="none" normalizeH="0" baseline="0" dirty="0">
+                <a:ln>
+                  <a:noFill/>
+                </a:ln>
+                <a:effectLst/>
+                <a:latin typeface="source-code-pro"/>
+              </a:rPr>
+              <a:t>Add sugar to the cup (if needed) </a:t>
+            </a:r>
+            <a:endParaRPr lang="en-US" altLang="en-US" sz="2000" dirty="0">
+              <a:ln>
+                <a:noFill/>
+              </a:ln>
+              <a:effectLst/>
+              <a:latin typeface="source-code-pro"/>
+            </a:endParaRPr>
+          </a:p>
+          <a:p>
+            <a:pPr marL="457200" indent="-457200" defTabSz="914400" eaLnBrk="0" fontAlgn="ctr" hangingPunct="0">
+              <a:lnSpc>
+                <a:spcPct val="90000"/>
+              </a:lnSpc>
+              <a:spcBef>
+                <a:spcPct val="0"/>
+              </a:spcBef>
+              <a:buClr>
+                <a:srgbClr val="956E3E"/>
+              </a:buClr>
+              <a:buSzTx/>
+              <a:buFontTx/>
+              <a:buAutoNum type="arabicPeriod"/>
+            </a:pPr>
+            <a:r>
+              <a:rPr kumimoji="0" lang="en-US" altLang="en-US" b="0" i="0" u="none" strike="noStrike" cap="none" normalizeH="0" baseline="0" dirty="0">
+                <a:ln>
+                  <a:noFill/>
+                </a:ln>
+                <a:effectLst/>
+                <a:latin typeface="source-code-pro"/>
+              </a:rPr>
+              <a:t>When the kettle switches off, pour the hot water into the cup </a:t>
+            </a:r>
+            <a:endParaRPr lang="en-US" altLang="en-US" dirty="0">
+              <a:ln>
+                <a:noFill/>
+              </a:ln>
+              <a:effectLst/>
+              <a:latin typeface="source-code-pro"/>
+            </a:endParaRPr>
+          </a:p>
+          <a:p>
+            <a:pPr marL="457200" indent="-457200" defTabSz="914400" eaLnBrk="0" fontAlgn="ctr" hangingPunct="0">
+              <a:lnSpc>
+                <a:spcPct val="90000"/>
+              </a:lnSpc>
+              <a:spcBef>
+                <a:spcPct val="0"/>
+              </a:spcBef>
+              <a:buClr>
+                <a:srgbClr val="956E3E"/>
+              </a:buClr>
+              <a:buSzTx/>
+              <a:buFontTx/>
+              <a:buAutoNum type="arabicPeriod"/>
+            </a:pPr>
+            <a:r>
+              <a:rPr kumimoji="0" lang="en-US" altLang="en-US" b="0" i="0" u="none" strike="noStrike" cap="none" normalizeH="0" baseline="0" dirty="0">
+                <a:ln>
+                  <a:noFill/>
+                </a:ln>
+                <a:effectLst/>
+                <a:latin typeface="source-code-pro"/>
+              </a:rPr>
+              <a:t>Stir the tea </a:t>
+            </a:r>
+            <a:endParaRPr lang="en-US" altLang="en-US" dirty="0">
+              <a:ln>
+                <a:noFill/>
+              </a:ln>
+              <a:effectLst/>
+              <a:latin typeface="source-code-pro"/>
+            </a:endParaRPr>
+          </a:p>
+          <a:p>
+            <a:pPr marL="457200" indent="-457200" defTabSz="914400" eaLnBrk="0" fontAlgn="ctr" hangingPunct="0">
+              <a:lnSpc>
+                <a:spcPct val="90000"/>
+              </a:lnSpc>
+              <a:spcBef>
+                <a:spcPct val="0"/>
+              </a:spcBef>
+              <a:buClr>
+                <a:srgbClr val="956E3E"/>
+              </a:buClr>
+              <a:buSzTx/>
+              <a:buFontTx/>
+              <a:buAutoNum type="arabicPeriod"/>
+            </a:pPr>
+            <a:r>
+              <a:rPr kumimoji="0" lang="en-US" altLang="en-US" b="0" i="0" u="none" strike="noStrike" cap="none" normalizeH="0" baseline="0" dirty="0">
+                <a:ln>
+                  <a:noFill/>
+                </a:ln>
+                <a:effectLst/>
+                <a:latin typeface="source-code-pro"/>
+              </a:rPr>
+              <a:t>Wait for 2 minutes </a:t>
+            </a:r>
+            <a:endParaRPr lang="en-US" altLang="en-US" dirty="0">
+              <a:ln>
+                <a:noFill/>
+              </a:ln>
+              <a:effectLst/>
+              <a:latin typeface="source-code-pro"/>
+            </a:endParaRPr>
+          </a:p>
+          <a:p>
+            <a:pPr marL="457200" indent="-457200" defTabSz="914400" eaLnBrk="0" fontAlgn="ctr" hangingPunct="0">
+              <a:lnSpc>
+                <a:spcPct val="90000"/>
+              </a:lnSpc>
+              <a:spcBef>
+                <a:spcPct val="0"/>
+              </a:spcBef>
+              <a:buClr>
+                <a:srgbClr val="956E3E"/>
+              </a:buClr>
+              <a:buSzTx/>
+              <a:buFontTx/>
+              <a:buAutoNum type="arabicPeriod"/>
+            </a:pPr>
+            <a:r>
+              <a:rPr kumimoji="0" lang="en-US" altLang="en-US" b="0" i="0" u="none" strike="noStrike" cap="none" normalizeH="0" baseline="0" dirty="0">
+                <a:ln>
+                  <a:noFill/>
+                </a:ln>
+                <a:effectLst/>
+                <a:latin typeface="source-code-pro"/>
+              </a:rPr>
+              <a:t>Remove the tea bag from the cup </a:t>
+            </a:r>
+            <a:endParaRPr lang="en-US" altLang="en-US" dirty="0">
+              <a:ln>
+                <a:noFill/>
+              </a:ln>
+              <a:effectLst/>
+              <a:latin typeface="source-code-pro"/>
+            </a:endParaRPr>
+          </a:p>
+          <a:p>
+            <a:pPr marL="457200" indent="-457200" defTabSz="914400" eaLnBrk="0" fontAlgn="ctr" hangingPunct="0">
+              <a:lnSpc>
+                <a:spcPct val="90000"/>
+              </a:lnSpc>
+              <a:spcBef>
+                <a:spcPct val="0"/>
+              </a:spcBef>
+              <a:buClr>
+                <a:srgbClr val="956E3E"/>
+              </a:buClr>
+              <a:buSzTx/>
+              <a:buFontTx/>
+              <a:buAutoNum type="arabicPeriod"/>
+            </a:pPr>
+            <a:r>
+              <a:rPr kumimoji="0" lang="en-US" altLang="en-US" b="0" i="0" u="none" strike="noStrike" cap="none" normalizeH="0" baseline="0" dirty="0">
+                <a:ln>
+                  <a:noFill/>
+                </a:ln>
+                <a:effectLst/>
+                <a:latin typeface="source-code-pro"/>
+              </a:rPr>
+              <a:t>If preferred, add milk and stir the tea </a:t>
+            </a:r>
+            <a:endParaRPr lang="en-US" altLang="en-US" dirty="0">
+              <a:ln>
+                <a:noFill/>
+              </a:ln>
+              <a:effectLst/>
+              <a:latin typeface="source-code-pro"/>
+            </a:endParaRPr>
+          </a:p>
+          <a:p>
+            <a:pPr marL="457200" indent="-457200" defTabSz="914400" eaLnBrk="0" fontAlgn="ctr" hangingPunct="0">
+              <a:lnSpc>
+                <a:spcPct val="90000"/>
+              </a:lnSpc>
+              <a:spcBef>
+                <a:spcPct val="0"/>
+              </a:spcBef>
+              <a:buClr>
+                <a:srgbClr val="956E3E"/>
+              </a:buClr>
+              <a:buSzTx/>
+              <a:buFontTx/>
+              <a:buAutoNum type="arabicPeriod"/>
+            </a:pPr>
+            <a:r>
+              <a:rPr kumimoji="0" lang="en-US" altLang="en-US" b="0" i="0" u="none" strike="noStrike" cap="none" normalizeH="0" baseline="0" dirty="0">
+                <a:ln>
+                  <a:noFill/>
+                </a:ln>
+                <a:effectLst/>
+                <a:latin typeface="source-code-pro"/>
+              </a:rPr>
+              <a:t>The tea is ready for drinking </a:t>
+            </a:r>
+          </a:p>
+          <a:p>
+            <a:pPr marL="0" indent="0" defTabSz="914400" eaLnBrk="0" fontAlgn="ctr" hangingPunct="0">
+              <a:lnSpc>
+                <a:spcPct val="90000"/>
+              </a:lnSpc>
+              <a:spcBef>
+                <a:spcPct val="0"/>
+              </a:spcBef>
+              <a:buClr>
+                <a:srgbClr val="956E3E"/>
+              </a:buClr>
+              <a:buSzTx/>
+              <a:buNone/>
+            </a:pPr>
+            <a:r>
+              <a:rPr kumimoji="0" lang="en-US" altLang="en-US" b="0" i="0" u="none" strike="noStrike" cap="none" normalizeH="0" baseline="0" dirty="0">
+                <a:ln>
+                  <a:noFill/>
+                </a:ln>
+                <a:effectLst/>
+                <a:latin typeface="source-code-pro"/>
+              </a:rPr>
+              <a:t>STOP</a:t>
+            </a:r>
+            <a:r>
+              <a:rPr kumimoji="0" lang="en-US" altLang="en-US" b="0" i="0" u="none" strike="noStrike" cap="none" normalizeH="0" baseline="0" dirty="0">
+                <a:ln>
+                  <a:noFill/>
+                </a:ln>
+                <a:effectLst/>
+              </a:rPr>
+              <a:t> </a:t>
+            </a:r>
+            <a:endParaRPr kumimoji="0" lang="en-US" altLang="en-US" b="0" i="0" u="none" strike="noStrike" cap="none" normalizeH="0" baseline="0" dirty="0">
+              <a:ln>
+                <a:noFill/>
+              </a:ln>
+              <a:effectLst/>
+              <a:latin typeface="Arial" panose="020B0604020202020204" pitchFamily="34" charset="0"/>
+            </a:endParaRPr>
+          </a:p>
+        </p:txBody>
+      </p:sp>
+      <p:pic>
+        <p:nvPicPr>
+          <p:cNvPr id="17" name="Picture 14">
+            <a:extLst>
+              <a:ext uri="{FF2B5EF4-FFF2-40B4-BE49-F238E27FC236}">
+                <a16:creationId xmlns:a16="http://schemas.microsoft.com/office/drawing/2014/main" id="{559DF61F-9058-49C9-8F75-DC501F983B0E}"/>
+              </a:ext>
+              <a:ext uri="{C183D7F6-B498-43B3-948B-1728B52AA6E4}">
+                <adec:decorative xmlns:adec="http://schemas.microsoft.com/office/drawing/2017/decorative" val="1"/>
+              </a:ext>
+            </a:extLst>
+          </p:cNvPr>
+          <p:cNvPicPr>
+            <a:picLocks noGrp="1" noRot="1" noChangeAspect="1" noMove="1" noResize="1" noEditPoints="1" noAdjustHandles="1" noChangeArrowheads="1" noChangeShapeType="1" noCrop="1"/>
+          </p:cNvPicPr>
+          <p:nvPr>
+            <p:extLst>
+              <p:ext uri="{386F3935-93C4-4BCD-93E2-E3B085C9AB24}">
+                <p16:designElem xmlns:p16="http://schemas.microsoft.com/office/powerpoint/2015/main" val="1"/>
+              </p:ext>
+            </p:extLst>
+          </p:nvPr>
+        </p:nvPicPr>
+        <p:blipFill rotWithShape="1">
+          <a:blip r:embed="rId4">
+            <a:extLst>
+              <a:ext uri="{28A0092B-C50C-407E-A947-70E740481C1C}">
+                <a14:useLocalDpi xmlns:a14="http://schemas.microsoft.com/office/drawing/2010/main" val="0"/>
+              </a:ext>
+            </a:extLst>
+          </a:blip>
+          <a:srcRect t="964" r="2807" b="1446"/>
+          <a:stretch/>
+        </p:blipFill>
+        <p:spPr>
+          <a:xfrm>
+            <a:off x="-10649" y="1"/>
+            <a:ext cx="4690532" cy="6858000"/>
+          </a:xfrm>
+          <a:prstGeom prst="rect">
+            <a:avLst/>
+          </a:prstGeom>
+        </p:spPr>
+      </p:pic>
+    </p:spTree>
+    <p:extLst>
+      <p:ext uri="{BB962C8B-B14F-4D97-AF65-F5344CB8AC3E}">
+        <p14:creationId xmlns:p14="http://schemas.microsoft.com/office/powerpoint/2010/main" val="2176951814"/>
+      </p:ext>
+    </p:extLst>
+  </p:cSld>
+  <p:clrMapOvr>
+    <a:masterClrMapping/>
+  </p:clrMapOvr>
+</p:sld>
+</file>
+
 <file path=ppt/theme/theme1.xml><?xml version="1.0" encoding="utf-8"?>
 <a:theme xmlns:a="http://schemas.openxmlformats.org/drawingml/2006/main" name="Slate">
   <a:themeElements>
